--- a/Presentation ASPNET MVC Core - Part II.pptx
+++ b/Presentation ASPNET MVC Core - Part II.pptx
@@ -267,10 +267,6 @@
 </p:presentation>
 </file>
 
-<file path=ppt/revisionInfo.xml><?xml version="1.0" encoding="utf-8"?>
-<p1510:revInfo xmlns:a="http://schemas.openxmlformats.org/drawingml/2006/main" xmlns:r="http://schemas.openxmlformats.org/officeDocument/2006/relationships" xmlns:p1510="http://schemas.microsoft.com/office/powerpoint/2015/10/main"/>
-</file>
-
 <file path=ppt/handoutMasters/handoutMaster1.xml><?xml version="1.0" encoding="utf-8"?>
 <p:handoutMaster xmlns:a="http://schemas.openxmlformats.org/drawingml/2006/main" xmlns:r="http://schemas.openxmlformats.org/officeDocument/2006/relationships" xmlns:p="http://schemas.openxmlformats.org/presentationml/2006/main">
   <p:cSld>
@@ -353,7 +349,7 @@
           <a:p>
             <a:fld id="{CD54E0B9-A397-428E-BA01-CD7A34B572EB}" type="datetimeFigureOut">
               <a:rPr lang="en-US" smtClean="0"/>
-              <a:t>13-Jun-17</a:t>
+              <a:t>18-May-18</a:t>
             </a:fld>
             <a:endParaRPr lang="en-US"/>
           </a:p>
@@ -518,7 +514,7 @@
           <a:p>
             <a:fld id="{AA161301-18C9-4CA0-A0BF-791B6E0DDD4D}" type="datetimeFigureOut">
               <a:rPr lang="en-GB" smtClean="0"/>
-              <a:t>13/06/2017</a:t>
+              <a:t>18/05/2018</a:t>
             </a:fld>
             <a:endParaRPr lang="en-GB"/>
           </a:p>
@@ -12040,7 +12036,15 @@
             </a:r>
             <a:r>
               <a:rPr lang="en-US" b="1" dirty="0"/>
-              <a:t> MVC Core – Part II</a:t>
+              <a:t> </a:t>
+            </a:r>
+            <a:r>
+              <a:rPr lang="en-US" b="1"/>
+              <a:t>MVC Core 2 </a:t>
+            </a:r>
+            <a:r>
+              <a:rPr lang="en-US" b="1" dirty="0"/>
+              <a:t>– Part II</a:t>
             </a:r>
             <a:endParaRPr lang="hr-HR" b="1" dirty="0">
               <a:effectLst>
@@ -17810,7 +17814,7 @@
             </p:grpSpPr>
             <p:pic>
               <p:nvPicPr>
-                <p:cNvPr id="7" name="Picture 7">
+                <p:cNvPr id="2" name="Picture 2">
                   <a:hlinkClick r:id="rId9" action="ppaction://hlinksldjump"/>
                 </p:cNvPr>
                 <p:cNvPicPr>
@@ -17841,7 +17845,7 @@
             </p:pic>
             <p:pic>
               <p:nvPicPr>
-                <p:cNvPr id="8" name="Picture 8">
+                <p:cNvPr id="4" name="Picture 4">
                   <a:hlinkClick r:id="rId10" action="ppaction://hlinksldjump"/>
                 </p:cNvPr>
                 <p:cNvPicPr>
@@ -17872,7 +17876,7 @@
             </p:pic>
             <p:pic>
               <p:nvPicPr>
-                <p:cNvPr id="9" name="Picture 9">
+                <p:cNvPr id="6" name="Picture 6">
                   <a:hlinkClick r:id="rId11" action="ppaction://hlinksldjump"/>
                 </p:cNvPr>
                 <p:cNvPicPr>
@@ -17903,7 +17907,7 @@
             </p:pic>
             <p:pic>
               <p:nvPicPr>
-                <p:cNvPr id="10" name="Picture 10">
+                <p:cNvPr id="7" name="Picture 7">
                   <a:hlinkClick r:id="rId12" action="ppaction://hlinksldjump"/>
                 </p:cNvPr>
                 <p:cNvPicPr>
@@ -17934,7 +17938,7 @@
             </p:pic>
             <p:pic>
               <p:nvPicPr>
-                <p:cNvPr id="11" name="Picture 11">
+                <p:cNvPr id="8" name="Picture 8">
                   <a:hlinkClick r:id="rId13" action="ppaction://hlinksldjump"/>
                 </p:cNvPr>
                 <p:cNvPicPr>
@@ -17965,7 +17969,7 @@
             </p:pic>
             <p:pic>
               <p:nvPicPr>
-                <p:cNvPr id="12" name="Picture 12">
+                <p:cNvPr id="9" name="Picture 9">
                   <a:hlinkClick r:id="rId14" action="ppaction://hlinksldjump"/>
                 </p:cNvPr>
                 <p:cNvPicPr>
@@ -17996,7 +18000,7 @@
             </p:pic>
             <p:pic>
               <p:nvPicPr>
-                <p:cNvPr id="13" name="Picture 13">
+                <p:cNvPr id="10" name="Picture 10">
                   <a:hlinkClick r:id="rId15" action="ppaction://hlinksldjump"/>
                 </p:cNvPr>
                 <p:cNvPicPr>
@@ -26823,6 +26827,75 @@
       </p:grpSpPr>
       <p:sp>
         <p:nvSpPr>
+          <p:cNvPr id="4" name="Content Placeholder 3">
+            <a:extLst>
+              <a:ext uri="{FF2B5EF4-FFF2-40B4-BE49-F238E27FC236}">
+                <a16:creationId xmlns:a16="http://schemas.microsoft.com/office/drawing/2014/main" id="{693BAC56-BFD3-4805-95DE-4C1258D211B8}"/>
+              </a:ext>
+            </a:extLst>
+          </p:cNvPr>
+          <p:cNvSpPr>
+            <a:spLocks noGrp="1"/>
+          </p:cNvSpPr>
+          <p:nvPr>
+            <p:ph idx="1"/>
+          </p:nvPr>
+        </p:nvSpPr>
+        <p:spPr/>
+        <p:txBody>
+          <a:bodyPr/>
+          <a:lstStyle/>
+          <a:p>
+            <a:pPr marL="342900" indent="-342900" algn="just">
+              <a:buFont typeface="Wingdings" panose="05000000000000000000" pitchFamily="2" charset="2"/>
+              <a:buChar char="§"/>
+            </a:pPr>
+            <a:r>
+              <a:rPr lang="en-US" dirty="0"/>
+              <a:t>Browser security prevents a web page from making AJAX requests to another domain. This restriction is called the same-origin policy, and prevents a malicious site from reading sensitive data from another site. However, sometimes you might want to let other sites make cross-origin requests to your web API.</a:t>
+            </a:r>
+          </a:p>
+          <a:p>
+            <a:endParaRPr lang="en-US" dirty="0"/>
+          </a:p>
+          <a:p>
+            <a:pPr marL="342900" indent="-342900" algn="just">
+              <a:buFont typeface="Wingdings" panose="05000000000000000000" pitchFamily="2" charset="2"/>
+              <a:buChar char="§"/>
+            </a:pPr>
+            <a:r>
+              <a:rPr lang="en-US" dirty="0"/>
+              <a:t>Cross Origin Resource Sharing (CORS) is a W3C standard that allows a server to relax the same-origin policy. Using CORS, a server can explicitly allow some cross-origin requests while rejecting others. CORS is safer and more flexible than earlier techniques such as JSONP.</a:t>
+            </a:r>
+          </a:p>
+          <a:p>
+            <a:pPr marL="342900" indent="-342900" algn="just">
+              <a:buFont typeface="Wingdings" panose="05000000000000000000" pitchFamily="2" charset="2"/>
+              <a:buChar char="§"/>
+            </a:pPr>
+            <a:endParaRPr lang="en-US" dirty="0"/>
+          </a:p>
+          <a:p>
+            <a:pPr marL="342900" indent="-342900" algn="just">
+              <a:buFont typeface="Wingdings" panose="05000000000000000000" pitchFamily="2" charset="2"/>
+              <a:buChar char="§"/>
+            </a:pPr>
+            <a:r>
+              <a:rPr lang="en-US" dirty="0"/>
+              <a:t>Further reading: </a:t>
+            </a:r>
+            <a:r>
+              <a:rPr lang="en-US" dirty="0">
+                <a:hlinkClick r:id="rId2"/>
+              </a:rPr>
+              <a:t>link</a:t>
+            </a:r>
+            <a:endParaRPr lang="en-US" dirty="0"/>
+          </a:p>
+        </p:txBody>
+      </p:sp>
+      <p:sp>
+        <p:nvSpPr>
           <p:cNvPr id="3" name="Title 2">
             <a:extLst>
               <a:ext uri="{FF2B5EF4-FFF2-40B4-BE49-F238E27FC236}">
@@ -26846,100 +26919,6 @@
               <a:rPr lang="en-US" dirty="0"/>
               <a:t>Cross-Origin Requests (CORS)</a:t>
             </a:r>
-          </a:p>
-        </p:txBody>
-      </p:sp>
-      <p:sp>
-        <p:nvSpPr>
-          <p:cNvPr id="4" name="Content Placeholder 3">
-            <a:extLst>
-              <a:ext uri="{FF2B5EF4-FFF2-40B4-BE49-F238E27FC236}">
-                <a16:creationId xmlns:a16="http://schemas.microsoft.com/office/drawing/2014/main" id="{693BAC56-BFD3-4805-95DE-4C1258D211B8}"/>
-              </a:ext>
-            </a:extLst>
-          </p:cNvPr>
-          <p:cNvSpPr>
-            <a:spLocks noGrp="1"/>
-          </p:cNvSpPr>
-          <p:nvPr>
-            <p:ph idx="1"/>
-          </p:nvPr>
-        </p:nvSpPr>
-        <p:spPr/>
-        <p:txBody>
-          <a:bodyPr/>
-          <a:lstStyle/>
-          <a:p>
-            <a:pPr marL="342900" indent="-342900" algn="just">
-              <a:buFont typeface="Wingdings" panose="05000000000000000000" pitchFamily="2" charset="2"/>
-              <a:buChar char="§"/>
-            </a:pPr>
-            <a:r>
-              <a:rPr lang="en-US" dirty="0"/>
-              <a:t>Browser security prevents a web page from making AJAX requests to another domain. This restriction is called the same-origin policy, and prevents a malicious site from reading sensitive data from another site. However, sometimes you might want to let other sites make cross-origin requests to your web API.</a:t>
-            </a:r>
-          </a:p>
-          <a:p>
-            <a:endParaRPr lang="en-US" dirty="0"/>
-          </a:p>
-          <a:p>
-            <a:pPr marL="342900" indent="-342900" algn="just">
-              <a:buFont typeface="Wingdings" panose="05000000000000000000" pitchFamily="2" charset="2"/>
-              <a:buChar char="§"/>
-            </a:pPr>
-            <a:r>
-              <a:rPr lang="en-US" dirty="0"/>
-              <a:t>Cross Origin Resource Sharing (CORS) is a W3C standard that allows a server to relax the same-origin policy. Using CORS, a server can explicitly allow some cross-origin requests while rejecting others. CORS is safer and more flexible than earlier techniques such as JSONP.</a:t>
-            </a:r>
-          </a:p>
-          <a:p>
-            <a:pPr marL="342900" indent="-342900" algn="just">
-              <a:buFont typeface="Wingdings" panose="05000000000000000000" pitchFamily="2" charset="2"/>
-              <a:buChar char="§"/>
-            </a:pPr>
-            <a:endParaRPr lang="en-US" dirty="0"/>
-          </a:p>
-          <a:p>
-            <a:pPr marL="342900" indent="-342900" algn="just">
-              <a:buFont typeface="Wingdings" panose="05000000000000000000" pitchFamily="2" charset="2"/>
-              <a:buChar char="§"/>
-            </a:pPr>
-            <a:r>
-              <a:rPr lang="en-US" dirty="0"/>
-              <a:t>Further reading: </a:t>
-            </a:r>
-            <a:r>
-              <a:rPr lang="en-US" dirty="0">
-                <a:hlinkClick r:id="rId2"/>
-              </a:rPr>
-              <a:t>link</a:t>
-            </a:r>
-            <a:endParaRPr lang="en-US" dirty="0"/>
-          </a:p>
-        </p:txBody>
-      </p:sp>
-      <p:sp>
-        <p:nvSpPr>
-          <p:cNvPr id="5" name="Text Placeholder 4">
-            <a:extLst>
-              <a:ext uri="{FF2B5EF4-FFF2-40B4-BE49-F238E27FC236}">
-                <a16:creationId xmlns:a16="http://schemas.microsoft.com/office/drawing/2014/main" id="{FE136D1A-6D46-4CCB-8D5A-BAC11FA0BE84}"/>
-              </a:ext>
-            </a:extLst>
-          </p:cNvPr>
-          <p:cNvSpPr>
-            <a:spLocks noGrp="1"/>
-          </p:cNvSpPr>
-          <p:nvPr>
-            <p:ph type="body" sz="quarter" idx="10"/>
-          </p:nvPr>
-        </p:nvSpPr>
-        <p:spPr/>
-        <p:txBody>
-          <a:bodyPr/>
-          <a:lstStyle/>
-          <a:p>
-            <a:endParaRPr lang="en-US" dirty="0"/>
           </a:p>
         </p:txBody>
       </p:sp>
@@ -27111,15 +27090,7 @@
             </a:pPr>
             <a:r>
               <a:rPr lang="en-US" dirty="0"/>
-              <a:t>Cross-Site Scripting (XSS) is a security vulnerability which enables an attacker to place client side scripts (usually JavaScript) into web pages. When other users load affected pages the attackers scripts will run, enabling the </a:t>
-            </a:r>
-            <a:r>
-              <a:rPr lang="en-US" dirty="0" err="1"/>
-              <a:t>attacher</a:t>
-            </a:r>
-            <a:r>
-              <a:rPr lang="en-US" dirty="0"/>
-              <a:t> to steal cookies and session tokens, change the contents of the web page through DOM manipulation or redirect the browser to another page. </a:t>
+              <a:t>Cross-Site Scripting (XSS) is a security vulnerability which enables an attacker to place client side scripts (usually JavaScript) into web pages. When other users load affected pages the attackers scripts will run, enabling the attacker to steal cookies and session tokens, change the contents of the web page through DOM manipulation or redirect the browser to another page. </a:t>
             </a:r>
           </a:p>
           <a:p>

--- a/Presentation ASPNET MVC Core - Part II.pptx
+++ b/Presentation ASPNET MVC Core - Part II.pptx
@@ -5,10 +5,10 @@
     <p:sldMasterId id="2147483648" r:id="rId1"/>
   </p:sldMasterIdLst>
   <p:notesMasterIdLst>
-    <p:notesMasterId r:id="rId54"/>
+    <p:notesMasterId r:id="rId33"/>
   </p:notesMasterIdLst>
   <p:handoutMasterIdLst>
-    <p:handoutMasterId r:id="rId55"/>
+    <p:handoutMasterId r:id="rId34"/>
   </p:handoutMasterIdLst>
   <p:sldIdLst>
     <p:sldId id="493" r:id="rId2"/>
@@ -42,27 +42,6 @@
     <p:sldId id="807" r:id="rId30"/>
     <p:sldId id="780" r:id="rId31"/>
     <p:sldId id="808" r:id="rId32"/>
-    <p:sldId id="809" r:id="rId33"/>
-    <p:sldId id="810" r:id="rId34"/>
-    <p:sldId id="811" r:id="rId35"/>
-    <p:sldId id="812" r:id="rId36"/>
-    <p:sldId id="813" r:id="rId37"/>
-    <p:sldId id="814" r:id="rId38"/>
-    <p:sldId id="815" r:id="rId39"/>
-    <p:sldId id="816" r:id="rId40"/>
-    <p:sldId id="819" r:id="rId41"/>
-    <p:sldId id="817" r:id="rId42"/>
-    <p:sldId id="820" r:id="rId43"/>
-    <p:sldId id="821" r:id="rId44"/>
-    <p:sldId id="788" r:id="rId45"/>
-    <p:sldId id="822" r:id="rId46"/>
-    <p:sldId id="823" r:id="rId47"/>
-    <p:sldId id="824" r:id="rId48"/>
-    <p:sldId id="825" r:id="rId49"/>
-    <p:sldId id="818" r:id="rId50"/>
-    <p:sldId id="790" r:id="rId51"/>
-    <p:sldId id="729" r:id="rId52"/>
-    <p:sldId id="827" r:id="rId53"/>
   </p:sldIdLst>
   <p:sldSz cx="12192000" cy="6858000"/>
   <p:notesSz cx="9928225" cy="6797675"/>
@@ -177,7 +156,7 @@
             <p14:sldId id="828"/>
           </p14:sldIdLst>
         </p14:section>
-        <p14:section name="ASP.NET Core MVC Projetcs" id="{090A1CF0-1C3E-48DA-84F6-CBC61F93FDC4}">
+        <p14:section name="Authentication" id="{090A1CF0-1C3E-48DA-84F6-CBC61F93FDC4}">
           <p14:sldIdLst>
             <p14:sldId id="776"/>
             <p14:sldId id="796"/>
@@ -209,43 +188,6 @@
             <p14:sldId id="807"/>
             <p14:sldId id="780"/>
             <p14:sldId id="808"/>
-          </p14:sldIdLst>
-        </p14:section>
-        <p14:section name="Cross-Site Request Forgery (XSRF/CSRF) " id="{87E274A0-8D79-4657-BF00-1D5BC1863E78}">
-          <p14:sldIdLst>
-            <p14:sldId id="809"/>
-            <p14:sldId id="810"/>
-            <p14:sldId id="811"/>
-            <p14:sldId id="812"/>
-            <p14:sldId id="813"/>
-            <p14:sldId id="814"/>
-            <p14:sldId id="815"/>
-            <p14:sldId id="816"/>
-            <p14:sldId id="819"/>
-            <p14:sldId id="817"/>
-            <p14:sldId id="820"/>
-            <p14:sldId id="821"/>
-            <p14:sldId id="788"/>
-          </p14:sldIdLst>
-        </p14:section>
-        <p14:section name="Cross-Origin Requests (CORS)" id="{4D65A88A-69BB-4B5D-9C60-D5BA753612E3}">
-          <p14:sldIdLst>
-            <p14:sldId id="822"/>
-            <p14:sldId id="823"/>
-          </p14:sldIdLst>
-        </p14:section>
-        <p14:section name="Cross-Site Scripting (XSS)" id="{C54E39C5-14F5-466C-BABB-4B49E3ED504E}">
-          <p14:sldIdLst>
-            <p14:sldId id="824"/>
-            <p14:sldId id="825"/>
-          </p14:sldIdLst>
-        </p14:section>
-        <p14:section name="Security – Other recommendations" id="{1AE92897-8E8C-4C87-AB55-D15B46B8C9BD}">
-          <p14:sldIdLst>
-            <p14:sldId id="818"/>
-            <p14:sldId id="790"/>
-            <p14:sldId id="729"/>
-            <p14:sldId id="827"/>
           </p14:sldIdLst>
         </p14:section>
       </p14:sectionLst>
@@ -353,7 +295,7 @@
           <a:p>
             <a:fld id="{CD54E0B9-A397-428E-BA01-CD7A34B572EB}" type="datetimeFigureOut">
               <a:rPr lang="en-US" smtClean="0"/>
-              <a:t>20-May-18</a:t>
+              <a:t>5/16/2019</a:t>
             </a:fld>
             <a:endParaRPr lang="en-US"/>
           </a:p>
@@ -518,7 +460,7 @@
           <a:p>
             <a:fld id="{AA161301-18C9-4CA0-A0BF-791B6E0DDD4D}" type="datetimeFigureOut">
               <a:rPr lang="en-GB" smtClean="0"/>
-              <a:t>20/05/2018</a:t>
+              <a:t>16/05/2019</a:t>
             </a:fld>
             <a:endParaRPr lang="en-GB"/>
           </a:p>
@@ -870,528 +812,6 @@
 </p:notes>
 </file>
 
-<file path=ppt/notesSlides/notesSlide10.xml><?xml version="1.0" encoding="utf-8"?>
-<p:notes xmlns:a="http://schemas.openxmlformats.org/drawingml/2006/main" xmlns:r="http://schemas.openxmlformats.org/officeDocument/2006/relationships" xmlns:p="http://schemas.openxmlformats.org/presentationml/2006/main">
-  <p:cSld>
-    <p:spTree>
-      <p:nvGrpSpPr>
-        <p:cNvPr id="1" name=""/>
-        <p:cNvGrpSpPr/>
-        <p:nvPr/>
-      </p:nvGrpSpPr>
-      <p:grpSpPr>
-        <a:xfrm>
-          <a:off x="0" y="0"/>
-          <a:ext cx="0" cy="0"/>
-          <a:chOff x="0" y="0"/>
-          <a:chExt cx="0" cy="0"/>
-        </a:xfrm>
-      </p:grpSpPr>
-      <p:sp>
-        <p:nvSpPr>
-          <p:cNvPr id="2" name="Slide Image Placeholder 1"/>
-          <p:cNvSpPr>
-            <a:spLocks noGrp="1" noRot="1" noChangeAspect="1"/>
-          </p:cNvSpPr>
-          <p:nvPr>
-            <p:ph type="sldImg"/>
-          </p:nvPr>
-        </p:nvSpPr>
-        <p:spPr/>
-      </p:sp>
-      <p:sp>
-        <p:nvSpPr>
-          <p:cNvPr id="3" name="Notes Placeholder 2"/>
-          <p:cNvSpPr>
-            <a:spLocks noGrp="1"/>
-          </p:cNvSpPr>
-          <p:nvPr>
-            <p:ph type="body" idx="1"/>
-          </p:nvPr>
-        </p:nvSpPr>
-        <p:spPr/>
-        <p:txBody>
-          <a:bodyPr/>
-          <a:lstStyle/>
-          <a:p>
-            <a:r>
-              <a:rPr lang="en-US" dirty="0"/>
-              <a:t>https://docs.microsoft.com/en-us/aspnet/core/security/anti-request-forgery</a:t>
-            </a:r>
-          </a:p>
-        </p:txBody>
-      </p:sp>
-      <p:sp>
-        <p:nvSpPr>
-          <p:cNvPr id="4" name="Slide Number Placeholder 3"/>
-          <p:cNvSpPr>
-            <a:spLocks noGrp="1"/>
-          </p:cNvSpPr>
-          <p:nvPr>
-            <p:ph type="sldNum" sz="quarter" idx="10"/>
-          </p:nvPr>
-        </p:nvSpPr>
-        <p:spPr/>
-        <p:txBody>
-          <a:bodyPr/>
-          <a:lstStyle/>
-          <a:p>
-            <a:fld id="{0BF20BA8-12AF-476D-99B2-894C09A4EE62}" type="slidenum">
-              <a:rPr lang="en-GB" smtClean="0"/>
-              <a:t>36</a:t>
-            </a:fld>
-            <a:endParaRPr lang="en-GB"/>
-          </a:p>
-        </p:txBody>
-      </p:sp>
-    </p:spTree>
-    <p:extLst>
-      <p:ext uri="{BB962C8B-B14F-4D97-AF65-F5344CB8AC3E}">
-        <p14:creationId xmlns:p14="http://schemas.microsoft.com/office/powerpoint/2010/main" val="408824424"/>
-      </p:ext>
-    </p:extLst>
-  </p:cSld>
-  <p:clrMapOvr>
-    <a:masterClrMapping/>
-  </p:clrMapOvr>
-</p:notes>
-</file>
-
-<file path=ppt/notesSlides/notesSlide11.xml><?xml version="1.0" encoding="utf-8"?>
-<p:notes xmlns:a="http://schemas.openxmlformats.org/drawingml/2006/main" xmlns:r="http://schemas.openxmlformats.org/officeDocument/2006/relationships" xmlns:p="http://schemas.openxmlformats.org/presentationml/2006/main">
-  <p:cSld>
-    <p:spTree>
-      <p:nvGrpSpPr>
-        <p:cNvPr id="1" name=""/>
-        <p:cNvGrpSpPr/>
-        <p:nvPr/>
-      </p:nvGrpSpPr>
-      <p:grpSpPr>
-        <a:xfrm>
-          <a:off x="0" y="0"/>
-          <a:ext cx="0" cy="0"/>
-          <a:chOff x="0" y="0"/>
-          <a:chExt cx="0" cy="0"/>
-        </a:xfrm>
-      </p:grpSpPr>
-      <p:sp>
-        <p:nvSpPr>
-          <p:cNvPr id="2" name="Slide Image Placeholder 1"/>
-          <p:cNvSpPr>
-            <a:spLocks noGrp="1" noRot="1" noChangeAspect="1"/>
-          </p:cNvSpPr>
-          <p:nvPr>
-            <p:ph type="sldImg"/>
-          </p:nvPr>
-        </p:nvSpPr>
-        <p:spPr/>
-      </p:sp>
-      <p:sp>
-        <p:nvSpPr>
-          <p:cNvPr id="3" name="Notes Placeholder 2"/>
-          <p:cNvSpPr>
-            <a:spLocks noGrp="1"/>
-          </p:cNvSpPr>
-          <p:nvPr>
-            <p:ph type="body" idx="1"/>
-          </p:nvPr>
-        </p:nvSpPr>
-        <p:spPr/>
-        <p:txBody>
-          <a:bodyPr/>
-          <a:lstStyle/>
-          <a:p>
-            <a:r>
-              <a:rPr lang="en-US" dirty="0"/>
-              <a:t>https://docs.microsoft.com/en-us/aspnet/core/security/anti-request-forgery</a:t>
-            </a:r>
-          </a:p>
-        </p:txBody>
-      </p:sp>
-      <p:sp>
-        <p:nvSpPr>
-          <p:cNvPr id="4" name="Slide Number Placeholder 3"/>
-          <p:cNvSpPr>
-            <a:spLocks noGrp="1"/>
-          </p:cNvSpPr>
-          <p:nvPr>
-            <p:ph type="sldNum" sz="quarter" idx="10"/>
-          </p:nvPr>
-        </p:nvSpPr>
-        <p:spPr/>
-        <p:txBody>
-          <a:bodyPr/>
-          <a:lstStyle/>
-          <a:p>
-            <a:fld id="{0BF20BA8-12AF-476D-99B2-894C09A4EE62}" type="slidenum">
-              <a:rPr lang="en-GB" smtClean="0"/>
-              <a:t>37</a:t>
-            </a:fld>
-            <a:endParaRPr lang="en-GB"/>
-          </a:p>
-        </p:txBody>
-      </p:sp>
-    </p:spTree>
-    <p:extLst>
-      <p:ext uri="{BB962C8B-B14F-4D97-AF65-F5344CB8AC3E}">
-        <p14:creationId xmlns:p14="http://schemas.microsoft.com/office/powerpoint/2010/main" val="3613841344"/>
-      </p:ext>
-    </p:extLst>
-  </p:cSld>
-  <p:clrMapOvr>
-    <a:masterClrMapping/>
-  </p:clrMapOvr>
-</p:notes>
-</file>
-
-<file path=ppt/notesSlides/notesSlide12.xml><?xml version="1.0" encoding="utf-8"?>
-<p:notes xmlns:a="http://schemas.openxmlformats.org/drawingml/2006/main" xmlns:r="http://schemas.openxmlformats.org/officeDocument/2006/relationships" xmlns:p="http://schemas.openxmlformats.org/presentationml/2006/main">
-  <p:cSld>
-    <p:spTree>
-      <p:nvGrpSpPr>
-        <p:cNvPr id="1" name=""/>
-        <p:cNvGrpSpPr/>
-        <p:nvPr/>
-      </p:nvGrpSpPr>
-      <p:grpSpPr>
-        <a:xfrm>
-          <a:off x="0" y="0"/>
-          <a:ext cx="0" cy="0"/>
-          <a:chOff x="0" y="0"/>
-          <a:chExt cx="0" cy="0"/>
-        </a:xfrm>
-      </p:grpSpPr>
-      <p:sp>
-        <p:nvSpPr>
-          <p:cNvPr id="2" name="Slide Image Placeholder 1"/>
-          <p:cNvSpPr>
-            <a:spLocks noGrp="1" noRot="1" noChangeAspect="1"/>
-          </p:cNvSpPr>
-          <p:nvPr>
-            <p:ph type="sldImg"/>
-          </p:nvPr>
-        </p:nvSpPr>
-        <p:spPr/>
-      </p:sp>
-      <p:sp>
-        <p:nvSpPr>
-          <p:cNvPr id="3" name="Notes Placeholder 2"/>
-          <p:cNvSpPr>
-            <a:spLocks noGrp="1"/>
-          </p:cNvSpPr>
-          <p:nvPr>
-            <p:ph type="body" idx="1"/>
-          </p:nvPr>
-        </p:nvSpPr>
-        <p:spPr/>
-        <p:txBody>
-          <a:bodyPr/>
-          <a:lstStyle/>
-          <a:p>
-            <a:r>
-              <a:rPr lang="en-US" dirty="0"/>
-              <a:t>https://docs.microsoft.com/en-us/aspnet/core/security/anti-request-forgery</a:t>
-            </a:r>
-          </a:p>
-        </p:txBody>
-      </p:sp>
-      <p:sp>
-        <p:nvSpPr>
-          <p:cNvPr id="4" name="Slide Number Placeholder 3"/>
-          <p:cNvSpPr>
-            <a:spLocks noGrp="1"/>
-          </p:cNvSpPr>
-          <p:nvPr>
-            <p:ph type="sldNum" sz="quarter" idx="10"/>
-          </p:nvPr>
-        </p:nvSpPr>
-        <p:spPr/>
-        <p:txBody>
-          <a:bodyPr/>
-          <a:lstStyle/>
-          <a:p>
-            <a:fld id="{0BF20BA8-12AF-476D-99B2-894C09A4EE62}" type="slidenum">
-              <a:rPr lang="en-GB" smtClean="0"/>
-              <a:t>38</a:t>
-            </a:fld>
-            <a:endParaRPr lang="en-GB"/>
-          </a:p>
-        </p:txBody>
-      </p:sp>
-    </p:spTree>
-    <p:extLst>
-      <p:ext uri="{BB962C8B-B14F-4D97-AF65-F5344CB8AC3E}">
-        <p14:creationId xmlns:p14="http://schemas.microsoft.com/office/powerpoint/2010/main" val="1145919814"/>
-      </p:ext>
-    </p:extLst>
-  </p:cSld>
-  <p:clrMapOvr>
-    <a:masterClrMapping/>
-  </p:clrMapOvr>
-</p:notes>
-</file>
-
-<file path=ppt/notesSlides/notesSlide13.xml><?xml version="1.0" encoding="utf-8"?>
-<p:notes xmlns:a="http://schemas.openxmlformats.org/drawingml/2006/main" xmlns:r="http://schemas.openxmlformats.org/officeDocument/2006/relationships" xmlns:p="http://schemas.openxmlformats.org/presentationml/2006/main">
-  <p:cSld>
-    <p:spTree>
-      <p:nvGrpSpPr>
-        <p:cNvPr id="1" name=""/>
-        <p:cNvGrpSpPr/>
-        <p:nvPr/>
-      </p:nvGrpSpPr>
-      <p:grpSpPr>
-        <a:xfrm>
-          <a:off x="0" y="0"/>
-          <a:ext cx="0" cy="0"/>
-          <a:chOff x="0" y="0"/>
-          <a:chExt cx="0" cy="0"/>
-        </a:xfrm>
-      </p:grpSpPr>
-      <p:sp>
-        <p:nvSpPr>
-          <p:cNvPr id="2" name="Slide Image Placeholder 1"/>
-          <p:cNvSpPr>
-            <a:spLocks noGrp="1" noRot="1" noChangeAspect="1"/>
-          </p:cNvSpPr>
-          <p:nvPr>
-            <p:ph type="sldImg"/>
-          </p:nvPr>
-        </p:nvSpPr>
-        <p:spPr/>
-      </p:sp>
-      <p:sp>
-        <p:nvSpPr>
-          <p:cNvPr id="3" name="Notes Placeholder 2"/>
-          <p:cNvSpPr>
-            <a:spLocks noGrp="1"/>
-          </p:cNvSpPr>
-          <p:nvPr>
-            <p:ph type="body" idx="1"/>
-          </p:nvPr>
-        </p:nvSpPr>
-        <p:spPr/>
-        <p:txBody>
-          <a:bodyPr/>
-          <a:lstStyle/>
-          <a:p>
-            <a:r>
-              <a:rPr lang="en-US" dirty="0"/>
-              <a:t>https://docs.microsoft.com/en-us/aspnet/core/security/anti-request-forgery</a:t>
-            </a:r>
-          </a:p>
-        </p:txBody>
-      </p:sp>
-      <p:sp>
-        <p:nvSpPr>
-          <p:cNvPr id="4" name="Slide Number Placeholder 3"/>
-          <p:cNvSpPr>
-            <a:spLocks noGrp="1"/>
-          </p:cNvSpPr>
-          <p:nvPr>
-            <p:ph type="sldNum" sz="quarter" idx="10"/>
-          </p:nvPr>
-        </p:nvSpPr>
-        <p:spPr/>
-        <p:txBody>
-          <a:bodyPr/>
-          <a:lstStyle/>
-          <a:p>
-            <a:fld id="{0BF20BA8-12AF-476D-99B2-894C09A4EE62}" type="slidenum">
-              <a:rPr lang="en-GB" smtClean="0"/>
-              <a:t>39</a:t>
-            </a:fld>
-            <a:endParaRPr lang="en-GB"/>
-          </a:p>
-        </p:txBody>
-      </p:sp>
-    </p:spTree>
-    <p:extLst>
-      <p:ext uri="{BB962C8B-B14F-4D97-AF65-F5344CB8AC3E}">
-        <p14:creationId xmlns:p14="http://schemas.microsoft.com/office/powerpoint/2010/main" val="2152000216"/>
-      </p:ext>
-    </p:extLst>
-  </p:cSld>
-  <p:clrMapOvr>
-    <a:masterClrMapping/>
-  </p:clrMapOvr>
-</p:notes>
-</file>
-
-<file path=ppt/notesSlides/notesSlide14.xml><?xml version="1.0" encoding="utf-8"?>
-<p:notes xmlns:a="http://schemas.openxmlformats.org/drawingml/2006/main" xmlns:r="http://schemas.openxmlformats.org/officeDocument/2006/relationships" xmlns:p="http://schemas.openxmlformats.org/presentationml/2006/main">
-  <p:cSld>
-    <p:spTree>
-      <p:nvGrpSpPr>
-        <p:cNvPr id="1" name=""/>
-        <p:cNvGrpSpPr/>
-        <p:nvPr/>
-      </p:nvGrpSpPr>
-      <p:grpSpPr>
-        <a:xfrm>
-          <a:off x="0" y="0"/>
-          <a:ext cx="0" cy="0"/>
-          <a:chOff x="0" y="0"/>
-          <a:chExt cx="0" cy="0"/>
-        </a:xfrm>
-      </p:grpSpPr>
-      <p:sp>
-        <p:nvSpPr>
-          <p:cNvPr id="2" name="Slide Image Placeholder 1"/>
-          <p:cNvSpPr>
-            <a:spLocks noGrp="1" noRot="1" noChangeAspect="1"/>
-          </p:cNvSpPr>
-          <p:nvPr>
-            <p:ph type="sldImg"/>
-          </p:nvPr>
-        </p:nvSpPr>
-        <p:spPr/>
-      </p:sp>
-      <p:sp>
-        <p:nvSpPr>
-          <p:cNvPr id="3" name="Notes Placeholder 2"/>
-          <p:cNvSpPr>
-            <a:spLocks noGrp="1"/>
-          </p:cNvSpPr>
-          <p:nvPr>
-            <p:ph type="body" idx="1"/>
-          </p:nvPr>
-        </p:nvSpPr>
-        <p:spPr/>
-        <p:txBody>
-          <a:bodyPr/>
-          <a:lstStyle/>
-          <a:p>
-            <a:r>
-              <a:rPr lang="en-US" dirty="0"/>
-              <a:t>https://docs.microsoft.com/en-us/aspnet/core/security/anti-request-forgery</a:t>
-            </a:r>
-          </a:p>
-        </p:txBody>
-      </p:sp>
-      <p:sp>
-        <p:nvSpPr>
-          <p:cNvPr id="4" name="Slide Number Placeholder 3"/>
-          <p:cNvSpPr>
-            <a:spLocks noGrp="1"/>
-          </p:cNvSpPr>
-          <p:nvPr>
-            <p:ph type="sldNum" sz="quarter" idx="10"/>
-          </p:nvPr>
-        </p:nvSpPr>
-        <p:spPr/>
-        <p:txBody>
-          <a:bodyPr/>
-          <a:lstStyle/>
-          <a:p>
-            <a:fld id="{0BF20BA8-12AF-476D-99B2-894C09A4EE62}" type="slidenum">
-              <a:rPr lang="en-GB" smtClean="0"/>
-              <a:t>40</a:t>
-            </a:fld>
-            <a:endParaRPr lang="en-GB"/>
-          </a:p>
-        </p:txBody>
-      </p:sp>
-    </p:spTree>
-    <p:extLst>
-      <p:ext uri="{BB962C8B-B14F-4D97-AF65-F5344CB8AC3E}">
-        <p14:creationId xmlns:p14="http://schemas.microsoft.com/office/powerpoint/2010/main" val="1300193659"/>
-      </p:ext>
-    </p:extLst>
-  </p:cSld>
-  <p:clrMapOvr>
-    <a:masterClrMapping/>
-  </p:clrMapOvr>
-</p:notes>
-</file>
-
-<file path=ppt/notesSlides/notesSlide15.xml><?xml version="1.0" encoding="utf-8"?>
-<p:notes xmlns:a="http://schemas.openxmlformats.org/drawingml/2006/main" xmlns:r="http://schemas.openxmlformats.org/officeDocument/2006/relationships" xmlns:p="http://schemas.openxmlformats.org/presentationml/2006/main">
-  <p:cSld>
-    <p:spTree>
-      <p:nvGrpSpPr>
-        <p:cNvPr id="1" name=""/>
-        <p:cNvGrpSpPr/>
-        <p:nvPr/>
-      </p:nvGrpSpPr>
-      <p:grpSpPr>
-        <a:xfrm>
-          <a:off x="0" y="0"/>
-          <a:ext cx="0" cy="0"/>
-          <a:chOff x="0" y="0"/>
-          <a:chExt cx="0" cy="0"/>
-        </a:xfrm>
-      </p:grpSpPr>
-      <p:sp>
-        <p:nvSpPr>
-          <p:cNvPr id="2" name="Slide Image Placeholder 1"/>
-          <p:cNvSpPr>
-            <a:spLocks noGrp="1" noRot="1" noChangeAspect="1"/>
-          </p:cNvSpPr>
-          <p:nvPr>
-            <p:ph type="sldImg"/>
-          </p:nvPr>
-        </p:nvSpPr>
-        <p:spPr/>
-      </p:sp>
-      <p:sp>
-        <p:nvSpPr>
-          <p:cNvPr id="3" name="Notes Placeholder 2"/>
-          <p:cNvSpPr>
-            <a:spLocks noGrp="1"/>
-          </p:cNvSpPr>
-          <p:nvPr>
-            <p:ph type="body" idx="1"/>
-          </p:nvPr>
-        </p:nvSpPr>
-        <p:spPr/>
-        <p:txBody>
-          <a:bodyPr/>
-          <a:lstStyle/>
-          <a:p>
-            <a:r>
-              <a:rPr lang="en-US" dirty="0"/>
-              <a:t>https://docs.microsoft.com/en-us/aspnet/core/security/anti-request-forgery</a:t>
-            </a:r>
-          </a:p>
-        </p:txBody>
-      </p:sp>
-      <p:sp>
-        <p:nvSpPr>
-          <p:cNvPr id="4" name="Slide Number Placeholder 3"/>
-          <p:cNvSpPr>
-            <a:spLocks noGrp="1"/>
-          </p:cNvSpPr>
-          <p:nvPr>
-            <p:ph type="sldNum" sz="quarter" idx="10"/>
-          </p:nvPr>
-        </p:nvSpPr>
-        <p:spPr/>
-        <p:txBody>
-          <a:bodyPr/>
-          <a:lstStyle/>
-          <a:p>
-            <a:fld id="{0BF20BA8-12AF-476D-99B2-894C09A4EE62}" type="slidenum">
-              <a:rPr lang="en-GB" smtClean="0"/>
-              <a:t>44</a:t>
-            </a:fld>
-            <a:endParaRPr lang="en-GB"/>
-          </a:p>
-        </p:txBody>
-      </p:sp>
-    </p:spTree>
-    <p:extLst>
-      <p:ext uri="{BB962C8B-B14F-4D97-AF65-F5344CB8AC3E}">
-        <p14:creationId xmlns:p14="http://schemas.microsoft.com/office/powerpoint/2010/main" val="555990621"/>
-      </p:ext>
-    </p:extLst>
-  </p:cSld>
-  <p:clrMapOvr>
-    <a:masterClrMapping/>
-  </p:clrMapOvr>
-</p:notes>
-</file>
-
 <file path=ppt/notesSlides/notesSlide2.xml><?xml version="1.0" encoding="utf-8"?>
 <p:notes xmlns:a="http://schemas.openxmlformats.org/drawingml/2006/main" xmlns:r="http://schemas.openxmlformats.org/officeDocument/2006/relationships" xmlns:p="http://schemas.openxmlformats.org/presentationml/2006/main">
   <p:cSld>
@@ -1748,351 +1168,6 @@
     <p:extLst>
       <p:ext uri="{BB962C8B-B14F-4D97-AF65-F5344CB8AC3E}">
         <p14:creationId xmlns:p14="http://schemas.microsoft.com/office/powerpoint/2010/main" val="1544109390"/>
-      </p:ext>
-    </p:extLst>
-  </p:cSld>
-  <p:clrMapOvr>
-    <a:masterClrMapping/>
-  </p:clrMapOvr>
-</p:notes>
-</file>
-
-<file path=ppt/notesSlides/notesSlide6.xml><?xml version="1.0" encoding="utf-8"?>
-<p:notes xmlns:a="http://schemas.openxmlformats.org/drawingml/2006/main" xmlns:r="http://schemas.openxmlformats.org/officeDocument/2006/relationships" xmlns:p="http://schemas.openxmlformats.org/presentationml/2006/main">
-  <p:cSld>
-    <p:spTree>
-      <p:nvGrpSpPr>
-        <p:cNvPr id="1" name=""/>
-        <p:cNvGrpSpPr/>
-        <p:nvPr/>
-      </p:nvGrpSpPr>
-      <p:grpSpPr>
-        <a:xfrm>
-          <a:off x="0" y="0"/>
-          <a:ext cx="0" cy="0"/>
-          <a:chOff x="0" y="0"/>
-          <a:chExt cx="0" cy="0"/>
-        </a:xfrm>
-      </p:grpSpPr>
-      <p:sp>
-        <p:nvSpPr>
-          <p:cNvPr id="2" name="Slide Image Placeholder 1"/>
-          <p:cNvSpPr>
-            <a:spLocks noGrp="1" noRot="1" noChangeAspect="1"/>
-          </p:cNvSpPr>
-          <p:nvPr>
-            <p:ph type="sldImg"/>
-          </p:nvPr>
-        </p:nvSpPr>
-        <p:spPr/>
-      </p:sp>
-      <p:sp>
-        <p:nvSpPr>
-          <p:cNvPr id="3" name="Notes Placeholder 2"/>
-          <p:cNvSpPr>
-            <a:spLocks noGrp="1"/>
-          </p:cNvSpPr>
-          <p:nvPr>
-            <p:ph type="body" idx="1"/>
-          </p:nvPr>
-        </p:nvSpPr>
-        <p:spPr/>
-        <p:txBody>
-          <a:bodyPr/>
-          <a:lstStyle/>
-          <a:p>
-            <a:endParaRPr lang="en-US" dirty="0"/>
-          </a:p>
-        </p:txBody>
-      </p:sp>
-      <p:sp>
-        <p:nvSpPr>
-          <p:cNvPr id="4" name="Slide Number Placeholder 3"/>
-          <p:cNvSpPr>
-            <a:spLocks noGrp="1"/>
-          </p:cNvSpPr>
-          <p:nvPr>
-            <p:ph type="sldNum" sz="quarter" idx="10"/>
-          </p:nvPr>
-        </p:nvSpPr>
-        <p:spPr/>
-        <p:txBody>
-          <a:bodyPr/>
-          <a:lstStyle/>
-          <a:p>
-            <a:fld id="{0BF20BA8-12AF-476D-99B2-894C09A4EE62}" type="slidenum">
-              <a:rPr lang="en-GB" smtClean="0"/>
-              <a:t>32</a:t>
-            </a:fld>
-            <a:endParaRPr lang="en-GB"/>
-          </a:p>
-        </p:txBody>
-      </p:sp>
-    </p:spTree>
-    <p:extLst>
-      <p:ext uri="{BB962C8B-B14F-4D97-AF65-F5344CB8AC3E}">
-        <p14:creationId xmlns:p14="http://schemas.microsoft.com/office/powerpoint/2010/main" val="2546531681"/>
-      </p:ext>
-    </p:extLst>
-  </p:cSld>
-  <p:clrMapOvr>
-    <a:masterClrMapping/>
-  </p:clrMapOvr>
-</p:notes>
-</file>
-
-<file path=ppt/notesSlides/notesSlide7.xml><?xml version="1.0" encoding="utf-8"?>
-<p:notes xmlns:a="http://schemas.openxmlformats.org/drawingml/2006/main" xmlns:r="http://schemas.openxmlformats.org/officeDocument/2006/relationships" xmlns:p="http://schemas.openxmlformats.org/presentationml/2006/main">
-  <p:cSld>
-    <p:spTree>
-      <p:nvGrpSpPr>
-        <p:cNvPr id="1" name=""/>
-        <p:cNvGrpSpPr/>
-        <p:nvPr/>
-      </p:nvGrpSpPr>
-      <p:grpSpPr>
-        <a:xfrm>
-          <a:off x="0" y="0"/>
-          <a:ext cx="0" cy="0"/>
-          <a:chOff x="0" y="0"/>
-          <a:chExt cx="0" cy="0"/>
-        </a:xfrm>
-      </p:grpSpPr>
-      <p:sp>
-        <p:nvSpPr>
-          <p:cNvPr id="2" name="Slide Image Placeholder 1"/>
-          <p:cNvSpPr>
-            <a:spLocks noGrp="1" noRot="1" noChangeAspect="1"/>
-          </p:cNvSpPr>
-          <p:nvPr>
-            <p:ph type="sldImg"/>
-          </p:nvPr>
-        </p:nvSpPr>
-        <p:spPr/>
-      </p:sp>
-      <p:sp>
-        <p:nvSpPr>
-          <p:cNvPr id="3" name="Notes Placeholder 2"/>
-          <p:cNvSpPr>
-            <a:spLocks noGrp="1"/>
-          </p:cNvSpPr>
-          <p:nvPr>
-            <p:ph type="body" idx="1"/>
-          </p:nvPr>
-        </p:nvSpPr>
-        <p:spPr/>
-        <p:txBody>
-          <a:bodyPr/>
-          <a:lstStyle/>
-          <a:p>
-            <a:r>
-              <a:rPr lang="en-US" dirty="0"/>
-              <a:t>https://docs.microsoft.com/en-us/aspnet/core/security/anti-request-forgery</a:t>
-            </a:r>
-          </a:p>
-        </p:txBody>
-      </p:sp>
-      <p:sp>
-        <p:nvSpPr>
-          <p:cNvPr id="4" name="Slide Number Placeholder 3"/>
-          <p:cNvSpPr>
-            <a:spLocks noGrp="1"/>
-          </p:cNvSpPr>
-          <p:nvPr>
-            <p:ph type="sldNum" sz="quarter" idx="10"/>
-          </p:nvPr>
-        </p:nvSpPr>
-        <p:spPr/>
-        <p:txBody>
-          <a:bodyPr/>
-          <a:lstStyle/>
-          <a:p>
-            <a:fld id="{0BF20BA8-12AF-476D-99B2-894C09A4EE62}" type="slidenum">
-              <a:rPr lang="en-GB" smtClean="0"/>
-              <a:t>33</a:t>
-            </a:fld>
-            <a:endParaRPr lang="en-GB"/>
-          </a:p>
-        </p:txBody>
-      </p:sp>
-    </p:spTree>
-    <p:extLst>
-      <p:ext uri="{BB962C8B-B14F-4D97-AF65-F5344CB8AC3E}">
-        <p14:creationId xmlns:p14="http://schemas.microsoft.com/office/powerpoint/2010/main" val="3143252286"/>
-      </p:ext>
-    </p:extLst>
-  </p:cSld>
-  <p:clrMapOvr>
-    <a:masterClrMapping/>
-  </p:clrMapOvr>
-</p:notes>
-</file>
-
-<file path=ppt/notesSlides/notesSlide8.xml><?xml version="1.0" encoding="utf-8"?>
-<p:notes xmlns:a="http://schemas.openxmlformats.org/drawingml/2006/main" xmlns:r="http://schemas.openxmlformats.org/officeDocument/2006/relationships" xmlns:p="http://schemas.openxmlformats.org/presentationml/2006/main">
-  <p:cSld>
-    <p:spTree>
-      <p:nvGrpSpPr>
-        <p:cNvPr id="1" name=""/>
-        <p:cNvGrpSpPr/>
-        <p:nvPr/>
-      </p:nvGrpSpPr>
-      <p:grpSpPr>
-        <a:xfrm>
-          <a:off x="0" y="0"/>
-          <a:ext cx="0" cy="0"/>
-          <a:chOff x="0" y="0"/>
-          <a:chExt cx="0" cy="0"/>
-        </a:xfrm>
-      </p:grpSpPr>
-      <p:sp>
-        <p:nvSpPr>
-          <p:cNvPr id="2" name="Slide Image Placeholder 1"/>
-          <p:cNvSpPr>
-            <a:spLocks noGrp="1" noRot="1" noChangeAspect="1"/>
-          </p:cNvSpPr>
-          <p:nvPr>
-            <p:ph type="sldImg"/>
-          </p:nvPr>
-        </p:nvSpPr>
-        <p:spPr/>
-      </p:sp>
-      <p:sp>
-        <p:nvSpPr>
-          <p:cNvPr id="3" name="Notes Placeholder 2"/>
-          <p:cNvSpPr>
-            <a:spLocks noGrp="1"/>
-          </p:cNvSpPr>
-          <p:nvPr>
-            <p:ph type="body" idx="1"/>
-          </p:nvPr>
-        </p:nvSpPr>
-        <p:spPr/>
-        <p:txBody>
-          <a:bodyPr/>
-          <a:lstStyle/>
-          <a:p>
-            <a:r>
-              <a:rPr lang="en-US" dirty="0"/>
-              <a:t>https://docs.microsoft.com/en-us/aspnet/core/security/anti-request-forgery</a:t>
-            </a:r>
-          </a:p>
-        </p:txBody>
-      </p:sp>
-      <p:sp>
-        <p:nvSpPr>
-          <p:cNvPr id="4" name="Slide Number Placeholder 3"/>
-          <p:cNvSpPr>
-            <a:spLocks noGrp="1"/>
-          </p:cNvSpPr>
-          <p:nvPr>
-            <p:ph type="sldNum" sz="quarter" idx="10"/>
-          </p:nvPr>
-        </p:nvSpPr>
-        <p:spPr/>
-        <p:txBody>
-          <a:bodyPr/>
-          <a:lstStyle/>
-          <a:p>
-            <a:fld id="{0BF20BA8-12AF-476D-99B2-894C09A4EE62}" type="slidenum">
-              <a:rPr lang="en-GB" smtClean="0"/>
-              <a:t>34</a:t>
-            </a:fld>
-            <a:endParaRPr lang="en-GB"/>
-          </a:p>
-        </p:txBody>
-      </p:sp>
-    </p:spTree>
-    <p:extLst>
-      <p:ext uri="{BB962C8B-B14F-4D97-AF65-F5344CB8AC3E}">
-        <p14:creationId xmlns:p14="http://schemas.microsoft.com/office/powerpoint/2010/main" val="681317634"/>
-      </p:ext>
-    </p:extLst>
-  </p:cSld>
-  <p:clrMapOvr>
-    <a:masterClrMapping/>
-  </p:clrMapOvr>
-</p:notes>
-</file>
-
-<file path=ppt/notesSlides/notesSlide9.xml><?xml version="1.0" encoding="utf-8"?>
-<p:notes xmlns:a="http://schemas.openxmlformats.org/drawingml/2006/main" xmlns:r="http://schemas.openxmlformats.org/officeDocument/2006/relationships" xmlns:p="http://schemas.openxmlformats.org/presentationml/2006/main">
-  <p:cSld>
-    <p:spTree>
-      <p:nvGrpSpPr>
-        <p:cNvPr id="1" name=""/>
-        <p:cNvGrpSpPr/>
-        <p:nvPr/>
-      </p:nvGrpSpPr>
-      <p:grpSpPr>
-        <a:xfrm>
-          <a:off x="0" y="0"/>
-          <a:ext cx="0" cy="0"/>
-          <a:chOff x="0" y="0"/>
-          <a:chExt cx="0" cy="0"/>
-        </a:xfrm>
-      </p:grpSpPr>
-      <p:sp>
-        <p:nvSpPr>
-          <p:cNvPr id="2" name="Slide Image Placeholder 1"/>
-          <p:cNvSpPr>
-            <a:spLocks noGrp="1" noRot="1" noChangeAspect="1"/>
-          </p:cNvSpPr>
-          <p:nvPr>
-            <p:ph type="sldImg"/>
-          </p:nvPr>
-        </p:nvSpPr>
-        <p:spPr/>
-      </p:sp>
-      <p:sp>
-        <p:nvSpPr>
-          <p:cNvPr id="3" name="Notes Placeholder 2"/>
-          <p:cNvSpPr>
-            <a:spLocks noGrp="1"/>
-          </p:cNvSpPr>
-          <p:nvPr>
-            <p:ph type="body" idx="1"/>
-          </p:nvPr>
-        </p:nvSpPr>
-        <p:spPr/>
-        <p:txBody>
-          <a:bodyPr/>
-          <a:lstStyle/>
-          <a:p>
-            <a:r>
-              <a:rPr lang="en-US" dirty="0"/>
-              <a:t>https://docs.microsoft.com/en-us/aspnet/core/security/anti-request-forgery</a:t>
-            </a:r>
-          </a:p>
-        </p:txBody>
-      </p:sp>
-      <p:sp>
-        <p:nvSpPr>
-          <p:cNvPr id="4" name="Slide Number Placeholder 3"/>
-          <p:cNvSpPr>
-            <a:spLocks noGrp="1"/>
-          </p:cNvSpPr>
-          <p:nvPr>
-            <p:ph type="sldNum" sz="quarter" idx="10"/>
-          </p:nvPr>
-        </p:nvSpPr>
-        <p:spPr/>
-        <p:txBody>
-          <a:bodyPr/>
-          <a:lstStyle/>
-          <a:p>
-            <a:fld id="{0BF20BA8-12AF-476D-99B2-894C09A4EE62}" type="slidenum">
-              <a:rPr lang="en-GB" smtClean="0"/>
-              <a:t>35</a:t>
-            </a:fld>
-            <a:endParaRPr lang="en-GB"/>
-          </a:p>
-        </p:txBody>
-      </p:sp>
-    </p:spTree>
-    <p:extLst>
-      <p:ext uri="{BB962C8B-B14F-4D97-AF65-F5344CB8AC3E}">
-        <p14:creationId xmlns:p14="http://schemas.microsoft.com/office/powerpoint/2010/main" val="2164337370"/>
       </p:ext>
     </p:extLst>
   </p:cSld>
@@ -21998,2528 +21073,6 @@
 </p:sld>
 </file>
 
-<file path=ppt/slides/slide32.xml><?xml version="1.0" encoding="utf-8"?>
-<p:sld xmlns:a="http://schemas.openxmlformats.org/drawingml/2006/main" xmlns:r="http://schemas.openxmlformats.org/officeDocument/2006/relationships" xmlns:p="http://schemas.openxmlformats.org/presentationml/2006/main">
-  <p:cSld>
-    <p:spTree>
-      <p:nvGrpSpPr>
-        <p:cNvPr id="1" name=""/>
-        <p:cNvGrpSpPr/>
-        <p:nvPr/>
-      </p:nvGrpSpPr>
-      <p:grpSpPr>
-        <a:xfrm>
-          <a:off x="0" y="0"/>
-          <a:ext cx="0" cy="0"/>
-          <a:chOff x="0" y="0"/>
-          <a:chExt cx="0" cy="0"/>
-        </a:xfrm>
-      </p:grpSpPr>
-      <p:sp>
-        <p:nvSpPr>
-          <p:cNvPr id="5" name="Title 4">
-            <a:extLst>
-              <a:ext uri="{FF2B5EF4-FFF2-40B4-BE49-F238E27FC236}">
-                <a16:creationId xmlns:a16="http://schemas.microsoft.com/office/drawing/2014/main" id="{6BAEA1C6-8816-4F29-9263-FF192F8D6ADF}"/>
-              </a:ext>
-            </a:extLst>
-          </p:cNvPr>
-          <p:cNvSpPr>
-            <a:spLocks noGrp="1"/>
-          </p:cNvSpPr>
-          <p:nvPr>
-            <p:ph type="title"/>
-          </p:nvPr>
-        </p:nvSpPr>
-        <p:spPr/>
-        <p:txBody>
-          <a:bodyPr/>
-          <a:lstStyle/>
-          <a:p>
-            <a:r>
-              <a:rPr lang="en-US" dirty="0"/>
-              <a:t>Cross-Site Request Forgery (XSRF/CSRF) </a:t>
-            </a:r>
-          </a:p>
-        </p:txBody>
-      </p:sp>
-    </p:spTree>
-    <p:extLst>
-      <p:ext uri="{BB962C8B-B14F-4D97-AF65-F5344CB8AC3E}">
-        <p14:creationId xmlns:p14="http://schemas.microsoft.com/office/powerpoint/2010/main" val="3133587711"/>
-      </p:ext>
-    </p:extLst>
-  </p:cSld>
-  <p:clrMapOvr>
-    <a:masterClrMapping/>
-  </p:clrMapOvr>
-  <mc:AlternateContent xmlns:mc="http://schemas.openxmlformats.org/markup-compatibility/2006" xmlns:p14="http://schemas.microsoft.com/office/powerpoint/2010/main">
-    <mc:Choice Requires="p14">
-      <p:transition spd="med" p14:dur="700" advClick="0" advTm="1500">
-        <p:fade/>
-      </p:transition>
-    </mc:Choice>
-    <mc:Fallback xmlns="">
-      <p:transition spd="med" advClick="0" advTm="1500">
-        <p:fade/>
-      </p:transition>
-    </mc:Fallback>
-  </mc:AlternateContent>
-</p:sld>
-</file>
-
-<file path=ppt/slides/slide33.xml><?xml version="1.0" encoding="utf-8"?>
-<p:sld xmlns:a="http://schemas.openxmlformats.org/drawingml/2006/main" xmlns:r="http://schemas.openxmlformats.org/officeDocument/2006/relationships" xmlns:p="http://schemas.openxmlformats.org/presentationml/2006/main">
-  <p:cSld>
-    <p:spTree>
-      <p:nvGrpSpPr>
-        <p:cNvPr id="1" name=""/>
-        <p:cNvGrpSpPr/>
-        <p:nvPr/>
-      </p:nvGrpSpPr>
-      <p:grpSpPr>
-        <a:xfrm>
-          <a:off x="0" y="0"/>
-          <a:ext cx="0" cy="0"/>
-          <a:chOff x="0" y="0"/>
-          <a:chExt cx="0" cy="0"/>
-        </a:xfrm>
-      </p:grpSpPr>
-      <p:sp>
-        <p:nvSpPr>
-          <p:cNvPr id="3" name="Title 2">
-            <a:extLst>
-              <a:ext uri="{FF2B5EF4-FFF2-40B4-BE49-F238E27FC236}">
-                <a16:creationId xmlns:a16="http://schemas.microsoft.com/office/drawing/2014/main" id="{1EE93ADB-EABB-43BE-888A-4AEDACC33D00}"/>
-              </a:ext>
-            </a:extLst>
-          </p:cNvPr>
-          <p:cNvSpPr>
-            <a:spLocks noGrp="1"/>
-          </p:cNvSpPr>
-          <p:nvPr>
-            <p:ph type="title"/>
-          </p:nvPr>
-        </p:nvSpPr>
-        <p:spPr/>
-        <p:txBody>
-          <a:bodyPr/>
-          <a:lstStyle/>
-          <a:p>
-            <a:r>
-              <a:rPr lang="en-US" dirty="0"/>
-              <a:t>Cross-Site Request Forgery (XSRF/CSRF) </a:t>
-            </a:r>
-          </a:p>
-        </p:txBody>
-      </p:sp>
-      <p:sp>
-        <p:nvSpPr>
-          <p:cNvPr id="4" name="Content Placeholder 3">
-            <a:extLst>
-              <a:ext uri="{FF2B5EF4-FFF2-40B4-BE49-F238E27FC236}">
-                <a16:creationId xmlns:a16="http://schemas.microsoft.com/office/drawing/2014/main" id="{33C28C98-A922-4FD0-8D1B-1E69E084FA84}"/>
-              </a:ext>
-            </a:extLst>
-          </p:cNvPr>
-          <p:cNvSpPr>
-            <a:spLocks noGrp="1"/>
-          </p:cNvSpPr>
-          <p:nvPr>
-            <p:ph idx="1"/>
-          </p:nvPr>
-        </p:nvSpPr>
-        <p:spPr/>
-        <p:txBody>
-          <a:bodyPr/>
-          <a:lstStyle/>
-          <a:p>
-            <a:pPr marL="342900" indent="-342900" algn="just">
-              <a:buFont typeface="Wingdings" panose="05000000000000000000" pitchFamily="2" charset="2"/>
-              <a:buChar char="§"/>
-            </a:pPr>
-            <a:r>
-              <a:rPr lang="en-US" dirty="0"/>
-              <a:t>Cross-site request forgery (also known as XSRF or CSRF, pronounced see-surf) is an attack against web-hosted applications whereby a malicious web site can influence the interaction between a client browser and a web site that trusts that browser. </a:t>
-            </a:r>
-          </a:p>
-          <a:p>
-            <a:pPr marL="342900" indent="-342900" algn="just">
-              <a:buFont typeface="Wingdings" panose="05000000000000000000" pitchFamily="2" charset="2"/>
-              <a:buChar char="§"/>
-            </a:pPr>
-            <a:endParaRPr lang="en-US" dirty="0"/>
-          </a:p>
-          <a:p>
-            <a:pPr marL="342900" indent="-342900" algn="just">
-              <a:buFont typeface="Wingdings" panose="05000000000000000000" pitchFamily="2" charset="2"/>
-              <a:buChar char="§"/>
-            </a:pPr>
-            <a:r>
-              <a:rPr lang="en-US" dirty="0"/>
-              <a:t>These attacks are made possible because web browsers send some types of authentication tokens automatically with every request to a web site. This form of exploit is also known as a one-click attack or as session riding, because the attack takes advantage of the user's previously authenticated session.</a:t>
-            </a:r>
-          </a:p>
-          <a:p>
-            <a:pPr marL="342900" indent="-342900" algn="just">
-              <a:buFont typeface="Wingdings" panose="05000000000000000000" pitchFamily="2" charset="2"/>
-              <a:buChar char="§"/>
-            </a:pPr>
-            <a:endParaRPr lang="en-US" dirty="0"/>
-          </a:p>
-          <a:p>
-            <a:pPr marL="342900" indent="-342900" algn="just">
-              <a:buFont typeface="Wingdings" panose="05000000000000000000" pitchFamily="2" charset="2"/>
-              <a:buChar char="§"/>
-            </a:pPr>
-            <a:r>
-              <a:rPr lang="en-US" dirty="0"/>
-              <a:t>A malicious site sends POST/GET requests to the attacked site (in which the user is authenticated).</a:t>
-            </a:r>
-          </a:p>
-        </p:txBody>
-      </p:sp>
-    </p:spTree>
-    <p:extLst>
-      <p:ext uri="{BB962C8B-B14F-4D97-AF65-F5344CB8AC3E}">
-        <p14:creationId xmlns:p14="http://schemas.microsoft.com/office/powerpoint/2010/main" val="1744145387"/>
-      </p:ext>
-    </p:extLst>
-  </p:cSld>
-  <p:clrMapOvr>
-    <a:masterClrMapping/>
-  </p:clrMapOvr>
-  <mc:AlternateContent xmlns:mc="http://schemas.openxmlformats.org/markup-compatibility/2006" xmlns:p14="http://schemas.microsoft.com/office/powerpoint/2010/main">
-    <mc:Choice Requires="p14">
-      <p:transition spd="med" p14:dur="700">
-        <p:fade/>
-      </p:transition>
-    </mc:Choice>
-    <mc:Fallback xmlns="">
-      <p:transition spd="med">
-        <p:fade/>
-      </p:transition>
-    </mc:Fallback>
-  </mc:AlternateContent>
-</p:sld>
-</file>
-
-<file path=ppt/slides/slide34.xml><?xml version="1.0" encoding="utf-8"?>
-<p:sld xmlns:a="http://schemas.openxmlformats.org/drawingml/2006/main" xmlns:r="http://schemas.openxmlformats.org/officeDocument/2006/relationships" xmlns:p="http://schemas.openxmlformats.org/presentationml/2006/main">
-  <p:cSld>
-    <p:spTree>
-      <p:nvGrpSpPr>
-        <p:cNvPr id="1" name=""/>
-        <p:cNvGrpSpPr/>
-        <p:nvPr/>
-      </p:nvGrpSpPr>
-      <p:grpSpPr>
-        <a:xfrm>
-          <a:off x="0" y="0"/>
-          <a:ext cx="0" cy="0"/>
-          <a:chOff x="0" y="0"/>
-          <a:chExt cx="0" cy="0"/>
-        </a:xfrm>
-      </p:grpSpPr>
-      <p:sp>
-        <p:nvSpPr>
-          <p:cNvPr id="3" name="Title 2">
-            <a:extLst>
-              <a:ext uri="{FF2B5EF4-FFF2-40B4-BE49-F238E27FC236}">
-                <a16:creationId xmlns:a16="http://schemas.microsoft.com/office/drawing/2014/main" id="{1EE93ADB-EABB-43BE-888A-4AEDACC33D00}"/>
-              </a:ext>
-            </a:extLst>
-          </p:cNvPr>
-          <p:cNvSpPr>
-            <a:spLocks noGrp="1"/>
-          </p:cNvSpPr>
-          <p:nvPr>
-            <p:ph type="title"/>
-          </p:nvPr>
-        </p:nvSpPr>
-        <p:spPr/>
-        <p:txBody>
-          <a:bodyPr/>
-          <a:lstStyle/>
-          <a:p>
-            <a:r>
-              <a:rPr lang="en-US" dirty="0"/>
-              <a:t>Cross-Site Request Forgery (XSRF/CSRF) </a:t>
-            </a:r>
-          </a:p>
-        </p:txBody>
-      </p:sp>
-      <p:sp>
-        <p:nvSpPr>
-          <p:cNvPr id="4" name="Content Placeholder 3">
-            <a:extLst>
-              <a:ext uri="{FF2B5EF4-FFF2-40B4-BE49-F238E27FC236}">
-                <a16:creationId xmlns:a16="http://schemas.microsoft.com/office/drawing/2014/main" id="{33C28C98-A922-4FD0-8D1B-1E69E084FA84}"/>
-              </a:ext>
-            </a:extLst>
-          </p:cNvPr>
-          <p:cNvSpPr>
-            <a:spLocks noGrp="1"/>
-          </p:cNvSpPr>
-          <p:nvPr>
-            <p:ph idx="1"/>
-          </p:nvPr>
-        </p:nvSpPr>
-        <p:spPr/>
-        <p:txBody>
-          <a:bodyPr/>
-          <a:lstStyle/>
-          <a:p>
-            <a:pPr marL="457200" indent="-457200" algn="just">
-              <a:buFont typeface="+mj-lt"/>
-              <a:buAutoNum type="arabicPeriod"/>
-            </a:pPr>
-            <a:r>
-              <a:rPr lang="en-US" dirty="0"/>
-              <a:t>A user logs into www.example.com, using forms authentication.</a:t>
-            </a:r>
-          </a:p>
-          <a:p>
-            <a:pPr marL="457200" indent="-457200" algn="just">
-              <a:buFont typeface="+mj-lt"/>
-              <a:buAutoNum type="arabicPeriod"/>
-            </a:pPr>
-            <a:r>
-              <a:rPr lang="en-US" dirty="0"/>
-              <a:t>The server authenticates the user and issues a response that includes an authentication cookie.</a:t>
-            </a:r>
-          </a:p>
-          <a:p>
-            <a:pPr marL="457200" indent="-457200" algn="just">
-              <a:buFont typeface="+mj-lt"/>
-              <a:buAutoNum type="arabicPeriod"/>
-            </a:pPr>
-            <a:r>
-              <a:rPr lang="en-US" dirty="0"/>
-              <a:t>The user visits a malicious site.</a:t>
-            </a:r>
-          </a:p>
-          <a:p>
-            <a:pPr marL="457200" indent="-457200" algn="just">
-              <a:buFont typeface="+mj-lt"/>
-              <a:buAutoNum type="arabicPeriod"/>
-            </a:pPr>
-            <a:r>
-              <a:rPr lang="en-US" dirty="0"/>
-              <a:t>This malicious site contains the following HTML form:</a:t>
-            </a:r>
-          </a:p>
-          <a:p>
-            <a:pPr marL="457200" indent="-457200" algn="just">
-              <a:buFont typeface="+mj-lt"/>
-              <a:buAutoNum type="arabicPeriod"/>
-            </a:pPr>
-            <a:endParaRPr lang="en-US" dirty="0"/>
-          </a:p>
-          <a:p>
-            <a:pPr marL="457200" indent="-457200" algn="just">
-              <a:buFont typeface="+mj-lt"/>
-              <a:buAutoNum type="arabicPeriod"/>
-            </a:pPr>
-            <a:endParaRPr lang="en-US" dirty="0"/>
-          </a:p>
-          <a:p>
-            <a:pPr marL="457200" indent="-457200" algn="just">
-              <a:buFont typeface="+mj-lt"/>
-              <a:buAutoNum type="arabicPeriod"/>
-            </a:pPr>
-            <a:endParaRPr lang="en-US" dirty="0"/>
-          </a:p>
-          <a:p>
-            <a:pPr marL="457200" indent="-457200" algn="just">
-              <a:buFont typeface="+mj-lt"/>
-              <a:buAutoNum type="arabicPeriod"/>
-            </a:pPr>
-            <a:endParaRPr lang="en-US" dirty="0"/>
-          </a:p>
-          <a:p>
-            <a:pPr marL="457200" indent="-457200" algn="just">
-              <a:buFont typeface="+mj-lt"/>
-              <a:buAutoNum type="arabicPeriod"/>
-            </a:pPr>
-            <a:endParaRPr lang="en-US" dirty="0"/>
-          </a:p>
-          <a:p>
-            <a:pPr algn="just"/>
-            <a:r>
-              <a:rPr lang="en-US" b="1" dirty="0"/>
-              <a:t>Note: </a:t>
-            </a:r>
-            <a:r>
-              <a:rPr lang="en-US" dirty="0"/>
-              <a:t>the form action posts to the vulnerable site, not to the malicious site. This is the “cross-site” part of CSRF.</a:t>
-            </a:r>
-          </a:p>
-        </p:txBody>
-      </p:sp>
-      <p:sp>
-        <p:nvSpPr>
-          <p:cNvPr id="6" name="Text Placeholder 5">
-            <a:extLst>
-              <a:ext uri="{FF2B5EF4-FFF2-40B4-BE49-F238E27FC236}">
-                <a16:creationId xmlns:a16="http://schemas.microsoft.com/office/drawing/2014/main" id="{AA7B65F4-3C0E-40F6-83F2-635CFC9C410F}"/>
-              </a:ext>
-            </a:extLst>
-          </p:cNvPr>
-          <p:cNvSpPr>
-            <a:spLocks noGrp="1"/>
-          </p:cNvSpPr>
-          <p:nvPr>
-            <p:ph type="body" sz="quarter" idx="10"/>
-          </p:nvPr>
-        </p:nvSpPr>
-        <p:spPr/>
-        <p:txBody>
-          <a:bodyPr/>
-          <a:lstStyle/>
-          <a:p>
-            <a:r>
-              <a:rPr lang="en-US" dirty="0"/>
-              <a:t>An example of a CSRF attack</a:t>
-            </a:r>
-          </a:p>
-        </p:txBody>
-      </p:sp>
-      <p:sp>
-        <p:nvSpPr>
-          <p:cNvPr id="7" name="Rectangle 6">
-            <a:extLst>
-              <a:ext uri="{FF2B5EF4-FFF2-40B4-BE49-F238E27FC236}">
-                <a16:creationId xmlns:a16="http://schemas.microsoft.com/office/drawing/2014/main" id="{FF82D8E9-658E-4444-95AD-B739E381D821}"/>
-              </a:ext>
-            </a:extLst>
-          </p:cNvPr>
-          <p:cNvSpPr/>
-          <p:nvPr/>
-        </p:nvSpPr>
-        <p:spPr>
-          <a:xfrm>
-            <a:off x="2228256" y="3717032"/>
-            <a:ext cx="7907088" cy="1754326"/>
-          </a:xfrm>
-          <a:prstGeom prst="rect">
-            <a:avLst/>
-          </a:prstGeom>
-          <a:solidFill>
-            <a:schemeClr val="bg1"/>
-          </a:solidFill>
-        </p:spPr>
-        <p:txBody>
-          <a:bodyPr wrap="square">
-            <a:spAutoFit/>
-          </a:bodyPr>
-          <a:lstStyle/>
-          <a:p>
-            <a:r>
-              <a:rPr lang="en-US" dirty="0">
-                <a:solidFill>
-                  <a:srgbClr val="800000"/>
-                </a:solidFill>
-                <a:latin typeface="Consolas" panose="020B0609020204030204" pitchFamily="49" charset="0"/>
-              </a:rPr>
-              <a:t>&lt;h1&gt;</a:t>
-            </a:r>
-            <a:r>
-              <a:rPr lang="en-US" dirty="0">
-                <a:solidFill>
-                  <a:srgbClr val="000000"/>
-                </a:solidFill>
-                <a:latin typeface="Consolas" panose="020B0609020204030204" pitchFamily="49" charset="0"/>
-              </a:rPr>
-              <a:t>You Are a Winner!</a:t>
-            </a:r>
-            <a:r>
-              <a:rPr lang="en-US" dirty="0">
-                <a:solidFill>
-                  <a:srgbClr val="800000"/>
-                </a:solidFill>
-                <a:latin typeface="Consolas" panose="020B0609020204030204" pitchFamily="49" charset="0"/>
-              </a:rPr>
-              <a:t>&lt;/h1&gt;</a:t>
-            </a:r>
-            <a:endParaRPr lang="en-US" dirty="0">
-              <a:solidFill>
-                <a:srgbClr val="000000"/>
-              </a:solidFill>
-              <a:latin typeface="Consolas" panose="020B0609020204030204" pitchFamily="49" charset="0"/>
-            </a:endParaRPr>
-          </a:p>
-          <a:p>
-            <a:r>
-              <a:rPr lang="en-US" dirty="0">
-                <a:solidFill>
-                  <a:srgbClr val="800000"/>
-                </a:solidFill>
-                <a:latin typeface="Consolas" panose="020B0609020204030204" pitchFamily="49" charset="0"/>
-              </a:rPr>
-              <a:t>&lt;form</a:t>
-            </a:r>
-            <a:r>
-              <a:rPr lang="en-US" dirty="0">
-                <a:solidFill>
-                  <a:srgbClr val="000000"/>
-                </a:solidFill>
-                <a:latin typeface="Consolas" panose="020B0609020204030204" pitchFamily="49" charset="0"/>
-              </a:rPr>
-              <a:t> </a:t>
-            </a:r>
-            <a:r>
-              <a:rPr lang="en-US" dirty="0">
-                <a:solidFill>
-                  <a:srgbClr val="FF0000"/>
-                </a:solidFill>
-                <a:latin typeface="Consolas" panose="020B0609020204030204" pitchFamily="49" charset="0"/>
-              </a:rPr>
-              <a:t>action</a:t>
-            </a:r>
-            <a:r>
-              <a:rPr lang="en-US" dirty="0">
-                <a:solidFill>
-                  <a:srgbClr val="000000"/>
-                </a:solidFill>
-                <a:latin typeface="Consolas" panose="020B0609020204030204" pitchFamily="49" charset="0"/>
-              </a:rPr>
-              <a:t>=</a:t>
-            </a:r>
-            <a:r>
-              <a:rPr lang="en-US" dirty="0">
-                <a:solidFill>
-                  <a:srgbClr val="0000FF"/>
-                </a:solidFill>
-                <a:latin typeface="Consolas" panose="020B0609020204030204" pitchFamily="49" charset="0"/>
-              </a:rPr>
-              <a:t>"http://example.com/</a:t>
-            </a:r>
-            <a:r>
-              <a:rPr lang="en-US" dirty="0" err="1">
-                <a:solidFill>
-                  <a:srgbClr val="0000FF"/>
-                </a:solidFill>
-                <a:latin typeface="Consolas" panose="020B0609020204030204" pitchFamily="49" charset="0"/>
-              </a:rPr>
-              <a:t>api</a:t>
-            </a:r>
-            <a:r>
-              <a:rPr lang="en-US" dirty="0">
-                <a:solidFill>
-                  <a:srgbClr val="0000FF"/>
-                </a:solidFill>
-                <a:latin typeface="Consolas" panose="020B0609020204030204" pitchFamily="49" charset="0"/>
-              </a:rPr>
-              <a:t>/account"</a:t>
-            </a:r>
-            <a:r>
-              <a:rPr lang="en-US" dirty="0">
-                <a:solidFill>
-                  <a:srgbClr val="000000"/>
-                </a:solidFill>
-                <a:latin typeface="Consolas" panose="020B0609020204030204" pitchFamily="49" charset="0"/>
-              </a:rPr>
-              <a:t> </a:t>
-            </a:r>
-            <a:r>
-              <a:rPr lang="en-US" dirty="0">
-                <a:solidFill>
-                  <a:srgbClr val="FF0000"/>
-                </a:solidFill>
-                <a:latin typeface="Consolas" panose="020B0609020204030204" pitchFamily="49" charset="0"/>
-              </a:rPr>
-              <a:t>method</a:t>
-            </a:r>
-            <a:r>
-              <a:rPr lang="en-US" dirty="0">
-                <a:solidFill>
-                  <a:srgbClr val="000000"/>
-                </a:solidFill>
-                <a:latin typeface="Consolas" panose="020B0609020204030204" pitchFamily="49" charset="0"/>
-              </a:rPr>
-              <a:t>=</a:t>
-            </a:r>
-            <a:r>
-              <a:rPr lang="en-US" dirty="0">
-                <a:solidFill>
-                  <a:srgbClr val="0000FF"/>
-                </a:solidFill>
-                <a:latin typeface="Consolas" panose="020B0609020204030204" pitchFamily="49" charset="0"/>
-              </a:rPr>
-              <a:t>"post"</a:t>
-            </a:r>
-            <a:r>
-              <a:rPr lang="en-US" dirty="0">
-                <a:solidFill>
-                  <a:srgbClr val="800000"/>
-                </a:solidFill>
-                <a:latin typeface="Consolas" panose="020B0609020204030204" pitchFamily="49" charset="0"/>
-              </a:rPr>
-              <a:t>&gt;</a:t>
-            </a:r>
-            <a:endParaRPr lang="en-US" dirty="0">
-              <a:solidFill>
-                <a:srgbClr val="000000"/>
-              </a:solidFill>
-              <a:latin typeface="Consolas" panose="020B0609020204030204" pitchFamily="49" charset="0"/>
-            </a:endParaRPr>
-          </a:p>
-          <a:p>
-            <a:r>
-              <a:rPr lang="en-US" dirty="0">
-                <a:solidFill>
-                  <a:srgbClr val="800000"/>
-                </a:solidFill>
-                <a:latin typeface="Consolas" panose="020B0609020204030204" pitchFamily="49" charset="0"/>
-              </a:rPr>
-              <a:t>&lt;input</a:t>
-            </a:r>
-            <a:r>
-              <a:rPr lang="en-US" dirty="0">
-                <a:solidFill>
-                  <a:srgbClr val="000000"/>
-                </a:solidFill>
-                <a:latin typeface="Consolas" panose="020B0609020204030204" pitchFamily="49" charset="0"/>
-              </a:rPr>
-              <a:t> </a:t>
-            </a:r>
-            <a:r>
-              <a:rPr lang="en-US" dirty="0">
-                <a:solidFill>
-                  <a:srgbClr val="FF0000"/>
-                </a:solidFill>
-                <a:latin typeface="Consolas" panose="020B0609020204030204" pitchFamily="49" charset="0"/>
-              </a:rPr>
-              <a:t>type</a:t>
-            </a:r>
-            <a:r>
-              <a:rPr lang="en-US" dirty="0">
-                <a:solidFill>
-                  <a:srgbClr val="000000"/>
-                </a:solidFill>
-                <a:latin typeface="Consolas" panose="020B0609020204030204" pitchFamily="49" charset="0"/>
-              </a:rPr>
-              <a:t>=</a:t>
-            </a:r>
-            <a:r>
-              <a:rPr lang="en-US" dirty="0">
-                <a:solidFill>
-                  <a:srgbClr val="0000FF"/>
-                </a:solidFill>
-                <a:latin typeface="Consolas" panose="020B0609020204030204" pitchFamily="49" charset="0"/>
-              </a:rPr>
-              <a:t>"hidden"</a:t>
-            </a:r>
-            <a:r>
-              <a:rPr lang="en-US" dirty="0">
-                <a:solidFill>
-                  <a:srgbClr val="000000"/>
-                </a:solidFill>
-                <a:latin typeface="Consolas" panose="020B0609020204030204" pitchFamily="49" charset="0"/>
-              </a:rPr>
-              <a:t> </a:t>
-            </a:r>
-            <a:r>
-              <a:rPr lang="en-US" dirty="0">
-                <a:solidFill>
-                  <a:srgbClr val="FF0000"/>
-                </a:solidFill>
-                <a:latin typeface="Consolas" panose="020B0609020204030204" pitchFamily="49" charset="0"/>
-              </a:rPr>
-              <a:t>name</a:t>
-            </a:r>
-            <a:r>
-              <a:rPr lang="en-US" dirty="0">
-                <a:solidFill>
-                  <a:srgbClr val="000000"/>
-                </a:solidFill>
-                <a:latin typeface="Consolas" panose="020B0609020204030204" pitchFamily="49" charset="0"/>
-              </a:rPr>
-              <a:t>=</a:t>
-            </a:r>
-            <a:r>
-              <a:rPr lang="en-US" dirty="0">
-                <a:solidFill>
-                  <a:srgbClr val="0000FF"/>
-                </a:solidFill>
-                <a:latin typeface="Consolas" panose="020B0609020204030204" pitchFamily="49" charset="0"/>
-              </a:rPr>
-              <a:t>"Transaction"</a:t>
-            </a:r>
-            <a:r>
-              <a:rPr lang="en-US" dirty="0">
-                <a:solidFill>
-                  <a:srgbClr val="000000"/>
-                </a:solidFill>
-                <a:latin typeface="Consolas" panose="020B0609020204030204" pitchFamily="49" charset="0"/>
-              </a:rPr>
-              <a:t> </a:t>
-            </a:r>
-            <a:r>
-              <a:rPr lang="en-US" dirty="0">
-                <a:solidFill>
-                  <a:srgbClr val="FF0000"/>
-                </a:solidFill>
-                <a:latin typeface="Consolas" panose="020B0609020204030204" pitchFamily="49" charset="0"/>
-              </a:rPr>
-              <a:t>value</a:t>
-            </a:r>
-            <a:r>
-              <a:rPr lang="en-US" dirty="0">
-                <a:solidFill>
-                  <a:srgbClr val="000000"/>
-                </a:solidFill>
-                <a:latin typeface="Consolas" panose="020B0609020204030204" pitchFamily="49" charset="0"/>
-              </a:rPr>
-              <a:t>=</a:t>
-            </a:r>
-            <a:r>
-              <a:rPr lang="en-US" dirty="0">
-                <a:solidFill>
-                  <a:srgbClr val="0000FF"/>
-                </a:solidFill>
-                <a:latin typeface="Consolas" panose="020B0609020204030204" pitchFamily="49" charset="0"/>
-              </a:rPr>
-              <a:t>"withdraw"</a:t>
-            </a:r>
-            <a:r>
-              <a:rPr lang="en-US" dirty="0">
-                <a:solidFill>
-                  <a:srgbClr val="800000"/>
-                </a:solidFill>
-                <a:latin typeface="Consolas" panose="020B0609020204030204" pitchFamily="49" charset="0"/>
-              </a:rPr>
-              <a:t> /&gt;</a:t>
-            </a:r>
-            <a:endParaRPr lang="en-US" dirty="0">
-              <a:solidFill>
-                <a:srgbClr val="000000"/>
-              </a:solidFill>
-              <a:latin typeface="Consolas" panose="020B0609020204030204" pitchFamily="49" charset="0"/>
-            </a:endParaRPr>
-          </a:p>
-          <a:p>
-            <a:r>
-              <a:rPr lang="en-US" dirty="0">
-                <a:solidFill>
-                  <a:srgbClr val="800000"/>
-                </a:solidFill>
-                <a:latin typeface="Consolas" panose="020B0609020204030204" pitchFamily="49" charset="0"/>
-              </a:rPr>
-              <a:t>&lt;input</a:t>
-            </a:r>
-            <a:r>
-              <a:rPr lang="en-US" dirty="0">
-                <a:solidFill>
-                  <a:srgbClr val="000000"/>
-                </a:solidFill>
-                <a:latin typeface="Consolas" panose="020B0609020204030204" pitchFamily="49" charset="0"/>
-              </a:rPr>
-              <a:t> </a:t>
-            </a:r>
-            <a:r>
-              <a:rPr lang="en-US" dirty="0">
-                <a:solidFill>
-                  <a:srgbClr val="FF0000"/>
-                </a:solidFill>
-                <a:latin typeface="Consolas" panose="020B0609020204030204" pitchFamily="49" charset="0"/>
-              </a:rPr>
-              <a:t>type</a:t>
-            </a:r>
-            <a:r>
-              <a:rPr lang="en-US" dirty="0">
-                <a:solidFill>
-                  <a:srgbClr val="000000"/>
-                </a:solidFill>
-                <a:latin typeface="Consolas" panose="020B0609020204030204" pitchFamily="49" charset="0"/>
-              </a:rPr>
-              <a:t>=</a:t>
-            </a:r>
-            <a:r>
-              <a:rPr lang="en-US" dirty="0">
-                <a:solidFill>
-                  <a:srgbClr val="0000FF"/>
-                </a:solidFill>
-                <a:latin typeface="Consolas" panose="020B0609020204030204" pitchFamily="49" charset="0"/>
-              </a:rPr>
-              <a:t>"hidden"</a:t>
-            </a:r>
-            <a:r>
-              <a:rPr lang="en-US" dirty="0">
-                <a:solidFill>
-                  <a:srgbClr val="000000"/>
-                </a:solidFill>
-                <a:latin typeface="Consolas" panose="020B0609020204030204" pitchFamily="49" charset="0"/>
-              </a:rPr>
-              <a:t> </a:t>
-            </a:r>
-            <a:r>
-              <a:rPr lang="en-US" dirty="0">
-                <a:solidFill>
-                  <a:srgbClr val="FF0000"/>
-                </a:solidFill>
-                <a:latin typeface="Consolas" panose="020B0609020204030204" pitchFamily="49" charset="0"/>
-              </a:rPr>
-              <a:t>name</a:t>
-            </a:r>
-            <a:r>
-              <a:rPr lang="en-US" dirty="0">
-                <a:solidFill>
-                  <a:srgbClr val="000000"/>
-                </a:solidFill>
-                <a:latin typeface="Consolas" panose="020B0609020204030204" pitchFamily="49" charset="0"/>
-              </a:rPr>
-              <a:t>=</a:t>
-            </a:r>
-            <a:r>
-              <a:rPr lang="en-US" dirty="0">
-                <a:solidFill>
-                  <a:srgbClr val="0000FF"/>
-                </a:solidFill>
-                <a:latin typeface="Consolas" panose="020B0609020204030204" pitchFamily="49" charset="0"/>
-              </a:rPr>
-              <a:t>"Amount"</a:t>
-            </a:r>
-            <a:r>
-              <a:rPr lang="en-US" dirty="0">
-                <a:solidFill>
-                  <a:srgbClr val="000000"/>
-                </a:solidFill>
-                <a:latin typeface="Consolas" panose="020B0609020204030204" pitchFamily="49" charset="0"/>
-              </a:rPr>
-              <a:t> </a:t>
-            </a:r>
-            <a:r>
-              <a:rPr lang="en-US" dirty="0">
-                <a:solidFill>
-                  <a:srgbClr val="FF0000"/>
-                </a:solidFill>
-                <a:latin typeface="Consolas" panose="020B0609020204030204" pitchFamily="49" charset="0"/>
-              </a:rPr>
-              <a:t>value</a:t>
-            </a:r>
-            <a:r>
-              <a:rPr lang="en-US" dirty="0">
-                <a:solidFill>
-                  <a:srgbClr val="000000"/>
-                </a:solidFill>
-                <a:latin typeface="Consolas" panose="020B0609020204030204" pitchFamily="49" charset="0"/>
-              </a:rPr>
-              <a:t>=</a:t>
-            </a:r>
-            <a:r>
-              <a:rPr lang="en-US" dirty="0">
-                <a:solidFill>
-                  <a:srgbClr val="0000FF"/>
-                </a:solidFill>
-                <a:latin typeface="Consolas" panose="020B0609020204030204" pitchFamily="49" charset="0"/>
-              </a:rPr>
-              <a:t>"1000000"</a:t>
-            </a:r>
-            <a:r>
-              <a:rPr lang="en-US" dirty="0">
-                <a:solidFill>
-                  <a:srgbClr val="800000"/>
-                </a:solidFill>
-                <a:latin typeface="Consolas" panose="020B0609020204030204" pitchFamily="49" charset="0"/>
-              </a:rPr>
-              <a:t> /&gt;</a:t>
-            </a:r>
-            <a:endParaRPr lang="en-US" dirty="0">
-              <a:solidFill>
-                <a:srgbClr val="000000"/>
-              </a:solidFill>
-              <a:latin typeface="Consolas" panose="020B0609020204030204" pitchFamily="49" charset="0"/>
-            </a:endParaRPr>
-          </a:p>
-          <a:p>
-            <a:r>
-              <a:rPr lang="en-US" dirty="0">
-                <a:solidFill>
-                  <a:srgbClr val="800000"/>
-                </a:solidFill>
-                <a:latin typeface="Consolas" panose="020B0609020204030204" pitchFamily="49" charset="0"/>
-              </a:rPr>
-              <a:t>&lt;input</a:t>
-            </a:r>
-            <a:r>
-              <a:rPr lang="en-US" dirty="0">
-                <a:solidFill>
-                  <a:srgbClr val="000000"/>
-                </a:solidFill>
-                <a:latin typeface="Consolas" panose="020B0609020204030204" pitchFamily="49" charset="0"/>
-              </a:rPr>
-              <a:t> </a:t>
-            </a:r>
-            <a:r>
-              <a:rPr lang="en-US" dirty="0">
-                <a:solidFill>
-                  <a:srgbClr val="FF0000"/>
-                </a:solidFill>
-                <a:latin typeface="Consolas" panose="020B0609020204030204" pitchFamily="49" charset="0"/>
-              </a:rPr>
-              <a:t>type</a:t>
-            </a:r>
-            <a:r>
-              <a:rPr lang="en-US" dirty="0">
-                <a:solidFill>
-                  <a:srgbClr val="000000"/>
-                </a:solidFill>
-                <a:latin typeface="Consolas" panose="020B0609020204030204" pitchFamily="49" charset="0"/>
-              </a:rPr>
-              <a:t>=</a:t>
-            </a:r>
-            <a:r>
-              <a:rPr lang="en-US" dirty="0">
-                <a:solidFill>
-                  <a:srgbClr val="0000FF"/>
-                </a:solidFill>
-                <a:latin typeface="Consolas" panose="020B0609020204030204" pitchFamily="49" charset="0"/>
-              </a:rPr>
-              <a:t>"submit"</a:t>
-            </a:r>
-            <a:r>
-              <a:rPr lang="en-US" dirty="0">
-                <a:solidFill>
-                  <a:srgbClr val="000000"/>
-                </a:solidFill>
-                <a:latin typeface="Consolas" panose="020B0609020204030204" pitchFamily="49" charset="0"/>
-              </a:rPr>
-              <a:t> </a:t>
-            </a:r>
-            <a:r>
-              <a:rPr lang="en-US" dirty="0">
-                <a:solidFill>
-                  <a:srgbClr val="FF0000"/>
-                </a:solidFill>
-                <a:latin typeface="Consolas" panose="020B0609020204030204" pitchFamily="49" charset="0"/>
-              </a:rPr>
-              <a:t>value</a:t>
-            </a:r>
-            <a:r>
-              <a:rPr lang="en-US" dirty="0">
-                <a:solidFill>
-                  <a:srgbClr val="000000"/>
-                </a:solidFill>
-                <a:latin typeface="Consolas" panose="020B0609020204030204" pitchFamily="49" charset="0"/>
-              </a:rPr>
-              <a:t>=</a:t>
-            </a:r>
-            <a:r>
-              <a:rPr lang="en-US" dirty="0">
-                <a:solidFill>
-                  <a:srgbClr val="0000FF"/>
-                </a:solidFill>
-                <a:latin typeface="Consolas" panose="020B0609020204030204" pitchFamily="49" charset="0"/>
-              </a:rPr>
-              <a:t>"Click Me"</a:t>
-            </a:r>
-            <a:r>
-              <a:rPr lang="en-US" dirty="0">
-                <a:solidFill>
-                  <a:srgbClr val="800000"/>
-                </a:solidFill>
-                <a:latin typeface="Consolas" panose="020B0609020204030204" pitchFamily="49" charset="0"/>
-              </a:rPr>
-              <a:t>/&gt;</a:t>
-            </a:r>
-            <a:endParaRPr lang="en-US" dirty="0">
-              <a:solidFill>
-                <a:srgbClr val="000000"/>
-              </a:solidFill>
-              <a:latin typeface="Consolas" panose="020B0609020204030204" pitchFamily="49" charset="0"/>
-            </a:endParaRPr>
-          </a:p>
-          <a:p>
-            <a:r>
-              <a:rPr lang="en-US" dirty="0">
-                <a:solidFill>
-                  <a:srgbClr val="800000"/>
-                </a:solidFill>
-                <a:latin typeface="Consolas" panose="020B0609020204030204" pitchFamily="49" charset="0"/>
-              </a:rPr>
-              <a:t>&lt;/form&gt;</a:t>
-            </a:r>
-            <a:endParaRPr lang="en-US" b="0" dirty="0">
-              <a:solidFill>
-                <a:srgbClr val="000000"/>
-              </a:solidFill>
-              <a:effectLst/>
-              <a:latin typeface="Consolas" panose="020B0609020204030204" pitchFamily="49" charset="0"/>
-            </a:endParaRPr>
-          </a:p>
-        </p:txBody>
-      </p:sp>
-    </p:spTree>
-    <p:extLst>
-      <p:ext uri="{BB962C8B-B14F-4D97-AF65-F5344CB8AC3E}">
-        <p14:creationId xmlns:p14="http://schemas.microsoft.com/office/powerpoint/2010/main" val="3934889295"/>
-      </p:ext>
-    </p:extLst>
-  </p:cSld>
-  <p:clrMapOvr>
-    <a:masterClrMapping/>
-  </p:clrMapOvr>
-  <mc:AlternateContent xmlns:mc="http://schemas.openxmlformats.org/markup-compatibility/2006" xmlns:p14="http://schemas.microsoft.com/office/powerpoint/2010/main">
-    <mc:Choice Requires="p14">
-      <p:transition spd="med" p14:dur="700">
-        <p:fade/>
-      </p:transition>
-    </mc:Choice>
-    <mc:Fallback xmlns="">
-      <p:transition spd="med">
-        <p:fade/>
-      </p:transition>
-    </mc:Fallback>
-  </mc:AlternateContent>
-</p:sld>
-</file>
-
-<file path=ppt/slides/slide35.xml><?xml version="1.0" encoding="utf-8"?>
-<p:sld xmlns:a="http://schemas.openxmlformats.org/drawingml/2006/main" xmlns:r="http://schemas.openxmlformats.org/officeDocument/2006/relationships" xmlns:p="http://schemas.openxmlformats.org/presentationml/2006/main">
-  <p:cSld>
-    <p:spTree>
-      <p:nvGrpSpPr>
-        <p:cNvPr id="1" name=""/>
-        <p:cNvGrpSpPr/>
-        <p:nvPr/>
-      </p:nvGrpSpPr>
-      <p:grpSpPr>
-        <a:xfrm>
-          <a:off x="0" y="0"/>
-          <a:ext cx="0" cy="0"/>
-          <a:chOff x="0" y="0"/>
-          <a:chExt cx="0" cy="0"/>
-        </a:xfrm>
-      </p:grpSpPr>
-      <p:sp>
-        <p:nvSpPr>
-          <p:cNvPr id="3" name="Title 2">
-            <a:extLst>
-              <a:ext uri="{FF2B5EF4-FFF2-40B4-BE49-F238E27FC236}">
-                <a16:creationId xmlns:a16="http://schemas.microsoft.com/office/drawing/2014/main" id="{1EE93ADB-EABB-43BE-888A-4AEDACC33D00}"/>
-              </a:ext>
-            </a:extLst>
-          </p:cNvPr>
-          <p:cNvSpPr>
-            <a:spLocks noGrp="1"/>
-          </p:cNvSpPr>
-          <p:nvPr>
-            <p:ph type="title"/>
-          </p:nvPr>
-        </p:nvSpPr>
-        <p:spPr/>
-        <p:txBody>
-          <a:bodyPr/>
-          <a:lstStyle/>
-          <a:p>
-            <a:r>
-              <a:rPr lang="en-US" dirty="0"/>
-              <a:t>Cross-Site Request Forgery (XSRF/CSRF) </a:t>
-            </a:r>
-          </a:p>
-        </p:txBody>
-      </p:sp>
-      <p:sp>
-        <p:nvSpPr>
-          <p:cNvPr id="4" name="Content Placeholder 3">
-            <a:extLst>
-              <a:ext uri="{FF2B5EF4-FFF2-40B4-BE49-F238E27FC236}">
-                <a16:creationId xmlns:a16="http://schemas.microsoft.com/office/drawing/2014/main" id="{33C28C98-A922-4FD0-8D1B-1E69E084FA84}"/>
-              </a:ext>
-            </a:extLst>
-          </p:cNvPr>
-          <p:cNvSpPr>
-            <a:spLocks noGrp="1"/>
-          </p:cNvSpPr>
-          <p:nvPr>
-            <p:ph idx="1"/>
-          </p:nvPr>
-        </p:nvSpPr>
-        <p:spPr/>
-        <p:txBody>
-          <a:bodyPr/>
-          <a:lstStyle/>
-          <a:p>
-            <a:pPr marL="457200" indent="-457200" algn="just">
-              <a:buFont typeface="+mj-lt"/>
-              <a:buAutoNum type="arabicPeriod"/>
-            </a:pPr>
-            <a:r>
-              <a:rPr lang="en-US" dirty="0"/>
-              <a:t>The user clicks the submit button. The browser automatically includes the authentication cookie for the requested domain (the vulnerable site in this case) with the request.</a:t>
-            </a:r>
-          </a:p>
-          <a:p>
-            <a:pPr marL="457200" indent="-457200" algn="just">
-              <a:buFont typeface="+mj-lt"/>
-              <a:buAutoNum type="arabicPeriod"/>
-            </a:pPr>
-            <a:r>
-              <a:rPr lang="en-US" dirty="0"/>
-              <a:t>The request runs on the server with the user’s authentication context, and can do anything that an authenticated user is allowed to do.</a:t>
-            </a:r>
-          </a:p>
-          <a:p>
-            <a:pPr marL="457200" indent="-457200" algn="just">
-              <a:buFont typeface="+mj-lt"/>
-              <a:buAutoNum type="arabicPeriod"/>
-            </a:pPr>
-            <a:endParaRPr lang="en-US" dirty="0"/>
-          </a:p>
-          <a:p>
-            <a:pPr algn="just"/>
-            <a:r>
-              <a:rPr lang="en-US" dirty="0"/>
-              <a:t>Although this example requires the user to click the form button, the malicious page could just as easily run a script that automatically submits the form or sends a form submission as an AJAX request. The form could also be hidden using CSS so the user never realizes it's present. Moreover, using SSL does not prevent a CSRF attack, because the malicious site can send an https:// request. Some attacks can target site endpoints that respond to GET requests, in which case even an image tag can be used to perform the action.</a:t>
-            </a:r>
-          </a:p>
-        </p:txBody>
-      </p:sp>
-      <p:sp>
-        <p:nvSpPr>
-          <p:cNvPr id="6" name="Text Placeholder 5">
-            <a:extLst>
-              <a:ext uri="{FF2B5EF4-FFF2-40B4-BE49-F238E27FC236}">
-                <a16:creationId xmlns:a16="http://schemas.microsoft.com/office/drawing/2014/main" id="{AA7B65F4-3C0E-40F6-83F2-635CFC9C410F}"/>
-              </a:ext>
-            </a:extLst>
-          </p:cNvPr>
-          <p:cNvSpPr>
-            <a:spLocks noGrp="1"/>
-          </p:cNvSpPr>
-          <p:nvPr>
-            <p:ph type="body" sz="quarter" idx="10"/>
-          </p:nvPr>
-        </p:nvSpPr>
-        <p:spPr/>
-        <p:txBody>
-          <a:bodyPr/>
-          <a:lstStyle/>
-          <a:p>
-            <a:r>
-              <a:rPr lang="en-US" dirty="0"/>
-              <a:t>An example of a CSRF attack</a:t>
-            </a:r>
-          </a:p>
-        </p:txBody>
-      </p:sp>
-    </p:spTree>
-    <p:extLst>
-      <p:ext uri="{BB962C8B-B14F-4D97-AF65-F5344CB8AC3E}">
-        <p14:creationId xmlns:p14="http://schemas.microsoft.com/office/powerpoint/2010/main" val="3732624356"/>
-      </p:ext>
-    </p:extLst>
-  </p:cSld>
-  <p:clrMapOvr>
-    <a:masterClrMapping/>
-  </p:clrMapOvr>
-  <mc:AlternateContent xmlns:mc="http://schemas.openxmlformats.org/markup-compatibility/2006" xmlns:p14="http://schemas.microsoft.com/office/powerpoint/2010/main">
-    <mc:Choice Requires="p14">
-      <p:transition spd="med" p14:dur="700">
-        <p:fade/>
-      </p:transition>
-    </mc:Choice>
-    <mc:Fallback xmlns="">
-      <p:transition spd="med">
-        <p:fade/>
-      </p:transition>
-    </mc:Fallback>
-  </mc:AlternateContent>
-</p:sld>
-</file>
-
-<file path=ppt/slides/slide36.xml><?xml version="1.0" encoding="utf-8"?>
-<p:sld xmlns:a="http://schemas.openxmlformats.org/drawingml/2006/main" xmlns:r="http://schemas.openxmlformats.org/officeDocument/2006/relationships" xmlns:p="http://schemas.openxmlformats.org/presentationml/2006/main">
-  <p:cSld>
-    <p:spTree>
-      <p:nvGrpSpPr>
-        <p:cNvPr id="1" name=""/>
-        <p:cNvGrpSpPr/>
-        <p:nvPr/>
-      </p:nvGrpSpPr>
-      <p:grpSpPr>
-        <a:xfrm>
-          <a:off x="0" y="0"/>
-          <a:ext cx="0" cy="0"/>
-          <a:chOff x="0" y="0"/>
-          <a:chExt cx="0" cy="0"/>
-        </a:xfrm>
-      </p:grpSpPr>
-      <p:sp>
-        <p:nvSpPr>
-          <p:cNvPr id="3" name="Title 2">
-            <a:extLst>
-              <a:ext uri="{FF2B5EF4-FFF2-40B4-BE49-F238E27FC236}">
-                <a16:creationId xmlns:a16="http://schemas.microsoft.com/office/drawing/2014/main" id="{1EE93ADB-EABB-43BE-888A-4AEDACC33D00}"/>
-              </a:ext>
-            </a:extLst>
-          </p:cNvPr>
-          <p:cNvSpPr>
-            <a:spLocks noGrp="1"/>
-          </p:cNvSpPr>
-          <p:nvPr>
-            <p:ph type="title"/>
-          </p:nvPr>
-        </p:nvSpPr>
-        <p:spPr/>
-        <p:txBody>
-          <a:bodyPr/>
-          <a:lstStyle/>
-          <a:p>
-            <a:r>
-              <a:rPr lang="en-US" dirty="0"/>
-              <a:t>Cross-Site Request Forgery (XSRF/CSRF) </a:t>
-            </a:r>
-          </a:p>
-        </p:txBody>
-      </p:sp>
-      <p:sp>
-        <p:nvSpPr>
-          <p:cNvPr id="4" name="Content Placeholder 3">
-            <a:extLst>
-              <a:ext uri="{FF2B5EF4-FFF2-40B4-BE49-F238E27FC236}">
-                <a16:creationId xmlns:a16="http://schemas.microsoft.com/office/drawing/2014/main" id="{33C28C98-A922-4FD0-8D1B-1E69E084FA84}"/>
-              </a:ext>
-            </a:extLst>
-          </p:cNvPr>
-          <p:cNvSpPr>
-            <a:spLocks noGrp="1"/>
-          </p:cNvSpPr>
-          <p:nvPr>
-            <p:ph idx="1"/>
-          </p:nvPr>
-        </p:nvSpPr>
-        <p:spPr/>
-        <p:txBody>
-          <a:bodyPr/>
-          <a:lstStyle/>
-          <a:p>
-            <a:pPr marL="342900" indent="-342900" algn="just">
-              <a:buFont typeface="Wingdings" panose="05000000000000000000" pitchFamily="2" charset="2"/>
-              <a:buChar char="§"/>
-            </a:pPr>
-            <a:r>
-              <a:rPr lang="en-US" dirty="0"/>
-              <a:t>Typically, CSRF attacks are possible against web sites that use cookies for authentication, because browsers send all relevant cookies to the destination web site. </a:t>
-            </a:r>
-          </a:p>
-          <a:p>
-            <a:pPr marL="342900" indent="-342900" algn="just">
-              <a:buFont typeface="Wingdings" panose="05000000000000000000" pitchFamily="2" charset="2"/>
-              <a:buChar char="§"/>
-            </a:pPr>
-            <a:endParaRPr lang="en-US" dirty="0"/>
-          </a:p>
-          <a:p>
-            <a:pPr marL="342900" indent="-342900" algn="just">
-              <a:buFont typeface="Wingdings" panose="05000000000000000000" pitchFamily="2" charset="2"/>
-              <a:buChar char="§"/>
-            </a:pPr>
-            <a:r>
-              <a:rPr lang="en-US" dirty="0"/>
-              <a:t>However, CSRF attacks are not limited to exploiting cookies. For example, Basic and Digest authentication are also vulnerable. After a user logs in with Basic or Digest authentication, the browser automatically sends the credentials until the session ends.</a:t>
-            </a:r>
-          </a:p>
-          <a:p>
-            <a:pPr marL="342900" indent="-342900" algn="just">
-              <a:buFont typeface="Wingdings" panose="05000000000000000000" pitchFamily="2" charset="2"/>
-              <a:buChar char="§"/>
-            </a:pPr>
-            <a:endParaRPr lang="en-US" dirty="0"/>
-          </a:p>
-          <a:p>
-            <a:pPr marL="342900" indent="-342900">
-              <a:buFont typeface="Wingdings" panose="05000000000000000000" pitchFamily="2" charset="2"/>
-              <a:buChar char="§"/>
-            </a:pPr>
-            <a:r>
-              <a:rPr lang="en-US" dirty="0"/>
-              <a:t>Users can guard against CSRF vulnerabilities by: </a:t>
-            </a:r>
-          </a:p>
-          <a:p>
-            <a:pPr marL="597150" lvl="1" indent="-342900">
-              <a:buFont typeface="Wingdings" panose="05000000000000000000" pitchFamily="2" charset="2"/>
-              <a:buChar char="§"/>
-            </a:pPr>
-            <a:r>
-              <a:rPr lang="en-US" dirty="0"/>
-              <a:t>Logging off of web sites when they have finished using them</a:t>
-            </a:r>
-          </a:p>
-          <a:p>
-            <a:pPr marL="597150" lvl="1" indent="-342900">
-              <a:buFont typeface="Wingdings" panose="05000000000000000000" pitchFamily="2" charset="2"/>
-              <a:buChar char="§"/>
-            </a:pPr>
-            <a:r>
-              <a:rPr lang="en-US" dirty="0"/>
-              <a:t>Clearing their browser's cookies periodically</a:t>
-            </a:r>
-          </a:p>
-          <a:p>
-            <a:pPr marL="342900" indent="-342900" algn="just">
-              <a:buFont typeface="Wingdings" panose="05000000000000000000" pitchFamily="2" charset="2"/>
-              <a:buChar char="§"/>
-            </a:pPr>
-            <a:endParaRPr lang="en-US" dirty="0"/>
-          </a:p>
-        </p:txBody>
-      </p:sp>
-      <p:sp>
-        <p:nvSpPr>
-          <p:cNvPr id="6" name="Text Placeholder 5">
-            <a:extLst>
-              <a:ext uri="{FF2B5EF4-FFF2-40B4-BE49-F238E27FC236}">
-                <a16:creationId xmlns:a16="http://schemas.microsoft.com/office/drawing/2014/main" id="{AA7B65F4-3C0E-40F6-83F2-635CFC9C410F}"/>
-              </a:ext>
-            </a:extLst>
-          </p:cNvPr>
-          <p:cNvSpPr>
-            <a:spLocks noGrp="1"/>
-          </p:cNvSpPr>
-          <p:nvPr>
-            <p:ph type="body" sz="quarter" idx="10"/>
-          </p:nvPr>
-        </p:nvSpPr>
-        <p:spPr/>
-        <p:txBody>
-          <a:bodyPr/>
-          <a:lstStyle/>
-          <a:p>
-            <a:r>
-              <a:rPr lang="en-US" dirty="0"/>
-              <a:t>An example of a CSRF attack</a:t>
-            </a:r>
-          </a:p>
-        </p:txBody>
-      </p:sp>
-    </p:spTree>
-    <p:extLst>
-      <p:ext uri="{BB962C8B-B14F-4D97-AF65-F5344CB8AC3E}">
-        <p14:creationId xmlns:p14="http://schemas.microsoft.com/office/powerpoint/2010/main" val="605004674"/>
-      </p:ext>
-    </p:extLst>
-  </p:cSld>
-  <p:clrMapOvr>
-    <a:masterClrMapping/>
-  </p:clrMapOvr>
-  <mc:AlternateContent xmlns:mc="http://schemas.openxmlformats.org/markup-compatibility/2006" xmlns:p14="http://schemas.microsoft.com/office/powerpoint/2010/main">
-    <mc:Choice Requires="p14">
-      <p:transition spd="med" p14:dur="700">
-        <p:fade/>
-      </p:transition>
-    </mc:Choice>
-    <mc:Fallback xmlns="">
-      <p:transition spd="med">
-        <p:fade/>
-      </p:transition>
-    </mc:Fallback>
-  </mc:AlternateContent>
-</p:sld>
-</file>
-
-<file path=ppt/slides/slide37.xml><?xml version="1.0" encoding="utf-8"?>
-<p:sld xmlns:a="http://schemas.openxmlformats.org/drawingml/2006/main" xmlns:r="http://schemas.openxmlformats.org/officeDocument/2006/relationships" xmlns:p="http://schemas.openxmlformats.org/presentationml/2006/main">
-  <p:cSld>
-    <p:spTree>
-      <p:nvGrpSpPr>
-        <p:cNvPr id="1" name=""/>
-        <p:cNvGrpSpPr/>
-        <p:nvPr/>
-      </p:nvGrpSpPr>
-      <p:grpSpPr>
-        <a:xfrm>
-          <a:off x="0" y="0"/>
-          <a:ext cx="0" cy="0"/>
-          <a:chOff x="0" y="0"/>
-          <a:chExt cx="0" cy="0"/>
-        </a:xfrm>
-      </p:grpSpPr>
-      <p:sp>
-        <p:nvSpPr>
-          <p:cNvPr id="2" name="Title 1"/>
-          <p:cNvSpPr>
-            <a:spLocks noGrp="1"/>
-          </p:cNvSpPr>
-          <p:nvPr>
-            <p:ph type="title"/>
-          </p:nvPr>
-        </p:nvSpPr>
-        <p:spPr/>
-        <p:txBody>
-          <a:bodyPr/>
-          <a:lstStyle/>
-          <a:p>
-            <a:r>
-              <a:rPr lang="en-US" dirty="0"/>
-              <a:t>Cross-Site Request forgery</a:t>
-            </a:r>
-            <a:endParaRPr lang="ro-RO" dirty="0"/>
-          </a:p>
-        </p:txBody>
-      </p:sp>
-      <p:sp>
-        <p:nvSpPr>
-          <p:cNvPr id="3" name="Content Placeholder 2"/>
-          <p:cNvSpPr>
-            <a:spLocks noGrp="1"/>
-          </p:cNvSpPr>
-          <p:nvPr>
-            <p:ph idx="1"/>
-          </p:nvPr>
-        </p:nvSpPr>
-        <p:spPr/>
-        <p:txBody>
-          <a:bodyPr/>
-          <a:lstStyle/>
-          <a:p>
-            <a:pPr marL="342900" indent="-342900" algn="just">
-              <a:buFont typeface="Wingdings" panose="05000000000000000000" pitchFamily="2" charset="2"/>
-              <a:buChar char="§"/>
-            </a:pPr>
-            <a:r>
-              <a:rPr lang="en-US" dirty="0"/>
-              <a:t>The most common approach to defending against CSRF attacks is the synchronizer token pattern (STP). </a:t>
-            </a:r>
-          </a:p>
-          <a:p>
-            <a:pPr marL="342900" indent="-342900" algn="just">
-              <a:buFont typeface="Wingdings" panose="05000000000000000000" pitchFamily="2" charset="2"/>
-              <a:buChar char="§"/>
-            </a:pPr>
-            <a:r>
-              <a:rPr lang="en-US" dirty="0"/>
-              <a:t>STP is a technique used when the user requests a page with form data. The server sends a token associated with the current user's identity to the client. </a:t>
-            </a:r>
-          </a:p>
-          <a:p>
-            <a:pPr marL="342900" indent="-342900" algn="just">
-              <a:buFont typeface="Wingdings" panose="05000000000000000000" pitchFamily="2" charset="2"/>
-              <a:buChar char="§"/>
-            </a:pPr>
-            <a:r>
-              <a:rPr lang="en-US" dirty="0"/>
-              <a:t>The client must send back the token to the server for verification. If the server receives a token that doesn't match the authenticated user's identity, the request should be rejected. </a:t>
-            </a:r>
-          </a:p>
-          <a:p>
-            <a:pPr marL="342900" indent="-342900" algn="just">
-              <a:buFont typeface="Wingdings" panose="05000000000000000000" pitchFamily="2" charset="2"/>
-              <a:buChar char="§"/>
-            </a:pPr>
-            <a:r>
-              <a:rPr lang="en-US" dirty="0"/>
-              <a:t>The token is unique and unpredictable. The token can also be used to ensure proper sequencing of a series of requests (ensuring page 1 precedes page 2 which precedes page 3). </a:t>
-            </a:r>
-          </a:p>
-        </p:txBody>
-      </p:sp>
-      <p:sp>
-        <p:nvSpPr>
-          <p:cNvPr id="5" name="Text Placeholder 4">
-            <a:extLst>
-              <a:ext uri="{FF2B5EF4-FFF2-40B4-BE49-F238E27FC236}">
-                <a16:creationId xmlns:a16="http://schemas.microsoft.com/office/drawing/2014/main" id="{52A29470-1D14-4DB4-B2EB-AC6AD725BE5C}"/>
-              </a:ext>
-            </a:extLst>
-          </p:cNvPr>
-          <p:cNvSpPr>
-            <a:spLocks noGrp="1"/>
-          </p:cNvSpPr>
-          <p:nvPr>
-            <p:ph type="body" sz="quarter" idx="10"/>
-          </p:nvPr>
-        </p:nvSpPr>
-        <p:spPr/>
-        <p:txBody>
-          <a:bodyPr/>
-          <a:lstStyle/>
-          <a:p>
-            <a:r>
-              <a:rPr lang="en-US" dirty="0"/>
-              <a:t>How does ASP.NET Core MVC address CSRF?</a:t>
-            </a:r>
-          </a:p>
-        </p:txBody>
-      </p:sp>
-    </p:spTree>
-    <p:extLst>
-      <p:ext uri="{BB962C8B-B14F-4D97-AF65-F5344CB8AC3E}">
-        <p14:creationId xmlns:p14="http://schemas.microsoft.com/office/powerpoint/2010/main" val="2668823376"/>
-      </p:ext>
-    </p:extLst>
-  </p:cSld>
-  <p:clrMapOvr>
-    <a:masterClrMapping/>
-  </p:clrMapOvr>
-  <mc:AlternateContent xmlns:mc="http://schemas.openxmlformats.org/markup-compatibility/2006" xmlns:p14="http://schemas.microsoft.com/office/powerpoint/2010/main">
-    <mc:Choice Requires="p14">
-      <p:transition spd="med" p14:dur="700">
-        <p:fade/>
-      </p:transition>
-    </mc:Choice>
-    <mc:Fallback xmlns="">
-      <p:transition spd="med">
-        <p:fade/>
-      </p:transition>
-    </mc:Fallback>
-  </mc:AlternateContent>
-</p:sld>
-</file>
-
-<file path=ppt/slides/slide38.xml><?xml version="1.0" encoding="utf-8"?>
-<p:sld xmlns:a="http://schemas.openxmlformats.org/drawingml/2006/main" xmlns:r="http://schemas.openxmlformats.org/officeDocument/2006/relationships" xmlns:p="http://schemas.openxmlformats.org/presentationml/2006/main">
-  <p:cSld>
-    <p:spTree>
-      <p:nvGrpSpPr>
-        <p:cNvPr id="1" name=""/>
-        <p:cNvGrpSpPr/>
-        <p:nvPr/>
-      </p:nvGrpSpPr>
-      <p:grpSpPr>
-        <a:xfrm>
-          <a:off x="0" y="0"/>
-          <a:ext cx="0" cy="0"/>
-          <a:chOff x="0" y="0"/>
-          <a:chExt cx="0" cy="0"/>
-        </a:xfrm>
-      </p:grpSpPr>
-      <p:sp>
-        <p:nvSpPr>
-          <p:cNvPr id="2" name="Title 1"/>
-          <p:cNvSpPr>
-            <a:spLocks noGrp="1"/>
-          </p:cNvSpPr>
-          <p:nvPr>
-            <p:ph type="title"/>
-          </p:nvPr>
-        </p:nvSpPr>
-        <p:spPr/>
-        <p:txBody>
-          <a:bodyPr/>
-          <a:lstStyle/>
-          <a:p>
-            <a:r>
-              <a:rPr lang="en-US" dirty="0"/>
-              <a:t>Cross-Site Request forgery</a:t>
-            </a:r>
-            <a:endParaRPr lang="ro-RO" dirty="0"/>
-          </a:p>
-        </p:txBody>
-      </p:sp>
-      <p:sp>
-        <p:nvSpPr>
-          <p:cNvPr id="3" name="Content Placeholder 2"/>
-          <p:cNvSpPr>
-            <a:spLocks noGrp="1"/>
-          </p:cNvSpPr>
-          <p:nvPr>
-            <p:ph idx="1"/>
-          </p:nvPr>
-        </p:nvSpPr>
-        <p:spPr/>
-        <p:txBody>
-          <a:bodyPr/>
-          <a:lstStyle/>
-          <a:p>
-            <a:pPr marL="342900" indent="-342900" algn="just">
-              <a:buFont typeface="Wingdings" panose="05000000000000000000" pitchFamily="2" charset="2"/>
-              <a:buChar char="§"/>
-            </a:pPr>
-            <a:r>
-              <a:rPr lang="en-US" b="1" dirty="0"/>
-              <a:t>ASP.NET Core MVC will generate </a:t>
-            </a:r>
-            <a:r>
-              <a:rPr lang="en-US" b="1" dirty="0" err="1"/>
-              <a:t>Antiforgery</a:t>
-            </a:r>
-            <a:r>
-              <a:rPr lang="en-US" b="1" dirty="0"/>
-              <a:t> Tokens by default on all forms it generates: </a:t>
-            </a:r>
-          </a:p>
-          <a:p>
-            <a:pPr marL="342900" indent="-342900" algn="just">
-              <a:buFont typeface="Wingdings" panose="05000000000000000000" pitchFamily="2" charset="2"/>
-              <a:buChar char="§"/>
-            </a:pPr>
-            <a:endParaRPr lang="en-US" b="1" dirty="0"/>
-          </a:p>
-          <a:p>
-            <a:pPr marL="342900" indent="-342900" algn="just">
-              <a:buFont typeface="Wingdings" panose="05000000000000000000" pitchFamily="2" charset="2"/>
-              <a:buChar char="§"/>
-            </a:pPr>
-            <a:endParaRPr lang="en-US" b="1" dirty="0"/>
-          </a:p>
-          <a:p>
-            <a:pPr marL="342900" indent="-342900" algn="just">
-              <a:buFont typeface="Wingdings" panose="05000000000000000000" pitchFamily="2" charset="2"/>
-              <a:buChar char="§"/>
-            </a:pPr>
-            <a:endParaRPr lang="en-US" b="1" dirty="0"/>
-          </a:p>
-          <a:p>
-            <a:pPr marL="342900" indent="-342900" algn="just">
-              <a:buFont typeface="Wingdings" panose="05000000000000000000" pitchFamily="2" charset="2"/>
-              <a:buChar char="§"/>
-            </a:pPr>
-            <a:endParaRPr lang="en-US" b="1" dirty="0"/>
-          </a:p>
-          <a:p>
-            <a:pPr marL="342900" indent="-342900" algn="just">
-              <a:buFont typeface="Wingdings" panose="05000000000000000000" pitchFamily="2" charset="2"/>
-              <a:buChar char="§"/>
-            </a:pPr>
-            <a:endParaRPr lang="en-US" b="1" dirty="0"/>
-          </a:p>
-          <a:p>
-            <a:pPr marL="342900" indent="-342900" algn="just">
-              <a:buFont typeface="Wingdings" panose="05000000000000000000" pitchFamily="2" charset="2"/>
-              <a:buChar char="§"/>
-            </a:pPr>
-            <a:endParaRPr lang="en-US" b="1" dirty="0"/>
-          </a:p>
-          <a:p>
-            <a:pPr algn="just"/>
-            <a:endParaRPr lang="en-US" b="1" dirty="0"/>
-          </a:p>
-        </p:txBody>
-      </p:sp>
-      <p:sp>
-        <p:nvSpPr>
-          <p:cNvPr id="5" name="Text Placeholder 4">
-            <a:extLst>
-              <a:ext uri="{FF2B5EF4-FFF2-40B4-BE49-F238E27FC236}">
-                <a16:creationId xmlns:a16="http://schemas.microsoft.com/office/drawing/2014/main" id="{52A29470-1D14-4DB4-B2EB-AC6AD725BE5C}"/>
-              </a:ext>
-            </a:extLst>
-          </p:cNvPr>
-          <p:cNvSpPr>
-            <a:spLocks noGrp="1"/>
-          </p:cNvSpPr>
-          <p:nvPr>
-            <p:ph type="body" sz="quarter" idx="10"/>
-          </p:nvPr>
-        </p:nvSpPr>
-        <p:spPr/>
-        <p:txBody>
-          <a:bodyPr/>
-          <a:lstStyle/>
-          <a:p>
-            <a:r>
-              <a:rPr lang="en-US" dirty="0"/>
-              <a:t>How does ASP.NET Core MVC address CSRF?</a:t>
-            </a:r>
-          </a:p>
-        </p:txBody>
-      </p:sp>
-      <p:sp>
-        <p:nvSpPr>
-          <p:cNvPr id="4" name="Rectangle 3">
-            <a:extLst>
-              <a:ext uri="{FF2B5EF4-FFF2-40B4-BE49-F238E27FC236}">
-                <a16:creationId xmlns:a16="http://schemas.microsoft.com/office/drawing/2014/main" id="{58F06749-D66E-4E20-A24A-8AF1A2B46634}"/>
-              </a:ext>
-            </a:extLst>
-          </p:cNvPr>
-          <p:cNvSpPr/>
-          <p:nvPr/>
-        </p:nvSpPr>
-        <p:spPr>
-          <a:xfrm>
-            <a:off x="1465276" y="2420888"/>
-            <a:ext cx="9433048" cy="2308324"/>
-          </a:xfrm>
-          <a:prstGeom prst="rect">
-            <a:avLst/>
-          </a:prstGeom>
-          <a:solidFill>
-            <a:schemeClr val="bg1"/>
-          </a:solidFill>
-        </p:spPr>
-        <p:txBody>
-          <a:bodyPr wrap="square">
-            <a:spAutoFit/>
-          </a:bodyPr>
-          <a:lstStyle/>
-          <a:p>
-            <a:r>
-              <a:rPr lang="en-US" dirty="0">
-                <a:solidFill>
-                  <a:srgbClr val="800000"/>
-                </a:solidFill>
-                <a:latin typeface="Consolas" panose="020B0609020204030204" pitchFamily="49" charset="0"/>
-              </a:rPr>
-              <a:t>&lt;form</a:t>
-            </a:r>
-            <a:r>
-              <a:rPr lang="en-US" dirty="0">
-                <a:solidFill>
-                  <a:srgbClr val="000000"/>
-                </a:solidFill>
-                <a:latin typeface="Consolas" panose="020B0609020204030204" pitchFamily="49" charset="0"/>
-              </a:rPr>
-              <a:t> </a:t>
-            </a:r>
-            <a:r>
-              <a:rPr lang="en-US" dirty="0">
-                <a:solidFill>
-                  <a:srgbClr val="FF0000"/>
-                </a:solidFill>
-                <a:highlight>
-                  <a:srgbClr val="FFFF00"/>
-                </a:highlight>
-                <a:latin typeface="Consolas" panose="020B0609020204030204" pitchFamily="49" charset="0"/>
-              </a:rPr>
-              <a:t>asp-controller</a:t>
-            </a:r>
-            <a:r>
-              <a:rPr lang="en-US" dirty="0">
-                <a:solidFill>
-                  <a:srgbClr val="000000"/>
-                </a:solidFill>
-                <a:highlight>
-                  <a:srgbClr val="FFFF00"/>
-                </a:highlight>
-                <a:latin typeface="Consolas" panose="020B0609020204030204" pitchFamily="49" charset="0"/>
-              </a:rPr>
-              <a:t>=</a:t>
-            </a:r>
-            <a:r>
-              <a:rPr lang="en-US" dirty="0">
-                <a:solidFill>
-                  <a:srgbClr val="0000FF"/>
-                </a:solidFill>
-                <a:highlight>
-                  <a:srgbClr val="FFFF00"/>
-                </a:highlight>
-                <a:latin typeface="Consolas" panose="020B0609020204030204" pitchFamily="49" charset="0"/>
-              </a:rPr>
-              <a:t>"Manage"</a:t>
-            </a:r>
-            <a:r>
-              <a:rPr lang="en-US" dirty="0">
-                <a:solidFill>
-                  <a:srgbClr val="000000"/>
-                </a:solidFill>
-                <a:highlight>
-                  <a:srgbClr val="FFFF00"/>
-                </a:highlight>
-                <a:latin typeface="Consolas" panose="020B0609020204030204" pitchFamily="49" charset="0"/>
-              </a:rPr>
-              <a:t> </a:t>
-            </a:r>
-            <a:r>
-              <a:rPr lang="en-US" dirty="0">
-                <a:solidFill>
-                  <a:srgbClr val="FF0000"/>
-                </a:solidFill>
-                <a:highlight>
-                  <a:srgbClr val="FFFF00"/>
-                </a:highlight>
-                <a:latin typeface="Consolas" panose="020B0609020204030204" pitchFamily="49" charset="0"/>
-              </a:rPr>
-              <a:t>asp-action</a:t>
-            </a:r>
-            <a:r>
-              <a:rPr lang="en-US" dirty="0">
-                <a:solidFill>
-                  <a:srgbClr val="000000"/>
-                </a:solidFill>
-                <a:highlight>
-                  <a:srgbClr val="FFFF00"/>
-                </a:highlight>
-                <a:latin typeface="Consolas" panose="020B0609020204030204" pitchFamily="49" charset="0"/>
-              </a:rPr>
-              <a:t>=</a:t>
-            </a:r>
-            <a:r>
-              <a:rPr lang="en-US" dirty="0">
-                <a:solidFill>
-                  <a:srgbClr val="0000FF"/>
-                </a:solidFill>
-                <a:highlight>
-                  <a:srgbClr val="FFFF00"/>
-                </a:highlight>
-                <a:latin typeface="Consolas" panose="020B0609020204030204" pitchFamily="49" charset="0"/>
-              </a:rPr>
-              <a:t>"</a:t>
-            </a:r>
-            <a:r>
-              <a:rPr lang="en-US" dirty="0" err="1">
-                <a:solidFill>
-                  <a:srgbClr val="0000FF"/>
-                </a:solidFill>
-                <a:highlight>
-                  <a:srgbClr val="FFFF00"/>
-                </a:highlight>
-                <a:latin typeface="Consolas" panose="020B0609020204030204" pitchFamily="49" charset="0"/>
-              </a:rPr>
-              <a:t>ChangePassword</a:t>
-            </a:r>
-            <a:r>
-              <a:rPr lang="en-US" dirty="0">
-                <a:solidFill>
-                  <a:srgbClr val="0000FF"/>
-                </a:solidFill>
-                <a:highlight>
-                  <a:srgbClr val="FFFF00"/>
-                </a:highlight>
-                <a:latin typeface="Consolas" panose="020B0609020204030204" pitchFamily="49" charset="0"/>
-              </a:rPr>
-              <a:t>"</a:t>
-            </a:r>
-            <a:r>
-              <a:rPr lang="en-US" dirty="0">
-                <a:solidFill>
-                  <a:srgbClr val="000000"/>
-                </a:solidFill>
-                <a:latin typeface="Consolas" panose="020B0609020204030204" pitchFamily="49" charset="0"/>
-              </a:rPr>
-              <a:t> </a:t>
-            </a:r>
-            <a:r>
-              <a:rPr lang="en-US" dirty="0">
-                <a:solidFill>
-                  <a:srgbClr val="FF0000"/>
-                </a:solidFill>
-                <a:latin typeface="Consolas" panose="020B0609020204030204" pitchFamily="49" charset="0"/>
-              </a:rPr>
-              <a:t>method</a:t>
-            </a:r>
-            <a:r>
-              <a:rPr lang="en-US" dirty="0">
-                <a:solidFill>
-                  <a:srgbClr val="000000"/>
-                </a:solidFill>
-                <a:latin typeface="Consolas" panose="020B0609020204030204" pitchFamily="49" charset="0"/>
-              </a:rPr>
-              <a:t>=</a:t>
-            </a:r>
-            <a:r>
-              <a:rPr lang="en-US" dirty="0">
-                <a:solidFill>
-                  <a:srgbClr val="0000FF"/>
-                </a:solidFill>
-                <a:latin typeface="Consolas" panose="020B0609020204030204" pitchFamily="49" charset="0"/>
-              </a:rPr>
-              <a:t>"post"</a:t>
-            </a:r>
-            <a:r>
-              <a:rPr lang="en-US" dirty="0">
-                <a:solidFill>
-                  <a:srgbClr val="800000"/>
-                </a:solidFill>
-                <a:latin typeface="Consolas" panose="020B0609020204030204" pitchFamily="49" charset="0"/>
-              </a:rPr>
-              <a:t>&gt;</a:t>
-            </a:r>
-            <a:endParaRPr lang="en-US" dirty="0">
-              <a:solidFill>
-                <a:srgbClr val="000000"/>
-              </a:solidFill>
-              <a:latin typeface="Consolas" panose="020B0609020204030204" pitchFamily="49" charset="0"/>
-            </a:endParaRPr>
-          </a:p>
-          <a:p>
-            <a:br>
-              <a:rPr lang="en-US" dirty="0">
-                <a:solidFill>
-                  <a:srgbClr val="000000"/>
-                </a:solidFill>
-                <a:latin typeface="Consolas" panose="020B0609020204030204" pitchFamily="49" charset="0"/>
-              </a:rPr>
-            </a:br>
-            <a:r>
-              <a:rPr lang="en-US" dirty="0">
-                <a:solidFill>
-                  <a:srgbClr val="800000"/>
-                </a:solidFill>
-                <a:latin typeface="Consolas" panose="020B0609020204030204" pitchFamily="49" charset="0"/>
-              </a:rPr>
-              <a:t>&lt;/form&gt;</a:t>
-            </a:r>
-            <a:endParaRPr lang="en-US" dirty="0">
-              <a:solidFill>
-                <a:srgbClr val="000000"/>
-              </a:solidFill>
-              <a:latin typeface="Consolas" panose="020B0609020204030204" pitchFamily="49" charset="0"/>
-            </a:endParaRPr>
-          </a:p>
-          <a:p>
-            <a:br>
-              <a:rPr lang="en-US" dirty="0">
-                <a:solidFill>
-                  <a:srgbClr val="000000"/>
-                </a:solidFill>
-                <a:latin typeface="Consolas" panose="020B0609020204030204" pitchFamily="49" charset="0"/>
-              </a:rPr>
-            </a:br>
-            <a:r>
-              <a:rPr lang="en-US" dirty="0">
-                <a:solidFill>
-                  <a:srgbClr val="000000"/>
-                </a:solidFill>
-                <a:highlight>
-                  <a:srgbClr val="FFFF00"/>
-                </a:highlight>
-                <a:latin typeface="Consolas" panose="020B0609020204030204" pitchFamily="49" charset="0"/>
-              </a:rPr>
-              <a:t>@using (</a:t>
-            </a:r>
-            <a:r>
-              <a:rPr lang="en-US" dirty="0" err="1">
-                <a:solidFill>
-                  <a:srgbClr val="000000"/>
-                </a:solidFill>
-                <a:highlight>
-                  <a:srgbClr val="FFFF00"/>
-                </a:highlight>
-                <a:latin typeface="Consolas" panose="020B0609020204030204" pitchFamily="49" charset="0"/>
-              </a:rPr>
-              <a:t>Html.BeginForm</a:t>
-            </a:r>
-            <a:r>
-              <a:rPr lang="en-US" dirty="0">
-                <a:solidFill>
-                  <a:srgbClr val="000000"/>
-                </a:solidFill>
-                <a:highlight>
-                  <a:srgbClr val="FFFF00"/>
-                </a:highlight>
-                <a:latin typeface="Consolas" panose="020B0609020204030204" pitchFamily="49" charset="0"/>
-              </a:rPr>
-              <a:t>("</a:t>
-            </a:r>
-            <a:r>
-              <a:rPr lang="en-US" dirty="0" err="1">
-                <a:solidFill>
-                  <a:srgbClr val="000000"/>
-                </a:solidFill>
-                <a:highlight>
-                  <a:srgbClr val="FFFF00"/>
-                </a:highlight>
-                <a:latin typeface="Consolas" panose="020B0609020204030204" pitchFamily="49" charset="0"/>
-              </a:rPr>
-              <a:t>ChangePassword</a:t>
-            </a:r>
-            <a:r>
-              <a:rPr lang="en-US" dirty="0">
-                <a:solidFill>
-                  <a:srgbClr val="000000"/>
-                </a:solidFill>
-                <a:highlight>
-                  <a:srgbClr val="FFFF00"/>
-                </a:highlight>
-                <a:latin typeface="Consolas" panose="020B0609020204030204" pitchFamily="49" charset="0"/>
-              </a:rPr>
-              <a:t>", "Manage"))</a:t>
-            </a:r>
-          </a:p>
-          <a:p>
-            <a:r>
-              <a:rPr lang="en-US" dirty="0">
-                <a:solidFill>
-                  <a:srgbClr val="000000"/>
-                </a:solidFill>
-                <a:latin typeface="Consolas" panose="020B0609020204030204" pitchFamily="49" charset="0"/>
-              </a:rPr>
-              <a:t>{</a:t>
-            </a:r>
-          </a:p>
-          <a:p>
-            <a:br>
-              <a:rPr lang="en-US" dirty="0">
-                <a:solidFill>
-                  <a:srgbClr val="000000"/>
-                </a:solidFill>
-                <a:latin typeface="Consolas" panose="020B0609020204030204" pitchFamily="49" charset="0"/>
-              </a:rPr>
-            </a:br>
-            <a:r>
-              <a:rPr lang="en-US" dirty="0">
-                <a:solidFill>
-                  <a:srgbClr val="000000"/>
-                </a:solidFill>
-                <a:latin typeface="Consolas" panose="020B0609020204030204" pitchFamily="49" charset="0"/>
-              </a:rPr>
-              <a:t>}</a:t>
-            </a:r>
-            <a:endParaRPr lang="en-US" b="0" dirty="0">
-              <a:solidFill>
-                <a:srgbClr val="000000"/>
-              </a:solidFill>
-              <a:effectLst/>
-              <a:latin typeface="Consolas" panose="020B0609020204030204" pitchFamily="49" charset="0"/>
-            </a:endParaRPr>
-          </a:p>
-        </p:txBody>
-      </p:sp>
-    </p:spTree>
-    <p:extLst>
-      <p:ext uri="{BB962C8B-B14F-4D97-AF65-F5344CB8AC3E}">
-        <p14:creationId xmlns:p14="http://schemas.microsoft.com/office/powerpoint/2010/main" val="359777206"/>
-      </p:ext>
-    </p:extLst>
-  </p:cSld>
-  <p:clrMapOvr>
-    <a:masterClrMapping/>
-  </p:clrMapOvr>
-  <mc:AlternateContent xmlns:mc="http://schemas.openxmlformats.org/markup-compatibility/2006" xmlns:p14="http://schemas.microsoft.com/office/powerpoint/2010/main">
-    <mc:Choice Requires="p14">
-      <p:transition spd="med" p14:dur="700">
-        <p:fade/>
-      </p:transition>
-    </mc:Choice>
-    <mc:Fallback xmlns="">
-      <p:transition spd="med">
-        <p:fade/>
-      </p:transition>
-    </mc:Fallback>
-  </mc:AlternateContent>
-</p:sld>
-</file>
-
-<file path=ppt/slides/slide39.xml><?xml version="1.0" encoding="utf-8"?>
-<p:sld xmlns:a="http://schemas.openxmlformats.org/drawingml/2006/main" xmlns:r="http://schemas.openxmlformats.org/officeDocument/2006/relationships" xmlns:p="http://schemas.openxmlformats.org/presentationml/2006/main">
-  <p:cSld>
-    <p:spTree>
-      <p:nvGrpSpPr>
-        <p:cNvPr id="1" name=""/>
-        <p:cNvGrpSpPr/>
-        <p:nvPr/>
-      </p:nvGrpSpPr>
-      <p:grpSpPr>
-        <a:xfrm>
-          <a:off x="0" y="0"/>
-          <a:ext cx="0" cy="0"/>
-          <a:chOff x="0" y="0"/>
-          <a:chExt cx="0" cy="0"/>
-        </a:xfrm>
-      </p:grpSpPr>
-      <p:sp>
-        <p:nvSpPr>
-          <p:cNvPr id="2" name="Title 1"/>
-          <p:cNvSpPr>
-            <a:spLocks noGrp="1"/>
-          </p:cNvSpPr>
-          <p:nvPr>
-            <p:ph type="title"/>
-          </p:nvPr>
-        </p:nvSpPr>
-        <p:spPr/>
-        <p:txBody>
-          <a:bodyPr/>
-          <a:lstStyle/>
-          <a:p>
-            <a:r>
-              <a:rPr lang="en-US" dirty="0"/>
-              <a:t>Cross-Site Request forgery</a:t>
-            </a:r>
-            <a:endParaRPr lang="ro-RO" dirty="0"/>
-          </a:p>
-        </p:txBody>
-      </p:sp>
-      <p:sp>
-        <p:nvSpPr>
-          <p:cNvPr id="3" name="Content Placeholder 2"/>
-          <p:cNvSpPr>
-            <a:spLocks noGrp="1"/>
-          </p:cNvSpPr>
-          <p:nvPr>
-            <p:ph idx="1"/>
-          </p:nvPr>
-        </p:nvSpPr>
-        <p:spPr/>
-        <p:txBody>
-          <a:bodyPr/>
-          <a:lstStyle/>
-          <a:p>
-            <a:pPr marL="342900" indent="-342900" algn="just">
-              <a:buFont typeface="Wingdings" panose="05000000000000000000" pitchFamily="2" charset="2"/>
-              <a:buChar char="§"/>
-            </a:pPr>
-            <a:r>
-              <a:rPr lang="en-US" dirty="0"/>
-              <a:t>You can also explicitly add an </a:t>
-            </a:r>
-            <a:r>
-              <a:rPr lang="en-US" dirty="0" err="1"/>
-              <a:t>antiforgery</a:t>
-            </a:r>
-            <a:r>
-              <a:rPr lang="en-US" dirty="0"/>
-              <a:t> token to a &lt;form&gt; element you create without using tag helpers or HTML helpers by using @</a:t>
-            </a:r>
-            <a:r>
-              <a:rPr lang="en-US" dirty="0" err="1"/>
-              <a:t>Html.AntiForgeryToken</a:t>
-            </a:r>
-            <a:r>
-              <a:rPr lang="en-US" dirty="0"/>
-              <a:t>():</a:t>
-            </a:r>
-            <a:endParaRPr lang="ro-RO" dirty="0"/>
-          </a:p>
-          <a:p>
-            <a:pPr marL="342900" indent="-342900" algn="just">
-              <a:buFont typeface="Wingdings" panose="05000000000000000000" pitchFamily="2" charset="2"/>
-              <a:buChar char="§"/>
-            </a:pPr>
-            <a:endParaRPr lang="en-US" b="1" dirty="0"/>
-          </a:p>
-          <a:p>
-            <a:pPr marL="342900" indent="-342900" algn="just">
-              <a:buFont typeface="Wingdings" panose="05000000000000000000" pitchFamily="2" charset="2"/>
-              <a:buChar char="§"/>
-            </a:pPr>
-            <a:endParaRPr lang="en-US" b="1" dirty="0"/>
-          </a:p>
-          <a:p>
-            <a:pPr marL="342900" indent="-342900" algn="just">
-              <a:buFont typeface="Wingdings" panose="05000000000000000000" pitchFamily="2" charset="2"/>
-              <a:buChar char="§"/>
-            </a:pPr>
-            <a:endParaRPr lang="en-US" b="1" dirty="0"/>
-          </a:p>
-          <a:p>
-            <a:pPr marL="342900" indent="-342900" algn="just">
-              <a:buFont typeface="Wingdings" panose="05000000000000000000" pitchFamily="2" charset="2"/>
-              <a:buChar char="§"/>
-            </a:pPr>
-            <a:endParaRPr lang="en-US" b="1" dirty="0"/>
-          </a:p>
-          <a:p>
-            <a:pPr marL="342900" indent="-342900" algn="just">
-              <a:buFont typeface="Wingdings" panose="05000000000000000000" pitchFamily="2" charset="2"/>
-              <a:buChar char="§"/>
-            </a:pPr>
-            <a:r>
-              <a:rPr lang="en-US" dirty="0"/>
-              <a:t>In each of the above cases, ASP.NET Core will add a hidden form field like the following:</a:t>
-            </a:r>
-            <a:endParaRPr lang="ro-RO" dirty="0"/>
-          </a:p>
-        </p:txBody>
-      </p:sp>
-      <p:sp>
-        <p:nvSpPr>
-          <p:cNvPr id="5" name="Text Placeholder 4">
-            <a:extLst>
-              <a:ext uri="{FF2B5EF4-FFF2-40B4-BE49-F238E27FC236}">
-                <a16:creationId xmlns:a16="http://schemas.microsoft.com/office/drawing/2014/main" id="{52A29470-1D14-4DB4-B2EB-AC6AD725BE5C}"/>
-              </a:ext>
-            </a:extLst>
-          </p:cNvPr>
-          <p:cNvSpPr>
-            <a:spLocks noGrp="1"/>
-          </p:cNvSpPr>
-          <p:nvPr>
-            <p:ph type="body" sz="quarter" idx="10"/>
-          </p:nvPr>
-        </p:nvSpPr>
-        <p:spPr/>
-        <p:txBody>
-          <a:bodyPr/>
-          <a:lstStyle/>
-          <a:p>
-            <a:r>
-              <a:rPr lang="en-US" dirty="0"/>
-              <a:t>How does ASP.NET Core MVC address CSRF?</a:t>
-            </a:r>
-          </a:p>
-        </p:txBody>
-      </p:sp>
-      <p:sp>
-        <p:nvSpPr>
-          <p:cNvPr id="4" name="Rectangle 3">
-            <a:extLst>
-              <a:ext uri="{FF2B5EF4-FFF2-40B4-BE49-F238E27FC236}">
-                <a16:creationId xmlns:a16="http://schemas.microsoft.com/office/drawing/2014/main" id="{58F06749-D66E-4E20-A24A-8AF1A2B46634}"/>
-              </a:ext>
-            </a:extLst>
-          </p:cNvPr>
-          <p:cNvSpPr/>
-          <p:nvPr/>
-        </p:nvSpPr>
-        <p:spPr>
-          <a:xfrm>
-            <a:off x="1465276" y="2420888"/>
-            <a:ext cx="9433048" cy="923330"/>
-          </a:xfrm>
-          <a:prstGeom prst="rect">
-            <a:avLst/>
-          </a:prstGeom>
-          <a:solidFill>
-            <a:schemeClr val="bg1"/>
-          </a:solidFill>
-        </p:spPr>
-        <p:txBody>
-          <a:bodyPr wrap="square">
-            <a:spAutoFit/>
-          </a:bodyPr>
-          <a:lstStyle/>
-          <a:p>
-            <a:r>
-              <a:rPr lang="en-US" dirty="0">
-                <a:solidFill>
-                  <a:srgbClr val="800000"/>
-                </a:solidFill>
-                <a:latin typeface="Consolas" panose="020B0609020204030204" pitchFamily="49" charset="0"/>
-              </a:rPr>
-              <a:t>&lt;form</a:t>
-            </a:r>
-            <a:r>
-              <a:rPr lang="en-US" dirty="0">
-                <a:solidFill>
-                  <a:srgbClr val="000000"/>
-                </a:solidFill>
-                <a:latin typeface="Consolas" panose="020B0609020204030204" pitchFamily="49" charset="0"/>
-              </a:rPr>
-              <a:t> </a:t>
-            </a:r>
-            <a:r>
-              <a:rPr lang="en-US" dirty="0">
-                <a:solidFill>
-                  <a:srgbClr val="FF0000"/>
-                </a:solidFill>
-                <a:latin typeface="Consolas" panose="020B0609020204030204" pitchFamily="49" charset="0"/>
-              </a:rPr>
-              <a:t>action</a:t>
-            </a:r>
-            <a:r>
-              <a:rPr lang="en-US" dirty="0">
-                <a:solidFill>
-                  <a:srgbClr val="000000"/>
-                </a:solidFill>
-                <a:latin typeface="Consolas" panose="020B0609020204030204" pitchFamily="49" charset="0"/>
-              </a:rPr>
-              <a:t>=</a:t>
-            </a:r>
-            <a:r>
-              <a:rPr lang="en-US" dirty="0">
-                <a:solidFill>
-                  <a:srgbClr val="0000FF"/>
-                </a:solidFill>
-                <a:latin typeface="Consolas" panose="020B0609020204030204" pitchFamily="49" charset="0"/>
-              </a:rPr>
-              <a:t>"/"</a:t>
-            </a:r>
-            <a:r>
-              <a:rPr lang="en-US" dirty="0">
-                <a:solidFill>
-                  <a:srgbClr val="000000"/>
-                </a:solidFill>
-                <a:latin typeface="Consolas" panose="020B0609020204030204" pitchFamily="49" charset="0"/>
-              </a:rPr>
-              <a:t> </a:t>
-            </a:r>
-            <a:r>
-              <a:rPr lang="en-US" dirty="0">
-                <a:solidFill>
-                  <a:srgbClr val="FF0000"/>
-                </a:solidFill>
-                <a:latin typeface="Consolas" panose="020B0609020204030204" pitchFamily="49" charset="0"/>
-              </a:rPr>
-              <a:t>method</a:t>
-            </a:r>
-            <a:r>
-              <a:rPr lang="en-US" dirty="0">
-                <a:solidFill>
-                  <a:srgbClr val="000000"/>
-                </a:solidFill>
-                <a:latin typeface="Consolas" panose="020B0609020204030204" pitchFamily="49" charset="0"/>
-              </a:rPr>
-              <a:t>=</a:t>
-            </a:r>
-            <a:r>
-              <a:rPr lang="en-US" dirty="0">
-                <a:solidFill>
-                  <a:srgbClr val="0000FF"/>
-                </a:solidFill>
-                <a:latin typeface="Consolas" panose="020B0609020204030204" pitchFamily="49" charset="0"/>
-              </a:rPr>
-              <a:t>"post"</a:t>
-            </a:r>
-            <a:r>
-              <a:rPr lang="en-US" dirty="0">
-                <a:solidFill>
-                  <a:srgbClr val="800000"/>
-                </a:solidFill>
-                <a:latin typeface="Consolas" panose="020B0609020204030204" pitchFamily="49" charset="0"/>
-              </a:rPr>
-              <a:t>&gt;</a:t>
-            </a:r>
-            <a:endParaRPr lang="en-US" dirty="0">
-              <a:solidFill>
-                <a:srgbClr val="000000"/>
-              </a:solidFill>
-              <a:latin typeface="Consolas" panose="020B0609020204030204" pitchFamily="49" charset="0"/>
-            </a:endParaRPr>
-          </a:p>
-          <a:p>
-            <a:r>
-              <a:rPr lang="en-US" dirty="0">
-                <a:solidFill>
-                  <a:srgbClr val="000000"/>
-                </a:solidFill>
-                <a:latin typeface="Consolas" panose="020B0609020204030204" pitchFamily="49" charset="0"/>
-              </a:rPr>
-              <a:t>	@</a:t>
-            </a:r>
-            <a:r>
-              <a:rPr lang="en-US" dirty="0" err="1">
-                <a:solidFill>
-                  <a:srgbClr val="000000"/>
-                </a:solidFill>
-                <a:latin typeface="Consolas" panose="020B0609020204030204" pitchFamily="49" charset="0"/>
-              </a:rPr>
-              <a:t>Html.AntiForgeryToken</a:t>
-            </a:r>
-            <a:r>
-              <a:rPr lang="en-US" dirty="0">
-                <a:solidFill>
-                  <a:srgbClr val="000000"/>
-                </a:solidFill>
-                <a:latin typeface="Consolas" panose="020B0609020204030204" pitchFamily="49" charset="0"/>
-              </a:rPr>
-              <a:t>()</a:t>
-            </a:r>
-          </a:p>
-          <a:p>
-            <a:r>
-              <a:rPr lang="en-US" dirty="0">
-                <a:solidFill>
-                  <a:srgbClr val="800000"/>
-                </a:solidFill>
-                <a:latin typeface="Consolas" panose="020B0609020204030204" pitchFamily="49" charset="0"/>
-              </a:rPr>
-              <a:t>&lt;/form&gt;</a:t>
-            </a:r>
-            <a:endParaRPr lang="en-US" b="0" dirty="0">
-              <a:solidFill>
-                <a:srgbClr val="000000"/>
-              </a:solidFill>
-              <a:effectLst/>
-              <a:latin typeface="Consolas" panose="020B0609020204030204" pitchFamily="49" charset="0"/>
-            </a:endParaRPr>
-          </a:p>
-        </p:txBody>
-      </p:sp>
-      <p:sp>
-        <p:nvSpPr>
-          <p:cNvPr id="6" name="Rectangle 5">
-            <a:extLst>
-              <a:ext uri="{FF2B5EF4-FFF2-40B4-BE49-F238E27FC236}">
-                <a16:creationId xmlns:a16="http://schemas.microsoft.com/office/drawing/2014/main" id="{B4B9D281-3FD7-455D-B986-DB6FF3BDEAF9}"/>
-              </a:ext>
-            </a:extLst>
-          </p:cNvPr>
-          <p:cNvSpPr/>
-          <p:nvPr/>
-        </p:nvSpPr>
-        <p:spPr>
-          <a:xfrm>
-            <a:off x="1415480" y="4759984"/>
-            <a:ext cx="9482844" cy="1477328"/>
-          </a:xfrm>
-          <a:prstGeom prst="rect">
-            <a:avLst/>
-          </a:prstGeom>
-          <a:solidFill>
-            <a:schemeClr val="bg1"/>
-          </a:solidFill>
-        </p:spPr>
-        <p:txBody>
-          <a:bodyPr wrap="square">
-            <a:spAutoFit/>
-          </a:bodyPr>
-          <a:lstStyle/>
-          <a:p>
-            <a:r>
-              <a:rPr lang="en-US" dirty="0">
-                <a:solidFill>
-                  <a:srgbClr val="800000"/>
-                </a:solidFill>
-                <a:latin typeface="Consolas" panose="020B0609020204030204" pitchFamily="49" charset="0"/>
-              </a:rPr>
-              <a:t>&lt;input</a:t>
-            </a:r>
-            <a:r>
-              <a:rPr lang="en-US" dirty="0">
-                <a:solidFill>
-                  <a:srgbClr val="000000"/>
-                </a:solidFill>
-                <a:latin typeface="Consolas" panose="020B0609020204030204" pitchFamily="49" charset="0"/>
-              </a:rPr>
-              <a:t> </a:t>
-            </a:r>
-            <a:r>
-              <a:rPr lang="en-US" dirty="0">
-                <a:solidFill>
-                  <a:srgbClr val="FF0000"/>
-                </a:solidFill>
-                <a:latin typeface="Consolas" panose="020B0609020204030204" pitchFamily="49" charset="0"/>
-              </a:rPr>
-              <a:t>name</a:t>
-            </a:r>
-            <a:r>
-              <a:rPr lang="en-US" dirty="0">
-                <a:solidFill>
-                  <a:srgbClr val="000000"/>
-                </a:solidFill>
-                <a:latin typeface="Consolas" panose="020B0609020204030204" pitchFamily="49" charset="0"/>
-              </a:rPr>
-              <a:t>=</a:t>
-            </a:r>
-            <a:r>
-              <a:rPr lang="en-US" dirty="0">
-                <a:solidFill>
-                  <a:srgbClr val="0000FF"/>
-                </a:solidFill>
-                <a:latin typeface="Consolas" panose="020B0609020204030204" pitchFamily="49" charset="0"/>
-              </a:rPr>
-              <a:t>"__</a:t>
-            </a:r>
-            <a:r>
-              <a:rPr lang="en-US" dirty="0" err="1">
-                <a:solidFill>
-                  <a:srgbClr val="0000FF"/>
-                </a:solidFill>
-                <a:latin typeface="Consolas" panose="020B0609020204030204" pitchFamily="49" charset="0"/>
-              </a:rPr>
-              <a:t>RequestVerificationToken</a:t>
-            </a:r>
-            <a:r>
-              <a:rPr lang="en-US" dirty="0">
-                <a:solidFill>
-                  <a:srgbClr val="0000FF"/>
-                </a:solidFill>
-                <a:latin typeface="Consolas" panose="020B0609020204030204" pitchFamily="49" charset="0"/>
-              </a:rPr>
-              <a:t>"</a:t>
-            </a:r>
-            <a:r>
-              <a:rPr lang="en-US" dirty="0">
-                <a:solidFill>
-                  <a:srgbClr val="000000"/>
-                </a:solidFill>
-                <a:latin typeface="Consolas" panose="020B0609020204030204" pitchFamily="49" charset="0"/>
-              </a:rPr>
-              <a:t> </a:t>
-            </a:r>
-            <a:r>
-              <a:rPr lang="en-US" dirty="0">
-                <a:solidFill>
-                  <a:srgbClr val="FF0000"/>
-                </a:solidFill>
-                <a:latin typeface="Consolas" panose="020B0609020204030204" pitchFamily="49" charset="0"/>
-              </a:rPr>
-              <a:t>type</a:t>
-            </a:r>
-            <a:r>
-              <a:rPr lang="en-US" dirty="0">
-                <a:solidFill>
-                  <a:srgbClr val="000000"/>
-                </a:solidFill>
-                <a:latin typeface="Consolas" panose="020B0609020204030204" pitchFamily="49" charset="0"/>
-              </a:rPr>
-              <a:t>=</a:t>
-            </a:r>
-            <a:r>
-              <a:rPr lang="en-US" dirty="0">
-                <a:solidFill>
-                  <a:srgbClr val="0000FF"/>
-                </a:solidFill>
-                <a:latin typeface="Consolas" panose="020B0609020204030204" pitchFamily="49" charset="0"/>
-              </a:rPr>
-              <a:t>"hidden"</a:t>
-            </a:r>
-            <a:r>
-              <a:rPr lang="en-US" dirty="0">
-                <a:solidFill>
-                  <a:srgbClr val="000000"/>
-                </a:solidFill>
-                <a:latin typeface="Consolas" panose="020B0609020204030204" pitchFamily="49" charset="0"/>
-              </a:rPr>
-              <a:t> </a:t>
-            </a:r>
-            <a:r>
-              <a:rPr lang="en-US" dirty="0">
-                <a:solidFill>
-                  <a:srgbClr val="FF0000"/>
-                </a:solidFill>
-                <a:latin typeface="Consolas" panose="020B0609020204030204" pitchFamily="49" charset="0"/>
-              </a:rPr>
-              <a:t>value</a:t>
-            </a:r>
-            <a:r>
-              <a:rPr lang="en-US" dirty="0">
-                <a:solidFill>
-                  <a:srgbClr val="000000"/>
-                </a:solidFill>
-                <a:latin typeface="Consolas" panose="020B0609020204030204" pitchFamily="49" charset="0"/>
-              </a:rPr>
-              <a:t>=</a:t>
-            </a:r>
-            <a:r>
-              <a:rPr lang="en-US" dirty="0">
-                <a:solidFill>
-                  <a:srgbClr val="0000FF"/>
-                </a:solidFill>
-                <a:latin typeface="Consolas" panose="020B0609020204030204" pitchFamily="49" charset="0"/>
-              </a:rPr>
-              <a:t>"CfDJ8NrAkSldwD9CpLRyOtm6FiJB1Jr_F3FQJQDvhlHoLNJJrLA6zaMUmhjMsisu2D2tFkAiYgyWQawJk9vNm36sYP1esHOtamBEPvSk1_x--Sg8Ey2a-d9CV2zHVWIN9MVhvKHOSyKqdZFlYDVd69XYx-rOWPw3ilHGLN6K0Km-1p83jZzF0E4WU5OGg5ns2-m9Yw"</a:t>
-            </a:r>
-            <a:r>
-              <a:rPr lang="en-US" dirty="0">
-                <a:solidFill>
-                  <a:srgbClr val="800000"/>
-                </a:solidFill>
-                <a:latin typeface="Consolas" panose="020B0609020204030204" pitchFamily="49" charset="0"/>
-              </a:rPr>
-              <a:t> /&gt;</a:t>
-            </a:r>
-            <a:endParaRPr lang="en-US" b="0" dirty="0">
-              <a:solidFill>
-                <a:srgbClr val="000000"/>
-              </a:solidFill>
-              <a:effectLst/>
-              <a:latin typeface="Consolas" panose="020B0609020204030204" pitchFamily="49" charset="0"/>
-            </a:endParaRPr>
-          </a:p>
-        </p:txBody>
-      </p:sp>
-    </p:spTree>
-    <p:extLst>
-      <p:ext uri="{BB962C8B-B14F-4D97-AF65-F5344CB8AC3E}">
-        <p14:creationId xmlns:p14="http://schemas.microsoft.com/office/powerpoint/2010/main" val="1631603533"/>
-      </p:ext>
-    </p:extLst>
-  </p:cSld>
-  <p:clrMapOvr>
-    <a:masterClrMapping/>
-  </p:clrMapOvr>
-  <mc:AlternateContent xmlns:mc="http://schemas.openxmlformats.org/markup-compatibility/2006" xmlns:p14="http://schemas.microsoft.com/office/powerpoint/2010/main">
-    <mc:Choice Requires="p14">
-      <p:transition spd="med" p14:dur="700">
-        <p:fade/>
-      </p:transition>
-    </mc:Choice>
-    <mc:Fallback xmlns="">
-      <p:transition spd="med">
-        <p:fade/>
-      </p:transition>
-    </mc:Fallback>
-  </mc:AlternateContent>
-</p:sld>
-</file>
-
 <file path=ppt/slides/slide4.xml><?xml version="1.0" encoding="utf-8"?>
 <p:sld xmlns:a="http://schemas.openxmlformats.org/drawingml/2006/main" xmlns:r="http://schemas.openxmlformats.org/officeDocument/2006/relationships" xmlns:p="http://schemas.openxmlformats.org/presentationml/2006/main">
   <p:cSld>
@@ -24727,2207 +21280,6 @@
     </mc:Choice>
     <mc:Fallback xmlns="">
       <p:transition spd="med">
-        <p:fade/>
-      </p:transition>
-    </mc:Fallback>
-  </mc:AlternateContent>
-</p:sld>
-</file>
-
-<file path=ppt/slides/slide40.xml><?xml version="1.0" encoding="utf-8"?>
-<p:sld xmlns:a="http://schemas.openxmlformats.org/drawingml/2006/main" xmlns:r="http://schemas.openxmlformats.org/officeDocument/2006/relationships" xmlns:p="http://schemas.openxmlformats.org/presentationml/2006/main">
-  <p:cSld>
-    <p:spTree>
-      <p:nvGrpSpPr>
-        <p:cNvPr id="1" name=""/>
-        <p:cNvGrpSpPr/>
-        <p:nvPr/>
-      </p:nvGrpSpPr>
-      <p:grpSpPr>
-        <a:xfrm>
-          <a:off x="0" y="0"/>
-          <a:ext cx="0" cy="0"/>
-          <a:chOff x="0" y="0"/>
-          <a:chExt cx="0" cy="0"/>
-        </a:xfrm>
-      </p:grpSpPr>
-      <p:sp>
-        <p:nvSpPr>
-          <p:cNvPr id="2" name="Title 1"/>
-          <p:cNvSpPr>
-            <a:spLocks noGrp="1"/>
-          </p:cNvSpPr>
-          <p:nvPr>
-            <p:ph type="title"/>
-          </p:nvPr>
-        </p:nvSpPr>
-        <p:spPr/>
-        <p:txBody>
-          <a:bodyPr/>
-          <a:lstStyle/>
-          <a:p>
-            <a:r>
-              <a:rPr lang="en-US" dirty="0"/>
-              <a:t>Cross-Site Request forgery</a:t>
-            </a:r>
-            <a:endParaRPr lang="ro-RO" dirty="0"/>
-          </a:p>
-        </p:txBody>
-      </p:sp>
-      <p:sp>
-        <p:nvSpPr>
-          <p:cNvPr id="3" name="Content Placeholder 2"/>
-          <p:cNvSpPr>
-            <a:spLocks noGrp="1"/>
-          </p:cNvSpPr>
-          <p:nvPr>
-            <p:ph idx="1"/>
-          </p:nvPr>
-        </p:nvSpPr>
-        <p:spPr/>
-        <p:txBody>
-          <a:bodyPr/>
-          <a:lstStyle/>
-          <a:p>
-            <a:pPr marL="342900" indent="-342900" algn="just">
-              <a:buFont typeface="Wingdings" panose="05000000000000000000" pitchFamily="2" charset="2"/>
-              <a:buChar char="§"/>
-            </a:pPr>
-            <a:r>
-              <a:rPr lang="en-US" b="1" dirty="0"/>
-              <a:t>[</a:t>
-            </a:r>
-            <a:r>
-              <a:rPr lang="ro-RO" b="1" dirty="0" err="1"/>
-              <a:t>ValidateAntiForgeryToken</a:t>
-            </a:r>
-            <a:r>
-              <a:rPr lang="en-US" b="1" dirty="0"/>
-              <a:t>]</a:t>
-            </a:r>
-          </a:p>
-          <a:p>
-            <a:pPr marL="597150" lvl="1" indent="-342900" algn="just">
-              <a:buFont typeface="Wingdings" panose="05000000000000000000" pitchFamily="2" charset="2"/>
-              <a:buChar char="§"/>
-            </a:pPr>
-            <a:r>
-              <a:rPr lang="en-US" dirty="0"/>
-              <a:t>action filter that can be applied to an individual action, a controller, or globally for the app. Requests made to actions that have this filter applied will be blocked unless the request includes a valid </a:t>
-            </a:r>
-            <a:r>
-              <a:rPr lang="en-US" dirty="0" err="1"/>
-              <a:t>antiforgery</a:t>
-            </a:r>
-            <a:r>
-              <a:rPr lang="en-US" dirty="0"/>
-              <a:t> token.</a:t>
-            </a:r>
-            <a:endParaRPr lang="ro-RO" dirty="0"/>
-          </a:p>
-        </p:txBody>
-      </p:sp>
-      <p:sp>
-        <p:nvSpPr>
-          <p:cNvPr id="5" name="Text Placeholder 4">
-            <a:extLst>
-              <a:ext uri="{FF2B5EF4-FFF2-40B4-BE49-F238E27FC236}">
-                <a16:creationId xmlns:a16="http://schemas.microsoft.com/office/drawing/2014/main" id="{52A29470-1D14-4DB4-B2EB-AC6AD725BE5C}"/>
-              </a:ext>
-            </a:extLst>
-          </p:cNvPr>
-          <p:cNvSpPr>
-            <a:spLocks noGrp="1"/>
-          </p:cNvSpPr>
-          <p:nvPr>
-            <p:ph type="body" sz="quarter" idx="10"/>
-          </p:nvPr>
-        </p:nvSpPr>
-        <p:spPr/>
-        <p:txBody>
-          <a:bodyPr/>
-          <a:lstStyle/>
-          <a:p>
-            <a:r>
-              <a:rPr lang="en-US" dirty="0"/>
-              <a:t>How does ASP.NET Core MVC address CSRF?</a:t>
-            </a:r>
-          </a:p>
-        </p:txBody>
-      </p:sp>
-      <p:sp>
-        <p:nvSpPr>
-          <p:cNvPr id="7" name="Rectangle 6">
-            <a:extLst>
-              <a:ext uri="{FF2B5EF4-FFF2-40B4-BE49-F238E27FC236}">
-                <a16:creationId xmlns:a16="http://schemas.microsoft.com/office/drawing/2014/main" id="{8CBD59D1-7D33-4DD5-9E3D-761B09765068}"/>
-              </a:ext>
-            </a:extLst>
-          </p:cNvPr>
-          <p:cNvSpPr/>
-          <p:nvPr/>
-        </p:nvSpPr>
-        <p:spPr>
-          <a:xfrm>
-            <a:off x="1775520" y="3424932"/>
-            <a:ext cx="9289032" cy="2308324"/>
-          </a:xfrm>
-          <a:prstGeom prst="rect">
-            <a:avLst/>
-          </a:prstGeom>
-          <a:solidFill>
-            <a:schemeClr val="bg1"/>
-          </a:solidFill>
-        </p:spPr>
-        <p:txBody>
-          <a:bodyPr wrap="square">
-            <a:spAutoFit/>
-          </a:bodyPr>
-          <a:lstStyle/>
-          <a:p>
-            <a:r>
-              <a:rPr lang="en-US" sz="1600" dirty="0">
-                <a:solidFill>
-                  <a:srgbClr val="000000"/>
-                </a:solidFill>
-                <a:latin typeface="Consolas" panose="020B0609020204030204" pitchFamily="49" charset="0"/>
-              </a:rPr>
-              <a:t>[</a:t>
-            </a:r>
-            <a:r>
-              <a:rPr lang="en-US" sz="1600" dirty="0">
-                <a:solidFill>
-                  <a:srgbClr val="267F99"/>
-                </a:solidFill>
-                <a:latin typeface="Consolas" panose="020B0609020204030204" pitchFamily="49" charset="0"/>
-              </a:rPr>
-              <a:t>Authorize</a:t>
-            </a:r>
-            <a:r>
-              <a:rPr lang="en-US" sz="1600" dirty="0">
-                <a:solidFill>
-                  <a:srgbClr val="000000"/>
-                </a:solidFill>
-                <a:latin typeface="Consolas" panose="020B0609020204030204" pitchFamily="49" charset="0"/>
-              </a:rPr>
-              <a:t>]</a:t>
-            </a:r>
-          </a:p>
-          <a:p>
-            <a:r>
-              <a:rPr lang="en-US" sz="1600" dirty="0">
-                <a:solidFill>
-                  <a:srgbClr val="0000FF"/>
-                </a:solidFill>
-                <a:latin typeface="Consolas" panose="020B0609020204030204" pitchFamily="49" charset="0"/>
-              </a:rPr>
-              <a:t>public</a:t>
-            </a:r>
-            <a:r>
-              <a:rPr lang="en-US" sz="1600" dirty="0">
-                <a:solidFill>
-                  <a:srgbClr val="000000"/>
-                </a:solidFill>
-                <a:latin typeface="Consolas" panose="020B0609020204030204" pitchFamily="49" charset="0"/>
-              </a:rPr>
-              <a:t> </a:t>
-            </a:r>
-            <a:r>
-              <a:rPr lang="en-US" sz="1600" dirty="0">
-                <a:solidFill>
-                  <a:srgbClr val="0000FF"/>
-                </a:solidFill>
-                <a:latin typeface="Consolas" panose="020B0609020204030204" pitchFamily="49" charset="0"/>
-              </a:rPr>
-              <a:t>class</a:t>
-            </a:r>
-            <a:r>
-              <a:rPr lang="en-US" sz="1600" dirty="0">
-                <a:solidFill>
-                  <a:srgbClr val="000000"/>
-                </a:solidFill>
-                <a:latin typeface="Consolas" panose="020B0609020204030204" pitchFamily="49" charset="0"/>
-              </a:rPr>
-              <a:t> </a:t>
-            </a:r>
-            <a:r>
-              <a:rPr lang="en-US" sz="1600" dirty="0" err="1">
-                <a:solidFill>
-                  <a:srgbClr val="267F99"/>
-                </a:solidFill>
-                <a:latin typeface="Consolas" panose="020B0609020204030204" pitchFamily="49" charset="0"/>
-              </a:rPr>
-              <a:t>AccountController</a:t>
-            </a:r>
-            <a:r>
-              <a:rPr lang="en-US" sz="1600" dirty="0">
-                <a:solidFill>
-                  <a:srgbClr val="000000"/>
-                </a:solidFill>
-                <a:latin typeface="Consolas" panose="020B0609020204030204" pitchFamily="49" charset="0"/>
-              </a:rPr>
-              <a:t> : </a:t>
-            </a:r>
-            <a:r>
-              <a:rPr lang="en-US" sz="1600" dirty="0">
-                <a:solidFill>
-                  <a:srgbClr val="267F99"/>
-                </a:solidFill>
-                <a:latin typeface="Consolas" panose="020B0609020204030204" pitchFamily="49" charset="0"/>
-              </a:rPr>
-              <a:t>Controller</a:t>
-            </a:r>
-            <a:r>
-              <a:rPr lang="en-US" sz="1600" dirty="0">
-                <a:solidFill>
-                  <a:srgbClr val="000000"/>
-                </a:solidFill>
-                <a:latin typeface="Consolas" panose="020B0609020204030204" pitchFamily="49" charset="0"/>
-              </a:rPr>
-              <a:t> {</a:t>
-            </a:r>
-          </a:p>
-          <a:p>
-            <a:r>
-              <a:rPr lang="en-US" sz="1600" dirty="0">
-                <a:solidFill>
-                  <a:srgbClr val="000000"/>
-                </a:solidFill>
-                <a:latin typeface="Consolas" panose="020B0609020204030204" pitchFamily="49" charset="0"/>
-              </a:rPr>
-              <a:t>    [</a:t>
-            </a:r>
-            <a:r>
-              <a:rPr lang="en-US" sz="1600" dirty="0" err="1">
-                <a:solidFill>
-                  <a:srgbClr val="267F99"/>
-                </a:solidFill>
-                <a:latin typeface="Consolas" panose="020B0609020204030204" pitchFamily="49" charset="0"/>
-              </a:rPr>
-              <a:t>HttpPost</a:t>
-            </a:r>
-            <a:r>
-              <a:rPr lang="en-US" sz="1600" dirty="0">
-                <a:solidFill>
-                  <a:srgbClr val="000000"/>
-                </a:solidFill>
-                <a:latin typeface="Consolas" panose="020B0609020204030204" pitchFamily="49" charset="0"/>
-              </a:rPr>
-              <a:t>]</a:t>
-            </a:r>
-          </a:p>
-          <a:p>
-            <a:r>
-              <a:rPr lang="en-US" sz="1600" dirty="0">
-                <a:solidFill>
-                  <a:srgbClr val="000000"/>
-                </a:solidFill>
-                <a:latin typeface="Consolas" panose="020B0609020204030204" pitchFamily="49" charset="0"/>
-              </a:rPr>
-              <a:t>    [</a:t>
-            </a:r>
-            <a:r>
-              <a:rPr lang="en-US" sz="1600" dirty="0" err="1">
-                <a:solidFill>
-                  <a:srgbClr val="267F99"/>
-                </a:solidFill>
-                <a:latin typeface="Consolas" panose="020B0609020204030204" pitchFamily="49" charset="0"/>
-              </a:rPr>
-              <a:t>AllowAnonymous</a:t>
-            </a:r>
-            <a:r>
-              <a:rPr lang="en-US" sz="1600" dirty="0">
-                <a:solidFill>
-                  <a:srgbClr val="000000"/>
-                </a:solidFill>
-                <a:latin typeface="Consolas" panose="020B0609020204030204" pitchFamily="49" charset="0"/>
-              </a:rPr>
-              <a:t>]</a:t>
-            </a:r>
-          </a:p>
-          <a:p>
-            <a:r>
-              <a:rPr lang="en-US" sz="1600" dirty="0">
-                <a:solidFill>
-                  <a:srgbClr val="000000"/>
-                </a:solidFill>
-                <a:latin typeface="Consolas" panose="020B0609020204030204" pitchFamily="49" charset="0"/>
-              </a:rPr>
-              <a:t>   </a:t>
-            </a:r>
-            <a:r>
-              <a:rPr lang="en-US" sz="1600" dirty="0">
-                <a:solidFill>
-                  <a:srgbClr val="000000"/>
-                </a:solidFill>
-                <a:highlight>
-                  <a:srgbClr val="FFFF00"/>
-                </a:highlight>
-                <a:latin typeface="Consolas" panose="020B0609020204030204" pitchFamily="49" charset="0"/>
-              </a:rPr>
-              <a:t> [</a:t>
-            </a:r>
-            <a:r>
-              <a:rPr lang="en-US" sz="1600" dirty="0" err="1">
-                <a:solidFill>
-                  <a:srgbClr val="267F99"/>
-                </a:solidFill>
-                <a:highlight>
-                  <a:srgbClr val="FFFF00"/>
-                </a:highlight>
-                <a:latin typeface="Consolas" panose="020B0609020204030204" pitchFamily="49" charset="0"/>
-              </a:rPr>
-              <a:t>ValidateAntiForgeryToken</a:t>
-            </a:r>
-            <a:r>
-              <a:rPr lang="en-US" sz="1600" dirty="0">
-                <a:solidFill>
-                  <a:srgbClr val="000000"/>
-                </a:solidFill>
-                <a:highlight>
-                  <a:srgbClr val="FFFF00"/>
-                </a:highlight>
-                <a:latin typeface="Consolas" panose="020B0609020204030204" pitchFamily="49" charset="0"/>
-              </a:rPr>
-              <a:t>]</a:t>
-            </a:r>
-          </a:p>
-          <a:p>
-            <a:r>
-              <a:rPr lang="en-US" sz="1600" dirty="0">
-                <a:solidFill>
-                  <a:srgbClr val="000000"/>
-                </a:solidFill>
-                <a:latin typeface="Consolas" panose="020B0609020204030204" pitchFamily="49" charset="0"/>
-              </a:rPr>
-              <a:t>    </a:t>
-            </a:r>
-            <a:r>
-              <a:rPr lang="en-US" sz="1600" dirty="0">
-                <a:solidFill>
-                  <a:srgbClr val="0000FF"/>
-                </a:solidFill>
-                <a:latin typeface="Consolas" panose="020B0609020204030204" pitchFamily="49" charset="0"/>
-              </a:rPr>
-              <a:t>public</a:t>
-            </a:r>
-            <a:r>
-              <a:rPr lang="en-US" sz="1600" dirty="0">
-                <a:solidFill>
-                  <a:srgbClr val="000000"/>
-                </a:solidFill>
-                <a:latin typeface="Consolas" panose="020B0609020204030204" pitchFamily="49" charset="0"/>
-              </a:rPr>
-              <a:t> </a:t>
-            </a:r>
-            <a:r>
-              <a:rPr lang="en-US" sz="1600" dirty="0" err="1">
-                <a:solidFill>
-                  <a:srgbClr val="0000FF"/>
-                </a:solidFill>
-                <a:latin typeface="Consolas" panose="020B0609020204030204" pitchFamily="49" charset="0"/>
-              </a:rPr>
-              <a:t>async</a:t>
-            </a:r>
-            <a:r>
-              <a:rPr lang="en-US" sz="1600" dirty="0">
-                <a:solidFill>
-                  <a:srgbClr val="000000"/>
-                </a:solidFill>
-                <a:latin typeface="Consolas" panose="020B0609020204030204" pitchFamily="49" charset="0"/>
-              </a:rPr>
-              <a:t> </a:t>
-            </a:r>
-            <a:r>
-              <a:rPr lang="en-US" sz="1600" dirty="0">
-                <a:solidFill>
-                  <a:srgbClr val="267F99"/>
-                </a:solidFill>
-                <a:latin typeface="Consolas" panose="020B0609020204030204" pitchFamily="49" charset="0"/>
-              </a:rPr>
-              <a:t>Task</a:t>
-            </a:r>
-            <a:r>
-              <a:rPr lang="en-US" sz="1600" dirty="0">
-                <a:solidFill>
-                  <a:srgbClr val="000000"/>
-                </a:solidFill>
-                <a:latin typeface="Consolas" panose="020B0609020204030204" pitchFamily="49" charset="0"/>
-              </a:rPr>
-              <a:t>&lt;</a:t>
-            </a:r>
-            <a:r>
-              <a:rPr lang="en-US" sz="1600" dirty="0" err="1">
-                <a:solidFill>
-                  <a:srgbClr val="267F99"/>
-                </a:solidFill>
-                <a:latin typeface="Consolas" panose="020B0609020204030204" pitchFamily="49" charset="0"/>
-              </a:rPr>
-              <a:t>IActionResult</a:t>
-            </a:r>
-            <a:r>
-              <a:rPr lang="en-US" sz="1600" dirty="0">
-                <a:solidFill>
-                  <a:srgbClr val="000000"/>
-                </a:solidFill>
-                <a:latin typeface="Consolas" panose="020B0609020204030204" pitchFamily="49" charset="0"/>
-              </a:rPr>
-              <a:t>&gt; </a:t>
-            </a:r>
-            <a:r>
-              <a:rPr lang="en-US" sz="1600" dirty="0">
-                <a:solidFill>
-                  <a:srgbClr val="795E26"/>
-                </a:solidFill>
-                <a:latin typeface="Consolas" panose="020B0609020204030204" pitchFamily="49" charset="0"/>
-              </a:rPr>
-              <a:t>Login</a:t>
-            </a:r>
-            <a:r>
-              <a:rPr lang="en-US" sz="1600" dirty="0">
-                <a:solidFill>
-                  <a:srgbClr val="000000"/>
-                </a:solidFill>
-                <a:latin typeface="Consolas" panose="020B0609020204030204" pitchFamily="49" charset="0"/>
-              </a:rPr>
-              <a:t>(</a:t>
-            </a:r>
-            <a:r>
-              <a:rPr lang="en-US" sz="1600" dirty="0" err="1">
-                <a:solidFill>
-                  <a:srgbClr val="267F99"/>
-                </a:solidFill>
-                <a:latin typeface="Consolas" panose="020B0609020204030204" pitchFamily="49" charset="0"/>
-              </a:rPr>
-              <a:t>LoginModel</a:t>
-            </a:r>
-            <a:r>
-              <a:rPr lang="en-US" sz="1600" dirty="0">
-                <a:solidFill>
-                  <a:srgbClr val="000000"/>
-                </a:solidFill>
-                <a:latin typeface="Consolas" panose="020B0609020204030204" pitchFamily="49" charset="0"/>
-              </a:rPr>
-              <a:t> details) {</a:t>
-            </a:r>
-          </a:p>
-          <a:p>
-            <a:r>
-              <a:rPr lang="en-US" sz="1600" dirty="0">
-                <a:solidFill>
-                  <a:srgbClr val="000000"/>
-                </a:solidFill>
-                <a:latin typeface="Consolas" panose="020B0609020204030204" pitchFamily="49" charset="0"/>
-              </a:rPr>
-              <a:t>        </a:t>
-            </a:r>
-            <a:r>
-              <a:rPr lang="en-US" sz="1600" dirty="0">
-                <a:solidFill>
-                  <a:srgbClr val="AF00DB"/>
-                </a:solidFill>
-                <a:latin typeface="Consolas" panose="020B0609020204030204" pitchFamily="49" charset="0"/>
-              </a:rPr>
-              <a:t>return</a:t>
-            </a:r>
-            <a:r>
-              <a:rPr lang="en-US" sz="1600" dirty="0">
-                <a:solidFill>
-                  <a:srgbClr val="000000"/>
-                </a:solidFill>
-                <a:latin typeface="Consolas" panose="020B0609020204030204" pitchFamily="49" charset="0"/>
-              </a:rPr>
-              <a:t> </a:t>
-            </a:r>
-            <a:r>
-              <a:rPr lang="en-US" sz="1600" dirty="0">
-                <a:solidFill>
-                  <a:srgbClr val="795E26"/>
-                </a:solidFill>
-                <a:latin typeface="Consolas" panose="020B0609020204030204" pitchFamily="49" charset="0"/>
-              </a:rPr>
-              <a:t>View</a:t>
-            </a:r>
-            <a:r>
-              <a:rPr lang="en-US" sz="1600" dirty="0">
-                <a:solidFill>
-                  <a:srgbClr val="000000"/>
-                </a:solidFill>
-                <a:latin typeface="Consolas" panose="020B0609020204030204" pitchFamily="49" charset="0"/>
-              </a:rPr>
-              <a:t>(</a:t>
-            </a:r>
-            <a:r>
-              <a:rPr lang="en-US" sz="1600" dirty="0">
-                <a:solidFill>
-                  <a:srgbClr val="001080"/>
-                </a:solidFill>
-                <a:latin typeface="Consolas" panose="020B0609020204030204" pitchFamily="49" charset="0"/>
-              </a:rPr>
-              <a:t>details</a:t>
-            </a:r>
-            <a:r>
-              <a:rPr lang="en-US" sz="1600" dirty="0">
-                <a:solidFill>
-                  <a:srgbClr val="000000"/>
-                </a:solidFill>
-                <a:latin typeface="Consolas" panose="020B0609020204030204" pitchFamily="49" charset="0"/>
-              </a:rPr>
-              <a:t>);</a:t>
-            </a:r>
-          </a:p>
-          <a:p>
-            <a:r>
-              <a:rPr lang="en-US" sz="1600" dirty="0">
-                <a:solidFill>
-                  <a:srgbClr val="000000"/>
-                </a:solidFill>
-                <a:latin typeface="Consolas" panose="020B0609020204030204" pitchFamily="49" charset="0"/>
-              </a:rPr>
-              <a:t>    }</a:t>
-            </a:r>
-          </a:p>
-          <a:p>
-            <a:r>
-              <a:rPr lang="en-US" sz="1600" dirty="0">
-                <a:solidFill>
-                  <a:srgbClr val="000000"/>
-                </a:solidFill>
-                <a:latin typeface="Consolas" panose="020B0609020204030204" pitchFamily="49" charset="0"/>
-              </a:rPr>
-              <a:t>}</a:t>
-            </a:r>
-            <a:endParaRPr lang="en-US" sz="1600" b="0" dirty="0">
-              <a:solidFill>
-                <a:srgbClr val="000000"/>
-              </a:solidFill>
-              <a:effectLst/>
-              <a:latin typeface="Consolas" panose="020B0609020204030204" pitchFamily="49" charset="0"/>
-            </a:endParaRPr>
-          </a:p>
-        </p:txBody>
-      </p:sp>
-    </p:spTree>
-    <p:extLst>
-      <p:ext uri="{BB962C8B-B14F-4D97-AF65-F5344CB8AC3E}">
-        <p14:creationId xmlns:p14="http://schemas.microsoft.com/office/powerpoint/2010/main" val="2739296328"/>
-      </p:ext>
-    </p:extLst>
-  </p:cSld>
-  <p:clrMapOvr>
-    <a:masterClrMapping/>
-  </p:clrMapOvr>
-  <mc:AlternateContent xmlns:mc="http://schemas.openxmlformats.org/markup-compatibility/2006" xmlns:p14="http://schemas.microsoft.com/office/powerpoint/2010/main">
-    <mc:Choice Requires="p14">
-      <p:transition spd="med" p14:dur="700">
-        <p:fade/>
-      </p:transition>
-    </mc:Choice>
-    <mc:Fallback xmlns="">
-      <p:transition spd="med">
-        <p:fade/>
-      </p:transition>
-    </mc:Fallback>
-  </mc:AlternateContent>
-</p:sld>
-</file>
-
-<file path=ppt/slides/slide41.xml><?xml version="1.0" encoding="utf-8"?>
-<p:sld xmlns:a="http://schemas.openxmlformats.org/drawingml/2006/main" xmlns:r="http://schemas.openxmlformats.org/officeDocument/2006/relationships" xmlns:p="http://schemas.openxmlformats.org/presentationml/2006/main">
-  <p:cSld>
-    <p:spTree>
-      <p:nvGrpSpPr>
-        <p:cNvPr id="1" name=""/>
-        <p:cNvGrpSpPr/>
-        <p:nvPr/>
-      </p:nvGrpSpPr>
-      <p:grpSpPr>
-        <a:xfrm>
-          <a:off x="0" y="0"/>
-          <a:ext cx="0" cy="0"/>
-          <a:chOff x="0" y="0"/>
-          <a:chExt cx="0" cy="0"/>
-        </a:xfrm>
-      </p:grpSpPr>
-      <p:sp>
-        <p:nvSpPr>
-          <p:cNvPr id="3" name="Title 2"/>
-          <p:cNvSpPr>
-            <a:spLocks noGrp="1"/>
-          </p:cNvSpPr>
-          <p:nvPr>
-            <p:ph type="title"/>
-          </p:nvPr>
-        </p:nvSpPr>
-        <p:spPr/>
-        <p:txBody>
-          <a:bodyPr/>
-          <a:lstStyle/>
-          <a:p>
-            <a:r>
-              <a:rPr lang="en-US" dirty="0"/>
-              <a:t>Cross-Site Request forgery</a:t>
-            </a:r>
-          </a:p>
-        </p:txBody>
-      </p:sp>
-      <p:pic>
-        <p:nvPicPr>
-          <p:cNvPr id="9" name="Content Placeholder 8"/>
-          <p:cNvPicPr>
-            <a:picLocks noGrp="1" noChangeAspect="1"/>
-          </p:cNvPicPr>
-          <p:nvPr>
-            <p:ph idx="1"/>
-          </p:nvPr>
-        </p:nvPicPr>
-        <p:blipFill>
-          <a:blip r:embed="rId2" cstate="print">
-            <a:extLst>
-              <a:ext uri="{28A0092B-C50C-407E-A947-70E740481C1C}">
-                <a14:useLocalDpi xmlns:a14="http://schemas.microsoft.com/office/drawing/2010/main" val="0"/>
-              </a:ext>
-            </a:extLst>
-          </a:blip>
-          <a:stretch>
-            <a:fillRect/>
-          </a:stretch>
-        </p:blipFill>
-        <p:spPr>
-          <a:xfrm>
-            <a:off x="4655840" y="2420888"/>
-            <a:ext cx="3177851" cy="3177851"/>
-          </a:xfrm>
-          <a:prstGeom prst="rect">
-            <a:avLst/>
-          </a:prstGeom>
-        </p:spPr>
-      </p:pic>
-      <p:sp>
-        <p:nvSpPr>
-          <p:cNvPr id="6" name="Text Placeholder 5"/>
-          <p:cNvSpPr>
-            <a:spLocks noGrp="1"/>
-          </p:cNvSpPr>
-          <p:nvPr>
-            <p:ph type="body" sz="quarter" idx="10"/>
-          </p:nvPr>
-        </p:nvSpPr>
-        <p:spPr/>
-        <p:txBody>
-          <a:bodyPr/>
-          <a:lstStyle/>
-          <a:p>
-            <a:r>
-              <a:rPr lang="en-US" dirty="0"/>
-              <a:t>Demo</a:t>
-            </a:r>
-          </a:p>
-        </p:txBody>
-      </p:sp>
-    </p:spTree>
-    <p:extLst>
-      <p:ext uri="{BB962C8B-B14F-4D97-AF65-F5344CB8AC3E}">
-        <p14:creationId xmlns:p14="http://schemas.microsoft.com/office/powerpoint/2010/main" val="2775192845"/>
-      </p:ext>
-    </p:extLst>
-  </p:cSld>
-  <p:clrMapOvr>
-    <a:masterClrMapping/>
-  </p:clrMapOvr>
-  <mc:AlternateContent xmlns:mc="http://schemas.openxmlformats.org/markup-compatibility/2006" xmlns:p14="http://schemas.microsoft.com/office/powerpoint/2010/main">
-    <mc:Choice Requires="p14">
-      <p:transition spd="med" p14:dur="700">
-        <p:fade/>
-      </p:transition>
-    </mc:Choice>
-    <mc:Fallback xmlns="">
-      <p:transition spd="med">
-        <p:fade/>
-      </p:transition>
-    </mc:Fallback>
-  </mc:AlternateContent>
-</p:sld>
-</file>
-
-<file path=ppt/slides/slide42.xml><?xml version="1.0" encoding="utf-8"?>
-<p:sld xmlns:a="http://schemas.openxmlformats.org/drawingml/2006/main" xmlns:r="http://schemas.openxmlformats.org/officeDocument/2006/relationships" xmlns:p="http://schemas.openxmlformats.org/presentationml/2006/main">
-  <p:cSld>
-    <p:spTree>
-      <p:nvGrpSpPr>
-        <p:cNvPr id="1" name=""/>
-        <p:cNvGrpSpPr/>
-        <p:nvPr/>
-      </p:nvGrpSpPr>
-      <p:grpSpPr>
-        <a:xfrm>
-          <a:off x="0" y="0"/>
-          <a:ext cx="0" cy="0"/>
-          <a:chOff x="0" y="0"/>
-          <a:chExt cx="0" cy="0"/>
-        </a:xfrm>
-      </p:grpSpPr>
-      <p:sp>
-        <p:nvSpPr>
-          <p:cNvPr id="2" name="Title 1">
-            <a:extLst>
-              <a:ext uri="{FF2B5EF4-FFF2-40B4-BE49-F238E27FC236}">
-                <a16:creationId xmlns:a16="http://schemas.microsoft.com/office/drawing/2014/main" id="{49A40258-F757-45B6-9771-DCF3BF8AC760}"/>
-              </a:ext>
-            </a:extLst>
-          </p:cNvPr>
-          <p:cNvSpPr>
-            <a:spLocks noGrp="1"/>
-          </p:cNvSpPr>
-          <p:nvPr>
-            <p:ph type="title"/>
-          </p:nvPr>
-        </p:nvSpPr>
-        <p:spPr/>
-        <p:txBody>
-          <a:bodyPr/>
-          <a:lstStyle/>
-          <a:p>
-            <a:r>
-              <a:rPr lang="en-US" dirty="0"/>
-              <a:t>Cross-Site Request forgery</a:t>
-            </a:r>
-          </a:p>
-        </p:txBody>
-      </p:sp>
-      <p:sp>
-        <p:nvSpPr>
-          <p:cNvPr id="3" name="Content Placeholder 2">
-            <a:extLst>
-              <a:ext uri="{FF2B5EF4-FFF2-40B4-BE49-F238E27FC236}">
-                <a16:creationId xmlns:a16="http://schemas.microsoft.com/office/drawing/2014/main" id="{411B2AAD-4C05-4AC9-B9B9-5466DE933F01}"/>
-              </a:ext>
-            </a:extLst>
-          </p:cNvPr>
-          <p:cNvSpPr>
-            <a:spLocks noGrp="1"/>
-          </p:cNvSpPr>
-          <p:nvPr>
-            <p:ph idx="1"/>
-          </p:nvPr>
-        </p:nvSpPr>
-        <p:spPr/>
-        <p:txBody>
-          <a:bodyPr/>
-          <a:lstStyle/>
-          <a:p>
-            <a:pPr marL="342900" indent="-342900">
-              <a:buFont typeface="Wingdings" panose="05000000000000000000" pitchFamily="2" charset="2"/>
-              <a:buChar char="§"/>
-            </a:pPr>
-            <a:r>
-              <a:rPr lang="en-US" b="1" dirty="0"/>
-              <a:t>[</a:t>
-            </a:r>
-            <a:r>
-              <a:rPr lang="en-US" b="1" dirty="0" err="1"/>
-              <a:t>IgnoreAntiforgeryToken</a:t>
-            </a:r>
-            <a:r>
-              <a:rPr lang="en-US" b="1" dirty="0"/>
-              <a:t>]</a:t>
-            </a:r>
-          </a:p>
-          <a:p>
-            <a:pPr marL="597150" lvl="1" indent="-342900" algn="just">
-              <a:buFont typeface="Wingdings" panose="05000000000000000000" pitchFamily="2" charset="2"/>
-              <a:buChar char="§"/>
-            </a:pPr>
-            <a:r>
-              <a:rPr lang="en-US" dirty="0"/>
-              <a:t>used to eliminate the need for an </a:t>
-            </a:r>
-            <a:r>
-              <a:rPr lang="en-US" dirty="0" err="1"/>
-              <a:t>antiforgery</a:t>
-            </a:r>
-            <a:r>
-              <a:rPr lang="en-US" dirty="0"/>
-              <a:t> token to be present for a given action (or controller). The filter will override </a:t>
-            </a:r>
-            <a:r>
-              <a:rPr lang="en-US" dirty="0" err="1"/>
-              <a:t>ValidateAntiForgeryToken</a:t>
-            </a:r>
-            <a:r>
-              <a:rPr lang="en-US" dirty="0"/>
-              <a:t> and/or </a:t>
-            </a:r>
-            <a:r>
-              <a:rPr lang="en-US" dirty="0" err="1"/>
-              <a:t>AutoValidateAntiforgeryToken</a:t>
-            </a:r>
-            <a:r>
-              <a:rPr lang="en-US" dirty="0"/>
-              <a:t> filters specified at a higher level (globally or on a controller).</a:t>
-            </a:r>
-          </a:p>
-        </p:txBody>
-      </p:sp>
-      <p:sp>
-        <p:nvSpPr>
-          <p:cNvPr id="4" name="Text Placeholder 3">
-            <a:extLst>
-              <a:ext uri="{FF2B5EF4-FFF2-40B4-BE49-F238E27FC236}">
-                <a16:creationId xmlns:a16="http://schemas.microsoft.com/office/drawing/2014/main" id="{DC7145B7-D0A7-4088-B0AA-B8E481114B38}"/>
-              </a:ext>
-            </a:extLst>
-          </p:cNvPr>
-          <p:cNvSpPr>
-            <a:spLocks noGrp="1"/>
-          </p:cNvSpPr>
-          <p:nvPr>
-            <p:ph type="body" sz="quarter" idx="10"/>
-          </p:nvPr>
-        </p:nvSpPr>
-        <p:spPr/>
-        <p:txBody>
-          <a:bodyPr/>
-          <a:lstStyle/>
-          <a:p>
-            <a:r>
-              <a:rPr lang="en-US" dirty="0"/>
-              <a:t>How does ASP.NET Core MVC address CSRF?</a:t>
-            </a:r>
-          </a:p>
-        </p:txBody>
-      </p:sp>
-      <p:sp>
-        <p:nvSpPr>
-          <p:cNvPr id="5" name="Rectangle 4">
-            <a:extLst>
-              <a:ext uri="{FF2B5EF4-FFF2-40B4-BE49-F238E27FC236}">
-                <a16:creationId xmlns:a16="http://schemas.microsoft.com/office/drawing/2014/main" id="{EFE51370-D1F9-4D29-A5D7-6C29B647D2A8}"/>
-              </a:ext>
-            </a:extLst>
-          </p:cNvPr>
-          <p:cNvSpPr/>
-          <p:nvPr/>
-        </p:nvSpPr>
-        <p:spPr>
-          <a:xfrm>
-            <a:off x="1357264" y="3747765"/>
-            <a:ext cx="9649072" cy="2585323"/>
-          </a:xfrm>
-          <a:prstGeom prst="rect">
-            <a:avLst/>
-          </a:prstGeom>
-          <a:solidFill>
-            <a:schemeClr val="bg1"/>
-          </a:solidFill>
-        </p:spPr>
-        <p:txBody>
-          <a:bodyPr wrap="square">
-            <a:spAutoFit/>
-          </a:bodyPr>
-          <a:lstStyle/>
-          <a:p>
-            <a:r>
-              <a:rPr lang="en-US" dirty="0">
-                <a:solidFill>
-                  <a:srgbClr val="000000"/>
-                </a:solidFill>
-                <a:latin typeface="Consolas" panose="020B0609020204030204" pitchFamily="49" charset="0"/>
-              </a:rPr>
-              <a:t>[</a:t>
-            </a:r>
-            <a:r>
-              <a:rPr lang="en-US" dirty="0">
-                <a:solidFill>
-                  <a:srgbClr val="267F99"/>
-                </a:solidFill>
-                <a:latin typeface="Consolas" panose="020B0609020204030204" pitchFamily="49" charset="0"/>
-              </a:rPr>
-              <a:t>Authorize</a:t>
-            </a:r>
-            <a:r>
-              <a:rPr lang="en-US" dirty="0">
-                <a:solidFill>
-                  <a:srgbClr val="000000"/>
-                </a:solidFill>
-                <a:latin typeface="Consolas" panose="020B0609020204030204" pitchFamily="49" charset="0"/>
-              </a:rPr>
-              <a:t>]</a:t>
-            </a:r>
-          </a:p>
-          <a:p>
-            <a:r>
-              <a:rPr lang="en-US" dirty="0">
-                <a:solidFill>
-                  <a:srgbClr val="000000"/>
-                </a:solidFill>
-                <a:highlight>
-                  <a:srgbClr val="FFFF00"/>
-                </a:highlight>
-                <a:latin typeface="Consolas" panose="020B0609020204030204" pitchFamily="49" charset="0"/>
-              </a:rPr>
-              <a:t>[</a:t>
-            </a:r>
-            <a:r>
-              <a:rPr lang="en-US" dirty="0" err="1">
-                <a:solidFill>
-                  <a:srgbClr val="267F99"/>
-                </a:solidFill>
-                <a:highlight>
-                  <a:srgbClr val="FFFF00"/>
-                </a:highlight>
-                <a:latin typeface="Consolas" panose="020B0609020204030204" pitchFamily="49" charset="0"/>
-              </a:rPr>
-              <a:t>AutoValidateAntiforgeryToken</a:t>
-            </a:r>
-            <a:r>
-              <a:rPr lang="en-US" dirty="0">
-                <a:solidFill>
-                  <a:srgbClr val="000000"/>
-                </a:solidFill>
-                <a:highlight>
-                  <a:srgbClr val="FFFF00"/>
-                </a:highlight>
-                <a:latin typeface="Consolas" panose="020B0609020204030204" pitchFamily="49" charset="0"/>
-              </a:rPr>
-              <a:t>]</a:t>
-            </a:r>
-          </a:p>
-          <a:p>
-            <a:r>
-              <a:rPr lang="en-US" dirty="0">
-                <a:solidFill>
-                  <a:srgbClr val="0000FF"/>
-                </a:solidFill>
-                <a:latin typeface="Consolas" panose="020B0609020204030204" pitchFamily="49" charset="0"/>
-              </a:rPr>
-              <a:t>public</a:t>
-            </a:r>
-            <a:r>
-              <a:rPr lang="en-US" dirty="0">
-                <a:solidFill>
-                  <a:srgbClr val="000000"/>
-                </a:solidFill>
-                <a:latin typeface="Consolas" panose="020B0609020204030204" pitchFamily="49" charset="0"/>
-              </a:rPr>
-              <a:t> </a:t>
-            </a:r>
-            <a:r>
-              <a:rPr lang="en-US" dirty="0">
-                <a:solidFill>
-                  <a:srgbClr val="0000FF"/>
-                </a:solidFill>
-                <a:latin typeface="Consolas" panose="020B0609020204030204" pitchFamily="49" charset="0"/>
-              </a:rPr>
-              <a:t>class</a:t>
-            </a:r>
-            <a:r>
-              <a:rPr lang="en-US" dirty="0">
-                <a:solidFill>
-                  <a:srgbClr val="000000"/>
-                </a:solidFill>
-                <a:latin typeface="Consolas" panose="020B0609020204030204" pitchFamily="49" charset="0"/>
-              </a:rPr>
-              <a:t> </a:t>
-            </a:r>
-            <a:r>
-              <a:rPr lang="en-US" dirty="0" err="1">
-                <a:solidFill>
-                  <a:srgbClr val="267F99"/>
-                </a:solidFill>
-                <a:latin typeface="Consolas" panose="020B0609020204030204" pitchFamily="49" charset="0"/>
-              </a:rPr>
-              <a:t>ManageController</a:t>
-            </a:r>
-            <a:r>
-              <a:rPr lang="en-US" dirty="0">
-                <a:solidFill>
-                  <a:srgbClr val="000000"/>
-                </a:solidFill>
-                <a:latin typeface="Consolas" panose="020B0609020204030204" pitchFamily="49" charset="0"/>
-              </a:rPr>
-              <a:t> : </a:t>
-            </a:r>
-            <a:r>
-              <a:rPr lang="en-US" dirty="0">
-                <a:solidFill>
-                  <a:srgbClr val="267F99"/>
-                </a:solidFill>
-                <a:latin typeface="Consolas" panose="020B0609020204030204" pitchFamily="49" charset="0"/>
-              </a:rPr>
-              <a:t>Controller</a:t>
-            </a:r>
-            <a:r>
-              <a:rPr lang="en-US" dirty="0">
-                <a:solidFill>
-                  <a:srgbClr val="000000"/>
-                </a:solidFill>
-                <a:latin typeface="Consolas" panose="020B0609020204030204" pitchFamily="49" charset="0"/>
-              </a:rPr>
-              <a:t>{</a:t>
-            </a:r>
-          </a:p>
-          <a:p>
-            <a:r>
-              <a:rPr lang="en-US" dirty="0">
-                <a:solidFill>
-                  <a:srgbClr val="000000"/>
-                </a:solidFill>
-                <a:latin typeface="Consolas" panose="020B0609020204030204" pitchFamily="49" charset="0"/>
-              </a:rPr>
-              <a:t>    [</a:t>
-            </a:r>
-            <a:r>
-              <a:rPr lang="en-US" dirty="0" err="1">
-                <a:solidFill>
-                  <a:srgbClr val="267F99"/>
-                </a:solidFill>
-                <a:latin typeface="Consolas" panose="020B0609020204030204" pitchFamily="49" charset="0"/>
-              </a:rPr>
-              <a:t>HttpPost</a:t>
-            </a:r>
-            <a:r>
-              <a:rPr lang="en-US" dirty="0">
-                <a:solidFill>
-                  <a:srgbClr val="000000"/>
-                </a:solidFill>
-                <a:latin typeface="Consolas" panose="020B0609020204030204" pitchFamily="49" charset="0"/>
-              </a:rPr>
-              <a:t>]</a:t>
-            </a:r>
-          </a:p>
-          <a:p>
-            <a:r>
-              <a:rPr lang="en-US" dirty="0">
-                <a:solidFill>
-                  <a:srgbClr val="000000"/>
-                </a:solidFill>
-                <a:latin typeface="Consolas" panose="020B0609020204030204" pitchFamily="49" charset="0"/>
-              </a:rPr>
-              <a:t>   </a:t>
-            </a:r>
-            <a:r>
-              <a:rPr lang="en-US" dirty="0">
-                <a:solidFill>
-                  <a:srgbClr val="000000"/>
-                </a:solidFill>
-                <a:highlight>
-                  <a:srgbClr val="FFFF00"/>
-                </a:highlight>
-                <a:latin typeface="Consolas" panose="020B0609020204030204" pitchFamily="49" charset="0"/>
-              </a:rPr>
-              <a:t> [</a:t>
-            </a:r>
-            <a:r>
-              <a:rPr lang="en-US" dirty="0" err="1">
-                <a:solidFill>
-                  <a:srgbClr val="267F99"/>
-                </a:solidFill>
-                <a:highlight>
-                  <a:srgbClr val="FFFF00"/>
-                </a:highlight>
-                <a:latin typeface="Consolas" panose="020B0609020204030204" pitchFamily="49" charset="0"/>
-              </a:rPr>
-              <a:t>IgnoreAntiforgeryToken</a:t>
-            </a:r>
-            <a:r>
-              <a:rPr lang="en-US" dirty="0">
-                <a:solidFill>
-                  <a:srgbClr val="000000"/>
-                </a:solidFill>
-                <a:highlight>
-                  <a:srgbClr val="FFFF00"/>
-                </a:highlight>
-                <a:latin typeface="Consolas" panose="020B0609020204030204" pitchFamily="49" charset="0"/>
-              </a:rPr>
-              <a:t>]</a:t>
-            </a:r>
-          </a:p>
-          <a:p>
-            <a:r>
-              <a:rPr lang="en-US" dirty="0">
-                <a:solidFill>
-                  <a:srgbClr val="000000"/>
-                </a:solidFill>
-                <a:latin typeface="Consolas" panose="020B0609020204030204" pitchFamily="49" charset="0"/>
-              </a:rPr>
-              <a:t>    </a:t>
-            </a:r>
-            <a:r>
-              <a:rPr lang="en-US" dirty="0">
-                <a:solidFill>
-                  <a:srgbClr val="0000FF"/>
-                </a:solidFill>
-                <a:latin typeface="Consolas" panose="020B0609020204030204" pitchFamily="49" charset="0"/>
-              </a:rPr>
-              <a:t>public</a:t>
-            </a:r>
-            <a:r>
-              <a:rPr lang="en-US" dirty="0">
-                <a:solidFill>
-                  <a:srgbClr val="000000"/>
-                </a:solidFill>
-                <a:latin typeface="Consolas" panose="020B0609020204030204" pitchFamily="49" charset="0"/>
-              </a:rPr>
-              <a:t> </a:t>
-            </a:r>
-            <a:r>
-              <a:rPr lang="en-US" dirty="0" err="1">
-                <a:solidFill>
-                  <a:srgbClr val="0000FF"/>
-                </a:solidFill>
-                <a:latin typeface="Consolas" panose="020B0609020204030204" pitchFamily="49" charset="0"/>
-              </a:rPr>
-              <a:t>async</a:t>
-            </a:r>
-            <a:r>
-              <a:rPr lang="en-US" dirty="0">
-                <a:solidFill>
-                  <a:srgbClr val="000000"/>
-                </a:solidFill>
-                <a:latin typeface="Consolas" panose="020B0609020204030204" pitchFamily="49" charset="0"/>
-              </a:rPr>
-              <a:t> </a:t>
-            </a:r>
-            <a:r>
-              <a:rPr lang="en-US" dirty="0">
-                <a:solidFill>
-                  <a:srgbClr val="267F99"/>
-                </a:solidFill>
-                <a:latin typeface="Consolas" panose="020B0609020204030204" pitchFamily="49" charset="0"/>
-              </a:rPr>
-              <a:t>Task</a:t>
-            </a:r>
-            <a:r>
-              <a:rPr lang="en-US" dirty="0">
-                <a:solidFill>
-                  <a:srgbClr val="000000"/>
-                </a:solidFill>
-                <a:latin typeface="Consolas" panose="020B0609020204030204" pitchFamily="49" charset="0"/>
-              </a:rPr>
-              <a:t>&lt;</a:t>
-            </a:r>
-            <a:r>
-              <a:rPr lang="en-US" dirty="0" err="1">
-                <a:solidFill>
-                  <a:srgbClr val="267F99"/>
-                </a:solidFill>
-                <a:latin typeface="Consolas" panose="020B0609020204030204" pitchFamily="49" charset="0"/>
-              </a:rPr>
-              <a:t>IActionResult</a:t>
-            </a:r>
-            <a:r>
-              <a:rPr lang="en-US" dirty="0">
-                <a:solidFill>
-                  <a:srgbClr val="000000"/>
-                </a:solidFill>
-                <a:latin typeface="Consolas" panose="020B0609020204030204" pitchFamily="49" charset="0"/>
-              </a:rPr>
-              <a:t>&gt; </a:t>
-            </a:r>
-            <a:r>
-              <a:rPr lang="en-US" dirty="0" err="1">
-                <a:solidFill>
-                  <a:srgbClr val="795E26"/>
-                </a:solidFill>
-                <a:latin typeface="Consolas" panose="020B0609020204030204" pitchFamily="49" charset="0"/>
-              </a:rPr>
-              <a:t>DoSomethingSafe</a:t>
-            </a:r>
-            <a:r>
-              <a:rPr lang="en-US" dirty="0">
-                <a:solidFill>
-                  <a:srgbClr val="000000"/>
-                </a:solidFill>
-                <a:latin typeface="Consolas" panose="020B0609020204030204" pitchFamily="49" charset="0"/>
-              </a:rPr>
-              <a:t>(</a:t>
-            </a:r>
-            <a:r>
-              <a:rPr lang="en-US" dirty="0" err="1">
-                <a:solidFill>
-                  <a:srgbClr val="267F99"/>
-                </a:solidFill>
-                <a:latin typeface="Consolas" panose="020B0609020204030204" pitchFamily="49" charset="0"/>
-              </a:rPr>
-              <a:t>SomeViewModel</a:t>
-            </a:r>
-            <a:r>
-              <a:rPr lang="en-US" dirty="0">
-                <a:solidFill>
-                  <a:srgbClr val="000000"/>
-                </a:solidFill>
-                <a:latin typeface="Consolas" panose="020B0609020204030204" pitchFamily="49" charset="0"/>
-              </a:rPr>
-              <a:t> model){</a:t>
-            </a:r>
-          </a:p>
-          <a:p>
-            <a:r>
-              <a:rPr lang="en-US" dirty="0">
-                <a:solidFill>
-                  <a:srgbClr val="000000"/>
-                </a:solidFill>
-                <a:latin typeface="Consolas" panose="020B0609020204030204" pitchFamily="49" charset="0"/>
-              </a:rPr>
-              <a:t>    </a:t>
-            </a:r>
-            <a:r>
-              <a:rPr lang="en-US" dirty="0">
-                <a:solidFill>
-                  <a:srgbClr val="008000"/>
-                </a:solidFill>
-                <a:latin typeface="Consolas" panose="020B0609020204030204" pitchFamily="49" charset="0"/>
-              </a:rPr>
-              <a:t>// no </a:t>
-            </a:r>
-            <a:r>
-              <a:rPr lang="en-US" dirty="0" err="1">
-                <a:solidFill>
-                  <a:srgbClr val="008000"/>
-                </a:solidFill>
-                <a:latin typeface="Consolas" panose="020B0609020204030204" pitchFamily="49" charset="0"/>
-              </a:rPr>
-              <a:t>antiforgery</a:t>
-            </a:r>
-            <a:r>
-              <a:rPr lang="en-US" dirty="0">
-                <a:solidFill>
-                  <a:srgbClr val="008000"/>
-                </a:solidFill>
-                <a:latin typeface="Consolas" panose="020B0609020204030204" pitchFamily="49" charset="0"/>
-              </a:rPr>
-              <a:t> token required</a:t>
-            </a:r>
-            <a:endParaRPr lang="en-US" dirty="0">
-              <a:solidFill>
-                <a:srgbClr val="000000"/>
-              </a:solidFill>
-              <a:latin typeface="Consolas" panose="020B0609020204030204" pitchFamily="49" charset="0"/>
-            </a:endParaRPr>
-          </a:p>
-          <a:p>
-            <a:r>
-              <a:rPr lang="en-US" dirty="0">
-                <a:solidFill>
-                  <a:srgbClr val="000000"/>
-                </a:solidFill>
-                <a:latin typeface="Consolas" panose="020B0609020204030204" pitchFamily="49" charset="0"/>
-              </a:rPr>
-              <a:t>    }</a:t>
-            </a:r>
-          </a:p>
-          <a:p>
-            <a:r>
-              <a:rPr lang="en-US" dirty="0">
-                <a:solidFill>
-                  <a:srgbClr val="000000"/>
-                </a:solidFill>
-                <a:latin typeface="Consolas" panose="020B0609020204030204" pitchFamily="49" charset="0"/>
-              </a:rPr>
-              <a:t>}</a:t>
-            </a:r>
-            <a:endParaRPr lang="en-US" b="0" dirty="0">
-              <a:solidFill>
-                <a:srgbClr val="000000"/>
-              </a:solidFill>
-              <a:effectLst/>
-              <a:latin typeface="Consolas" panose="020B0609020204030204" pitchFamily="49" charset="0"/>
-            </a:endParaRPr>
-          </a:p>
-        </p:txBody>
-      </p:sp>
-    </p:spTree>
-    <p:extLst>
-      <p:ext uri="{BB962C8B-B14F-4D97-AF65-F5344CB8AC3E}">
-        <p14:creationId xmlns:p14="http://schemas.microsoft.com/office/powerpoint/2010/main" val="2484118491"/>
-      </p:ext>
-    </p:extLst>
-  </p:cSld>
-  <p:clrMapOvr>
-    <a:masterClrMapping/>
-  </p:clrMapOvr>
-  <mc:AlternateContent xmlns:mc="http://schemas.openxmlformats.org/markup-compatibility/2006" xmlns:p14="http://schemas.microsoft.com/office/powerpoint/2010/main">
-    <mc:Choice Requires="p14">
-      <p:transition spd="med" p14:dur="700">
-        <p:fade/>
-      </p:transition>
-    </mc:Choice>
-    <mc:Fallback xmlns="">
-      <p:transition spd="med">
-        <p:fade/>
-      </p:transition>
-    </mc:Fallback>
-  </mc:AlternateContent>
-</p:sld>
-</file>
-
-<file path=ppt/slides/slide43.xml><?xml version="1.0" encoding="utf-8"?>
-<p:sld xmlns:a="http://schemas.openxmlformats.org/drawingml/2006/main" xmlns:r="http://schemas.openxmlformats.org/officeDocument/2006/relationships" xmlns:p="http://schemas.openxmlformats.org/presentationml/2006/main">
-  <p:cSld>
-    <p:spTree>
-      <p:nvGrpSpPr>
-        <p:cNvPr id="1" name=""/>
-        <p:cNvGrpSpPr/>
-        <p:nvPr/>
-      </p:nvGrpSpPr>
-      <p:grpSpPr>
-        <a:xfrm>
-          <a:off x="0" y="0"/>
-          <a:ext cx="0" cy="0"/>
-          <a:chOff x="0" y="0"/>
-          <a:chExt cx="0" cy="0"/>
-        </a:xfrm>
-      </p:grpSpPr>
-      <p:sp>
-        <p:nvSpPr>
-          <p:cNvPr id="2" name="Title 1">
-            <a:extLst>
-              <a:ext uri="{FF2B5EF4-FFF2-40B4-BE49-F238E27FC236}">
-                <a16:creationId xmlns:a16="http://schemas.microsoft.com/office/drawing/2014/main" id="{49A40258-F757-45B6-9771-DCF3BF8AC760}"/>
-              </a:ext>
-            </a:extLst>
-          </p:cNvPr>
-          <p:cNvSpPr>
-            <a:spLocks noGrp="1"/>
-          </p:cNvSpPr>
-          <p:nvPr>
-            <p:ph type="title"/>
-          </p:nvPr>
-        </p:nvSpPr>
-        <p:spPr/>
-        <p:txBody>
-          <a:bodyPr/>
-          <a:lstStyle/>
-          <a:p>
-            <a:r>
-              <a:rPr lang="en-US" dirty="0"/>
-              <a:t>Cross-Site Request forgery</a:t>
-            </a:r>
-          </a:p>
-        </p:txBody>
-      </p:sp>
-      <p:sp>
-        <p:nvSpPr>
-          <p:cNvPr id="3" name="Content Placeholder 2">
-            <a:extLst>
-              <a:ext uri="{FF2B5EF4-FFF2-40B4-BE49-F238E27FC236}">
-                <a16:creationId xmlns:a16="http://schemas.microsoft.com/office/drawing/2014/main" id="{411B2AAD-4C05-4AC9-B9B9-5466DE933F01}"/>
-              </a:ext>
-            </a:extLst>
-          </p:cNvPr>
-          <p:cNvSpPr>
-            <a:spLocks noGrp="1"/>
-          </p:cNvSpPr>
-          <p:nvPr>
-            <p:ph idx="1"/>
-          </p:nvPr>
-        </p:nvSpPr>
-        <p:spPr/>
-        <p:txBody>
-          <a:bodyPr/>
-          <a:lstStyle/>
-          <a:p>
-            <a:pPr marL="342900" indent="-342900">
-              <a:buFont typeface="Wingdings" panose="05000000000000000000" pitchFamily="2" charset="2"/>
-              <a:buChar char="§"/>
-            </a:pPr>
-            <a:r>
-              <a:rPr lang="en-US" b="1" dirty="0"/>
-              <a:t>[</a:t>
-            </a:r>
-            <a:r>
-              <a:rPr lang="en-US" b="1" dirty="0" err="1"/>
-              <a:t>AutoValidateAntiforgeryToken</a:t>
-            </a:r>
-            <a:r>
-              <a:rPr lang="en-US" b="1" dirty="0"/>
-              <a:t>]</a:t>
-            </a:r>
-          </a:p>
-          <a:p>
-            <a:pPr marL="597150" lvl="1" indent="-342900" algn="just">
-              <a:buFont typeface="Wingdings" panose="05000000000000000000" pitchFamily="2" charset="2"/>
-              <a:buChar char="§"/>
-            </a:pPr>
-            <a:r>
-              <a:rPr lang="en-US" dirty="0"/>
-              <a:t>in most cases, your application will not receive </a:t>
-            </a:r>
-            <a:r>
-              <a:rPr lang="en-US" dirty="0" err="1"/>
-              <a:t>antiforgery</a:t>
-            </a:r>
-            <a:r>
-              <a:rPr lang="en-US" dirty="0"/>
-              <a:t> tokens for certain kinds of HTTP requests, such as GET requests. Instead of broadly applying the </a:t>
-            </a:r>
-            <a:r>
-              <a:rPr lang="en-US" dirty="0" err="1"/>
-              <a:t>ValidateAntiForgeryToken</a:t>
-            </a:r>
-            <a:r>
-              <a:rPr lang="en-US" dirty="0"/>
-              <a:t> attribute and then overriding it with </a:t>
-            </a:r>
-            <a:r>
-              <a:rPr lang="en-US" dirty="0" err="1"/>
-              <a:t>IgnoreAntiforgeryToken</a:t>
-            </a:r>
-            <a:r>
-              <a:rPr lang="en-US" dirty="0"/>
-              <a:t> attributes, you can use the </a:t>
-            </a:r>
-            <a:r>
-              <a:rPr lang="en-US" dirty="0" err="1"/>
-              <a:t>AutoValidateAntiforgeryToken</a:t>
-            </a:r>
-            <a:r>
-              <a:rPr lang="en-US" dirty="0"/>
-              <a:t> attribute. </a:t>
-            </a:r>
-          </a:p>
-          <a:p>
-            <a:pPr marL="597150" lvl="1" indent="-342900" algn="just">
-              <a:buFont typeface="Wingdings" panose="05000000000000000000" pitchFamily="2" charset="2"/>
-              <a:buChar char="§"/>
-            </a:pPr>
-            <a:endParaRPr lang="en-US" dirty="0"/>
-          </a:p>
-          <a:p>
-            <a:pPr marL="597150" lvl="1" indent="-342900" algn="just">
-              <a:buFont typeface="Wingdings" panose="05000000000000000000" pitchFamily="2" charset="2"/>
-              <a:buChar char="§"/>
-            </a:pPr>
-            <a:r>
-              <a:rPr lang="en-US" dirty="0"/>
-              <a:t>This attribute works identically to the </a:t>
-            </a:r>
-            <a:r>
-              <a:rPr lang="en-US" dirty="0" err="1"/>
-              <a:t>ValidateAntiForgeryToken</a:t>
-            </a:r>
-            <a:r>
-              <a:rPr lang="en-US" dirty="0"/>
-              <a:t> attribute, except that it doesn't require tokens for requests made using the following HTTP methods: GET, HEAD, OPTIONS, TRACE</a:t>
-            </a:r>
-          </a:p>
-          <a:p>
-            <a:pPr marL="597150" lvl="1" indent="-342900" algn="just">
-              <a:buFont typeface="Wingdings" panose="05000000000000000000" pitchFamily="2" charset="2"/>
-              <a:buChar char="§"/>
-            </a:pPr>
-            <a:endParaRPr lang="en-US" dirty="0"/>
-          </a:p>
-          <a:p>
-            <a:pPr marL="597150" lvl="1" indent="-342900" algn="just">
-              <a:buFont typeface="Wingdings" panose="05000000000000000000" pitchFamily="2" charset="2"/>
-              <a:buChar char="§"/>
-            </a:pPr>
-            <a:r>
-              <a:rPr lang="en-US" dirty="0"/>
-              <a:t>The previously mentioned HTTP verbs should not change the data in your application anyway</a:t>
-            </a:r>
-          </a:p>
-        </p:txBody>
-      </p:sp>
-      <p:sp>
-        <p:nvSpPr>
-          <p:cNvPr id="4" name="Text Placeholder 3">
-            <a:extLst>
-              <a:ext uri="{FF2B5EF4-FFF2-40B4-BE49-F238E27FC236}">
-                <a16:creationId xmlns:a16="http://schemas.microsoft.com/office/drawing/2014/main" id="{DC7145B7-D0A7-4088-B0AA-B8E481114B38}"/>
-              </a:ext>
-            </a:extLst>
-          </p:cNvPr>
-          <p:cNvSpPr>
-            <a:spLocks noGrp="1"/>
-          </p:cNvSpPr>
-          <p:nvPr>
-            <p:ph type="body" sz="quarter" idx="10"/>
-          </p:nvPr>
-        </p:nvSpPr>
-        <p:spPr/>
-        <p:txBody>
-          <a:bodyPr/>
-          <a:lstStyle/>
-          <a:p>
-            <a:r>
-              <a:rPr lang="en-US" dirty="0"/>
-              <a:t>How does ASP.NET Core MVC address CSRF?</a:t>
-            </a:r>
-          </a:p>
-        </p:txBody>
-      </p:sp>
-    </p:spTree>
-    <p:extLst>
-      <p:ext uri="{BB962C8B-B14F-4D97-AF65-F5344CB8AC3E}">
-        <p14:creationId xmlns:p14="http://schemas.microsoft.com/office/powerpoint/2010/main" val="2177651579"/>
-      </p:ext>
-    </p:extLst>
-  </p:cSld>
-  <p:clrMapOvr>
-    <a:masterClrMapping/>
-  </p:clrMapOvr>
-  <mc:AlternateContent xmlns:mc="http://schemas.openxmlformats.org/markup-compatibility/2006" xmlns:p14="http://schemas.microsoft.com/office/powerpoint/2010/main">
-    <mc:Choice Requires="p14">
-      <p:transition spd="med" p14:dur="700">
-        <p:fade/>
-      </p:transition>
-    </mc:Choice>
-    <mc:Fallback xmlns="">
-      <p:transition spd="med">
-        <p:fade/>
-      </p:transition>
-    </mc:Fallback>
-  </mc:AlternateContent>
-</p:sld>
-</file>
-
-<file path=ppt/slides/slide44.xml><?xml version="1.0" encoding="utf-8"?>
-<p:sld xmlns:a="http://schemas.openxmlformats.org/drawingml/2006/main" xmlns:r="http://schemas.openxmlformats.org/officeDocument/2006/relationships" xmlns:p="http://schemas.openxmlformats.org/presentationml/2006/main">
-  <p:cSld>
-    <p:spTree>
-      <p:nvGrpSpPr>
-        <p:cNvPr id="1" name=""/>
-        <p:cNvGrpSpPr/>
-        <p:nvPr/>
-      </p:nvGrpSpPr>
-      <p:grpSpPr>
-        <a:xfrm>
-          <a:off x="0" y="0"/>
-          <a:ext cx="0" cy="0"/>
-          <a:chOff x="0" y="0"/>
-          <a:chExt cx="0" cy="0"/>
-        </a:xfrm>
-      </p:grpSpPr>
-      <p:sp>
-        <p:nvSpPr>
-          <p:cNvPr id="2" name="Title 1"/>
-          <p:cNvSpPr>
-            <a:spLocks noGrp="1"/>
-          </p:cNvSpPr>
-          <p:nvPr>
-            <p:ph type="title"/>
-          </p:nvPr>
-        </p:nvSpPr>
-        <p:spPr/>
-        <p:txBody>
-          <a:bodyPr/>
-          <a:lstStyle/>
-          <a:p>
-            <a:r>
-              <a:rPr lang="en-US" dirty="0"/>
-              <a:t>Cross-Site Request forgery</a:t>
-            </a:r>
-            <a:endParaRPr lang="ro-RO" dirty="0"/>
-          </a:p>
-        </p:txBody>
-      </p:sp>
-      <p:sp>
-        <p:nvSpPr>
-          <p:cNvPr id="3" name="Content Placeholder 2"/>
-          <p:cNvSpPr>
-            <a:spLocks noGrp="1"/>
-          </p:cNvSpPr>
-          <p:nvPr>
-            <p:ph idx="1"/>
-          </p:nvPr>
-        </p:nvSpPr>
-        <p:spPr/>
-        <p:txBody>
-          <a:bodyPr/>
-          <a:lstStyle/>
-          <a:p>
-            <a:pPr marL="342900" indent="-342900">
-              <a:buFont typeface="Wingdings" panose="05000000000000000000" pitchFamily="2" charset="2"/>
-              <a:buChar char="§"/>
-            </a:pPr>
-            <a:r>
-              <a:rPr lang="en-US" dirty="0"/>
-              <a:t>JavaScript, AJAX, and SPAs (including </a:t>
-            </a:r>
-            <a:r>
-              <a:rPr lang="en-US" b="1" dirty="0"/>
-              <a:t>Angular</a:t>
-            </a:r>
-            <a:r>
-              <a:rPr lang="en-US" dirty="0"/>
-              <a:t>): </a:t>
-            </a:r>
-            <a:r>
-              <a:rPr lang="en-US" dirty="0">
-                <a:hlinkClick r:id="rId3"/>
-              </a:rPr>
-              <a:t>link</a:t>
-            </a:r>
-            <a:endParaRPr lang="en-US" dirty="0"/>
-          </a:p>
-          <a:p>
-            <a:pPr marL="342900" indent="-342900">
-              <a:buFont typeface="Wingdings" panose="05000000000000000000" pitchFamily="2" charset="2"/>
-              <a:buChar char="§"/>
-            </a:pPr>
-            <a:endParaRPr lang="en-US" dirty="0"/>
-          </a:p>
-          <a:p>
-            <a:pPr marL="342900" indent="-342900">
-              <a:buFont typeface="Wingdings" panose="05000000000000000000" pitchFamily="2" charset="2"/>
-              <a:buChar char="§"/>
-            </a:pPr>
-            <a:r>
-              <a:rPr lang="en-US" dirty="0"/>
-              <a:t>Further reading: </a:t>
-            </a:r>
-            <a:r>
-              <a:rPr lang="en-US" dirty="0">
-                <a:hlinkClick r:id="rId4"/>
-              </a:rPr>
-              <a:t>https://docs.microsoft.com/en-us/aspnet/core/security/anti-request-forgery?view=aspnetcore-2.0</a:t>
-            </a:r>
-            <a:endParaRPr lang="en-US" dirty="0"/>
-          </a:p>
-        </p:txBody>
-      </p:sp>
-      <p:sp>
-        <p:nvSpPr>
-          <p:cNvPr id="5" name="Text Placeholder 4">
-            <a:extLst>
-              <a:ext uri="{FF2B5EF4-FFF2-40B4-BE49-F238E27FC236}">
-                <a16:creationId xmlns:a16="http://schemas.microsoft.com/office/drawing/2014/main" id="{52A29470-1D14-4DB4-B2EB-AC6AD725BE5C}"/>
-              </a:ext>
-            </a:extLst>
-          </p:cNvPr>
-          <p:cNvSpPr>
-            <a:spLocks noGrp="1"/>
-          </p:cNvSpPr>
-          <p:nvPr>
-            <p:ph type="body" sz="quarter" idx="10"/>
-          </p:nvPr>
-        </p:nvSpPr>
-        <p:spPr/>
-        <p:txBody>
-          <a:bodyPr/>
-          <a:lstStyle/>
-          <a:p>
-            <a:r>
-              <a:rPr lang="en-US" dirty="0"/>
-              <a:t>How does ASP.NET Core MVC address CSRF?</a:t>
-            </a:r>
-          </a:p>
-        </p:txBody>
-      </p:sp>
-    </p:spTree>
-    <p:extLst>
-      <p:ext uri="{BB962C8B-B14F-4D97-AF65-F5344CB8AC3E}">
-        <p14:creationId xmlns:p14="http://schemas.microsoft.com/office/powerpoint/2010/main" val="3580761977"/>
-      </p:ext>
-    </p:extLst>
-  </p:cSld>
-  <p:clrMapOvr>
-    <a:masterClrMapping/>
-  </p:clrMapOvr>
-  <mc:AlternateContent xmlns:mc="http://schemas.openxmlformats.org/markup-compatibility/2006" xmlns:p14="http://schemas.microsoft.com/office/powerpoint/2010/main">
-    <mc:Choice Requires="p14">
-      <p:transition spd="med" p14:dur="700">
-        <p:fade/>
-      </p:transition>
-    </mc:Choice>
-    <mc:Fallback xmlns="">
-      <p:transition spd="med">
-        <p:fade/>
-      </p:transition>
-    </mc:Fallback>
-  </mc:AlternateContent>
-</p:sld>
-</file>
-
-<file path=ppt/slides/slide45.xml><?xml version="1.0" encoding="utf-8"?>
-<p:sld xmlns:a="http://schemas.openxmlformats.org/drawingml/2006/main" xmlns:r="http://schemas.openxmlformats.org/officeDocument/2006/relationships" xmlns:p="http://schemas.openxmlformats.org/presentationml/2006/main">
-  <p:cSld>
-    <p:spTree>
-      <p:nvGrpSpPr>
-        <p:cNvPr id="1" name=""/>
-        <p:cNvGrpSpPr/>
-        <p:nvPr/>
-      </p:nvGrpSpPr>
-      <p:grpSpPr>
-        <a:xfrm>
-          <a:off x="0" y="0"/>
-          <a:ext cx="0" cy="0"/>
-          <a:chOff x="0" y="0"/>
-          <a:chExt cx="0" cy="0"/>
-        </a:xfrm>
-      </p:grpSpPr>
-      <p:sp>
-        <p:nvSpPr>
-          <p:cNvPr id="5" name="Title 4">
-            <a:extLst>
-              <a:ext uri="{FF2B5EF4-FFF2-40B4-BE49-F238E27FC236}">
-                <a16:creationId xmlns:a16="http://schemas.microsoft.com/office/drawing/2014/main" id="{74474C4B-368D-4311-A820-22BDD98A004A}"/>
-              </a:ext>
-            </a:extLst>
-          </p:cNvPr>
-          <p:cNvSpPr>
-            <a:spLocks noGrp="1"/>
-          </p:cNvSpPr>
-          <p:nvPr>
-            <p:ph type="title"/>
-          </p:nvPr>
-        </p:nvSpPr>
-        <p:spPr/>
-        <p:txBody>
-          <a:bodyPr/>
-          <a:lstStyle/>
-          <a:p>
-            <a:r>
-              <a:rPr lang="en-US" dirty="0"/>
-              <a:t>Cross-Origin Requests (CORS)</a:t>
-            </a:r>
-          </a:p>
-        </p:txBody>
-      </p:sp>
-    </p:spTree>
-    <p:extLst>
-      <p:ext uri="{BB962C8B-B14F-4D97-AF65-F5344CB8AC3E}">
-        <p14:creationId xmlns:p14="http://schemas.microsoft.com/office/powerpoint/2010/main" val="3460784394"/>
-      </p:ext>
-    </p:extLst>
-  </p:cSld>
-  <p:clrMapOvr>
-    <a:masterClrMapping/>
-  </p:clrMapOvr>
-  <mc:AlternateContent xmlns:mc="http://schemas.openxmlformats.org/markup-compatibility/2006" xmlns:p14="http://schemas.microsoft.com/office/powerpoint/2010/main">
-    <mc:Choice Requires="p14">
-      <p:transition spd="med" p14:dur="700" advClick="0" advTm="1500">
-        <p:fade/>
-      </p:transition>
-    </mc:Choice>
-    <mc:Fallback xmlns="">
-      <p:transition spd="med" advClick="0" advTm="1500">
-        <p:fade/>
-      </p:transition>
-    </mc:Fallback>
-  </mc:AlternateContent>
-</p:sld>
-</file>
-
-<file path=ppt/slides/slide46.xml><?xml version="1.0" encoding="utf-8"?>
-<p:sld xmlns:a="http://schemas.openxmlformats.org/drawingml/2006/main" xmlns:r="http://schemas.openxmlformats.org/officeDocument/2006/relationships" xmlns:p="http://schemas.openxmlformats.org/presentationml/2006/main">
-  <p:cSld>
-    <p:spTree>
-      <p:nvGrpSpPr>
-        <p:cNvPr id="1" name=""/>
-        <p:cNvGrpSpPr/>
-        <p:nvPr/>
-      </p:nvGrpSpPr>
-      <p:grpSpPr>
-        <a:xfrm>
-          <a:off x="0" y="0"/>
-          <a:ext cx="0" cy="0"/>
-          <a:chOff x="0" y="0"/>
-          <a:chExt cx="0" cy="0"/>
-        </a:xfrm>
-      </p:grpSpPr>
-      <p:sp>
-        <p:nvSpPr>
-          <p:cNvPr id="4" name="Content Placeholder 3">
-            <a:extLst>
-              <a:ext uri="{FF2B5EF4-FFF2-40B4-BE49-F238E27FC236}">
-                <a16:creationId xmlns:a16="http://schemas.microsoft.com/office/drawing/2014/main" id="{693BAC56-BFD3-4805-95DE-4C1258D211B8}"/>
-              </a:ext>
-            </a:extLst>
-          </p:cNvPr>
-          <p:cNvSpPr>
-            <a:spLocks noGrp="1"/>
-          </p:cNvSpPr>
-          <p:nvPr>
-            <p:ph idx="1"/>
-          </p:nvPr>
-        </p:nvSpPr>
-        <p:spPr/>
-        <p:txBody>
-          <a:bodyPr/>
-          <a:lstStyle/>
-          <a:p>
-            <a:pPr marL="342900" indent="-342900" algn="just">
-              <a:buFont typeface="Wingdings" panose="05000000000000000000" pitchFamily="2" charset="2"/>
-              <a:buChar char="§"/>
-            </a:pPr>
-            <a:r>
-              <a:rPr lang="en-US" dirty="0"/>
-              <a:t>Browser security prevents a web page from making AJAX requests to another domain. This restriction is called the same-origin policy, and prevents a malicious site from reading sensitive data from another site. However, sometimes you might want to let other sites make cross-origin requests to your web API.</a:t>
-            </a:r>
-          </a:p>
-          <a:p>
-            <a:endParaRPr lang="en-US" dirty="0"/>
-          </a:p>
-          <a:p>
-            <a:pPr marL="342900" indent="-342900" algn="just">
-              <a:buFont typeface="Wingdings" panose="05000000000000000000" pitchFamily="2" charset="2"/>
-              <a:buChar char="§"/>
-            </a:pPr>
-            <a:r>
-              <a:rPr lang="en-US" dirty="0"/>
-              <a:t>Cross Origin Resource Sharing (CORS) is a W3C standard that allows a server to relax the same-origin policy. Using CORS, a server can explicitly allow some cross-origin requests while rejecting others. CORS is safer and more flexible than earlier techniques such as JSONP.</a:t>
-            </a:r>
-          </a:p>
-          <a:p>
-            <a:pPr marL="342900" indent="-342900" algn="just">
-              <a:buFont typeface="Wingdings" panose="05000000000000000000" pitchFamily="2" charset="2"/>
-              <a:buChar char="§"/>
-            </a:pPr>
-            <a:endParaRPr lang="en-US" dirty="0"/>
-          </a:p>
-          <a:p>
-            <a:pPr marL="342900" indent="-342900">
-              <a:buFont typeface="Wingdings" panose="05000000000000000000" pitchFamily="2" charset="2"/>
-              <a:buChar char="§"/>
-            </a:pPr>
-            <a:r>
-              <a:rPr lang="en-US" dirty="0"/>
-              <a:t>Further reading: </a:t>
-            </a:r>
-            <a:r>
-              <a:rPr lang="en-US" dirty="0">
-                <a:hlinkClick r:id="rId2"/>
-              </a:rPr>
-              <a:t>https://docs.microsoft.com/en-us/aspnet/core/security/cors?view=aspnetcore-2.0</a:t>
-            </a:r>
-            <a:endParaRPr lang="en-US" dirty="0"/>
-          </a:p>
-        </p:txBody>
-      </p:sp>
-      <p:sp>
-        <p:nvSpPr>
-          <p:cNvPr id="3" name="Title 2">
-            <a:extLst>
-              <a:ext uri="{FF2B5EF4-FFF2-40B4-BE49-F238E27FC236}">
-                <a16:creationId xmlns:a16="http://schemas.microsoft.com/office/drawing/2014/main" id="{12297600-DC1C-4DE7-B59F-803DB4AEF858}"/>
-              </a:ext>
-            </a:extLst>
-          </p:cNvPr>
-          <p:cNvSpPr>
-            <a:spLocks noGrp="1"/>
-          </p:cNvSpPr>
-          <p:nvPr>
-            <p:ph type="title"/>
-          </p:nvPr>
-        </p:nvSpPr>
-        <p:spPr/>
-        <p:txBody>
-          <a:bodyPr/>
-          <a:lstStyle/>
-          <a:p>
-            <a:r>
-              <a:rPr lang="en-US" dirty="0"/>
-              <a:t>Cross-Origin Requests (CORS)</a:t>
-            </a:r>
-          </a:p>
-        </p:txBody>
-      </p:sp>
-    </p:spTree>
-    <p:extLst>
-      <p:ext uri="{BB962C8B-B14F-4D97-AF65-F5344CB8AC3E}">
-        <p14:creationId xmlns:p14="http://schemas.microsoft.com/office/powerpoint/2010/main" val="1165471384"/>
-      </p:ext>
-    </p:extLst>
-  </p:cSld>
-  <p:clrMapOvr>
-    <a:masterClrMapping/>
-  </p:clrMapOvr>
-  <mc:AlternateContent xmlns:mc="http://schemas.openxmlformats.org/markup-compatibility/2006" xmlns:p14="http://schemas.microsoft.com/office/powerpoint/2010/main">
-    <mc:Choice Requires="p14">
-      <p:transition spd="med" p14:dur="700">
-        <p:fade/>
-      </p:transition>
-    </mc:Choice>
-    <mc:Fallback xmlns="">
-      <p:transition spd="med">
-        <p:fade/>
-      </p:transition>
-    </mc:Fallback>
-  </mc:AlternateContent>
-</p:sld>
-</file>
-
-<file path=ppt/slides/slide47.xml><?xml version="1.0" encoding="utf-8"?>
-<p:sld xmlns:a="http://schemas.openxmlformats.org/drawingml/2006/main" xmlns:r="http://schemas.openxmlformats.org/officeDocument/2006/relationships" xmlns:p="http://schemas.openxmlformats.org/presentationml/2006/main">
-  <p:cSld>
-    <p:spTree>
-      <p:nvGrpSpPr>
-        <p:cNvPr id="1" name=""/>
-        <p:cNvGrpSpPr/>
-        <p:nvPr/>
-      </p:nvGrpSpPr>
-      <p:grpSpPr>
-        <a:xfrm>
-          <a:off x="0" y="0"/>
-          <a:ext cx="0" cy="0"/>
-          <a:chOff x="0" y="0"/>
-          <a:chExt cx="0" cy="0"/>
-        </a:xfrm>
-      </p:grpSpPr>
-      <p:sp>
-        <p:nvSpPr>
-          <p:cNvPr id="5" name="Title 4">
-            <a:extLst>
-              <a:ext uri="{FF2B5EF4-FFF2-40B4-BE49-F238E27FC236}">
-                <a16:creationId xmlns:a16="http://schemas.microsoft.com/office/drawing/2014/main" id="{0DF03DEA-7D15-414D-957C-E4A38BA86082}"/>
-              </a:ext>
-            </a:extLst>
-          </p:cNvPr>
-          <p:cNvSpPr>
-            <a:spLocks noGrp="1"/>
-          </p:cNvSpPr>
-          <p:nvPr>
-            <p:ph type="title"/>
-          </p:nvPr>
-        </p:nvSpPr>
-        <p:spPr/>
-        <p:txBody>
-          <a:bodyPr/>
-          <a:lstStyle/>
-          <a:p>
-            <a:r>
-              <a:rPr lang="en-US" b="1" dirty="0"/>
-              <a:t>Cross-Site Scripting (XSS)</a:t>
-            </a:r>
-            <a:endParaRPr lang="en-US" dirty="0"/>
-          </a:p>
-        </p:txBody>
-      </p:sp>
-    </p:spTree>
-    <p:extLst>
-      <p:ext uri="{BB962C8B-B14F-4D97-AF65-F5344CB8AC3E}">
-        <p14:creationId xmlns:p14="http://schemas.microsoft.com/office/powerpoint/2010/main" val="322263270"/>
-      </p:ext>
-    </p:extLst>
-  </p:cSld>
-  <p:clrMapOvr>
-    <a:masterClrMapping/>
-  </p:clrMapOvr>
-  <mc:AlternateContent xmlns:mc="http://schemas.openxmlformats.org/markup-compatibility/2006" xmlns:p14="http://schemas.microsoft.com/office/powerpoint/2010/main">
-    <mc:Choice Requires="p14">
-      <p:transition spd="med" p14:dur="700" advClick="0" advTm="1500">
-        <p:fade/>
-      </p:transition>
-    </mc:Choice>
-    <mc:Fallback xmlns="">
-      <p:transition spd="med" advClick="0" advTm="1500">
-        <p:fade/>
-      </p:transition>
-    </mc:Fallback>
-  </mc:AlternateContent>
-</p:sld>
-</file>
-
-<file path=ppt/slides/slide48.xml><?xml version="1.0" encoding="utf-8"?>
-<p:sld xmlns:a="http://schemas.openxmlformats.org/drawingml/2006/main" xmlns:r="http://schemas.openxmlformats.org/officeDocument/2006/relationships" xmlns:p="http://schemas.openxmlformats.org/presentationml/2006/main">
-  <p:cSld>
-    <p:spTree>
-      <p:nvGrpSpPr>
-        <p:cNvPr id="1" name=""/>
-        <p:cNvGrpSpPr/>
-        <p:nvPr/>
-      </p:nvGrpSpPr>
-      <p:grpSpPr>
-        <a:xfrm>
-          <a:off x="0" y="0"/>
-          <a:ext cx="0" cy="0"/>
-          <a:chOff x="0" y="0"/>
-          <a:chExt cx="0" cy="0"/>
-        </a:xfrm>
-      </p:grpSpPr>
-      <p:sp>
-        <p:nvSpPr>
-          <p:cNvPr id="3" name="Title 2">
-            <a:extLst>
-              <a:ext uri="{FF2B5EF4-FFF2-40B4-BE49-F238E27FC236}">
-                <a16:creationId xmlns:a16="http://schemas.microsoft.com/office/drawing/2014/main" id="{44A49C67-D553-46C3-A5D9-0D1354EDABD1}"/>
-              </a:ext>
-            </a:extLst>
-          </p:cNvPr>
-          <p:cNvSpPr>
-            <a:spLocks noGrp="1"/>
-          </p:cNvSpPr>
-          <p:nvPr>
-            <p:ph type="title"/>
-          </p:nvPr>
-        </p:nvSpPr>
-        <p:spPr/>
-        <p:txBody>
-          <a:bodyPr/>
-          <a:lstStyle/>
-          <a:p>
-            <a:r>
-              <a:rPr lang="en-US" dirty="0"/>
-              <a:t>Cross-Site Scripting (XSS)</a:t>
-            </a:r>
-          </a:p>
-        </p:txBody>
-      </p:sp>
-      <p:sp>
-        <p:nvSpPr>
-          <p:cNvPr id="4" name="Content Placeholder 3">
-            <a:extLst>
-              <a:ext uri="{FF2B5EF4-FFF2-40B4-BE49-F238E27FC236}">
-                <a16:creationId xmlns:a16="http://schemas.microsoft.com/office/drawing/2014/main" id="{C90DEB60-EAFF-48E5-85CE-BCCC8C1C024F}"/>
-              </a:ext>
-            </a:extLst>
-          </p:cNvPr>
-          <p:cNvSpPr>
-            <a:spLocks noGrp="1"/>
-          </p:cNvSpPr>
-          <p:nvPr>
-            <p:ph idx="1"/>
-          </p:nvPr>
-        </p:nvSpPr>
-        <p:spPr/>
-        <p:txBody>
-          <a:bodyPr/>
-          <a:lstStyle/>
-          <a:p>
-            <a:pPr marL="342900" indent="-342900" algn="just">
-              <a:buFont typeface="Wingdings" panose="05000000000000000000" pitchFamily="2" charset="2"/>
-              <a:buChar char="§"/>
-            </a:pPr>
-            <a:r>
-              <a:rPr lang="en-US" dirty="0"/>
-              <a:t>Cross-Site Scripting (XSS) is a security vulnerability which enables an attacker to place client side scripts (usually JavaScript) into web pages. When other users load affected pages the attackers scripts will run, enabling the attacker to steal cookies and session tokens, change the contents of the web page through DOM manipulation or redirect the browser to another page. </a:t>
-            </a:r>
-          </a:p>
-          <a:p>
-            <a:pPr marL="342900" indent="-342900" algn="just">
-              <a:buFont typeface="Wingdings" panose="05000000000000000000" pitchFamily="2" charset="2"/>
-              <a:buChar char="§"/>
-            </a:pPr>
-            <a:endParaRPr lang="en-US" dirty="0"/>
-          </a:p>
-          <a:p>
-            <a:pPr marL="342900" indent="-342900" algn="just">
-              <a:buFont typeface="Wingdings" panose="05000000000000000000" pitchFamily="2" charset="2"/>
-              <a:buChar char="§"/>
-            </a:pPr>
-            <a:r>
-              <a:rPr lang="en-US" dirty="0"/>
-              <a:t>XSS vulnerabilities generally occur when an application takes user input and outputs it in a page without validating, encoding or escaping it.</a:t>
-            </a:r>
-          </a:p>
-          <a:p>
-            <a:pPr marL="342900" indent="-342900" algn="just">
-              <a:buFont typeface="Wingdings" panose="05000000000000000000" pitchFamily="2" charset="2"/>
-              <a:buChar char="§"/>
-            </a:pPr>
-            <a:endParaRPr lang="en-US" dirty="0"/>
-          </a:p>
-          <a:p>
-            <a:pPr marL="342900" indent="-342900" algn="just">
-              <a:buFont typeface="Wingdings" panose="05000000000000000000" pitchFamily="2" charset="2"/>
-              <a:buChar char="§"/>
-            </a:pPr>
-            <a:r>
-              <a:rPr lang="en-US" dirty="0"/>
-              <a:t>Further reading: </a:t>
-            </a:r>
-            <a:r>
-              <a:rPr lang="en-US" dirty="0">
-                <a:hlinkClick r:id="rId2"/>
-              </a:rPr>
-              <a:t>https://docs.microsoft.com/en-us/aspnet/core/security/cross-site-scripting?view=aspnetcore-2.0</a:t>
-            </a:r>
-            <a:endParaRPr lang="en-US" dirty="0"/>
-          </a:p>
-        </p:txBody>
-      </p:sp>
-    </p:spTree>
-    <p:extLst>
-      <p:ext uri="{BB962C8B-B14F-4D97-AF65-F5344CB8AC3E}">
-        <p14:creationId xmlns:p14="http://schemas.microsoft.com/office/powerpoint/2010/main" val="147250735"/>
-      </p:ext>
-    </p:extLst>
-  </p:cSld>
-  <p:clrMapOvr>
-    <a:masterClrMapping/>
-  </p:clrMapOvr>
-  <mc:AlternateContent xmlns:mc="http://schemas.openxmlformats.org/markup-compatibility/2006" xmlns:p14="http://schemas.microsoft.com/office/powerpoint/2010/main">
-    <mc:Choice Requires="p14">
-      <p:transition spd="med" p14:dur="700">
-        <p:fade/>
-      </p:transition>
-    </mc:Choice>
-    <mc:Fallback xmlns="">
-      <p:transition spd="med">
-        <p:fade/>
-      </p:transition>
-    </mc:Fallback>
-  </mc:AlternateContent>
-</p:sld>
-</file>
-
-<file path=ppt/slides/slide49.xml><?xml version="1.0" encoding="utf-8"?>
-<p:sld xmlns:a="http://schemas.openxmlformats.org/drawingml/2006/main" xmlns:r="http://schemas.openxmlformats.org/officeDocument/2006/relationships" xmlns:p="http://schemas.openxmlformats.org/presentationml/2006/main">
-  <p:cSld>
-    <p:spTree>
-      <p:nvGrpSpPr>
-        <p:cNvPr id="1" name=""/>
-        <p:cNvGrpSpPr/>
-        <p:nvPr/>
-      </p:nvGrpSpPr>
-      <p:grpSpPr>
-        <a:xfrm>
-          <a:off x="0" y="0"/>
-          <a:ext cx="0" cy="0"/>
-          <a:chOff x="0" y="0"/>
-          <a:chExt cx="0" cy="0"/>
-        </a:xfrm>
-      </p:grpSpPr>
-      <p:sp>
-        <p:nvSpPr>
-          <p:cNvPr id="5" name="Title 4">
-            <a:extLst>
-              <a:ext uri="{FF2B5EF4-FFF2-40B4-BE49-F238E27FC236}">
-                <a16:creationId xmlns:a16="http://schemas.microsoft.com/office/drawing/2014/main" id="{CFF13F41-CB66-4BD9-B351-1AECB25E8EF2}"/>
-              </a:ext>
-            </a:extLst>
-          </p:cNvPr>
-          <p:cNvSpPr>
-            <a:spLocks noGrp="1"/>
-          </p:cNvSpPr>
-          <p:nvPr>
-            <p:ph type="title"/>
-          </p:nvPr>
-        </p:nvSpPr>
-        <p:spPr/>
-        <p:txBody>
-          <a:bodyPr/>
-          <a:lstStyle/>
-          <a:p>
-            <a:r>
-              <a:rPr lang="en-US" dirty="0"/>
-              <a:t>Security – Other recommendations</a:t>
-            </a:r>
-          </a:p>
-        </p:txBody>
-      </p:sp>
-    </p:spTree>
-    <p:extLst>
-      <p:ext uri="{BB962C8B-B14F-4D97-AF65-F5344CB8AC3E}">
-        <p14:creationId xmlns:p14="http://schemas.microsoft.com/office/powerpoint/2010/main" val="647361306"/>
-      </p:ext>
-    </p:extLst>
-  </p:cSld>
-  <p:clrMapOvr>
-    <a:masterClrMapping/>
-  </p:clrMapOvr>
-  <mc:AlternateContent xmlns:mc="http://schemas.openxmlformats.org/markup-compatibility/2006" xmlns:p14="http://schemas.microsoft.com/office/powerpoint/2010/main">
-    <mc:Choice Requires="p14">
-      <p:transition spd="med" p14:dur="700" advClick="0" advTm="1500">
-        <p:fade/>
-      </p:transition>
-    </mc:Choice>
-    <mc:Fallback xmlns="">
-      <p:transition spd="med" advClick="0" advTm="1500">
         <p:fade/>
       </p:transition>
     </mc:Fallback>
@@ -27169,297 +21521,6 @@
 </p:sld>
 </file>
 
-<file path=ppt/slides/slide50.xml><?xml version="1.0" encoding="utf-8"?>
-<p:sld xmlns:a="http://schemas.openxmlformats.org/drawingml/2006/main" xmlns:r="http://schemas.openxmlformats.org/officeDocument/2006/relationships" xmlns:p="http://schemas.openxmlformats.org/presentationml/2006/main">
-  <p:cSld>
-    <p:spTree>
-      <p:nvGrpSpPr>
-        <p:cNvPr id="1" name=""/>
-        <p:cNvGrpSpPr/>
-        <p:nvPr/>
-      </p:nvGrpSpPr>
-      <p:grpSpPr>
-        <a:xfrm>
-          <a:off x="0" y="0"/>
-          <a:ext cx="0" cy="0"/>
-          <a:chOff x="0" y="0"/>
-          <a:chExt cx="0" cy="0"/>
-        </a:xfrm>
-      </p:grpSpPr>
-      <p:sp>
-        <p:nvSpPr>
-          <p:cNvPr id="2" name="Title 1"/>
-          <p:cNvSpPr>
-            <a:spLocks noGrp="1"/>
-          </p:cNvSpPr>
-          <p:nvPr>
-            <p:ph type="title"/>
-          </p:nvPr>
-        </p:nvSpPr>
-        <p:spPr/>
-        <p:txBody>
-          <a:bodyPr/>
-          <a:lstStyle/>
-          <a:p>
-            <a:r>
-              <a:rPr lang="en-US" dirty="0"/>
-              <a:t>General recommendations</a:t>
-            </a:r>
-            <a:endParaRPr lang="ro-RO" dirty="0"/>
-          </a:p>
-        </p:txBody>
-      </p:sp>
-      <p:sp>
-        <p:nvSpPr>
-          <p:cNvPr id="3" name="Content Placeholder 2"/>
-          <p:cNvSpPr>
-            <a:spLocks noGrp="1"/>
-          </p:cNvSpPr>
-          <p:nvPr>
-            <p:ph idx="1"/>
-          </p:nvPr>
-        </p:nvSpPr>
-        <p:spPr/>
-        <p:txBody>
-          <a:bodyPr/>
-          <a:lstStyle/>
-          <a:p>
-            <a:pPr>
-              <a:buFont typeface="Wingdings" pitchFamily="2" charset="2"/>
-              <a:buChar char="§"/>
-            </a:pPr>
-            <a:r>
-              <a:rPr lang="en-US" dirty="0"/>
-              <a:t>Only </a:t>
-            </a:r>
-            <a:r>
-              <a:rPr lang="en-US" b="1" dirty="0"/>
-              <a:t>Action</a:t>
-            </a:r>
-            <a:r>
-              <a:rPr lang="en-US" dirty="0"/>
-              <a:t> methods should be </a:t>
-            </a:r>
-            <a:r>
-              <a:rPr lang="en-US" b="1" dirty="0"/>
-              <a:t>public</a:t>
-            </a:r>
-            <a:r>
-              <a:rPr lang="en-US" dirty="0"/>
-              <a:t> in </a:t>
-            </a:r>
-            <a:r>
-              <a:rPr lang="en-US" b="1" dirty="0"/>
-              <a:t>controller</a:t>
-            </a:r>
-            <a:r>
-              <a:rPr lang="en-US" dirty="0"/>
-              <a:t> classes. The </a:t>
-            </a:r>
-            <a:r>
-              <a:rPr lang="en-US" b="1" dirty="0"/>
-              <a:t>[</a:t>
-            </a:r>
-            <a:r>
-              <a:rPr lang="en-US" b="1" dirty="0" err="1"/>
-              <a:t>NonAction</a:t>
-            </a:r>
-            <a:r>
-              <a:rPr lang="en-US" b="1" dirty="0"/>
-              <a:t>] </a:t>
-            </a:r>
-            <a:r>
-              <a:rPr lang="en-US" dirty="0"/>
-              <a:t>attribute can also be used to hide public methods.</a:t>
-            </a:r>
-          </a:p>
-          <a:p>
-            <a:pPr>
-              <a:buFont typeface="Wingdings" pitchFamily="2" charset="2"/>
-              <a:buChar char="§"/>
-            </a:pPr>
-            <a:endParaRPr lang="en-US" dirty="0"/>
-          </a:p>
-          <a:p>
-            <a:pPr>
-              <a:buFont typeface="Wingdings" pitchFamily="2" charset="2"/>
-              <a:buChar char="§"/>
-            </a:pPr>
-            <a:r>
-              <a:rPr lang="en-US" dirty="0"/>
-              <a:t>Implicit </a:t>
-            </a:r>
-            <a:r>
-              <a:rPr lang="en-US" b="1" dirty="0"/>
-              <a:t>model binding </a:t>
-            </a:r>
-            <a:r>
-              <a:rPr lang="en-US" dirty="0"/>
-              <a:t>can be used by attackers to modify unintended data.</a:t>
-            </a:r>
-            <a:endParaRPr lang="ro-RO" dirty="0"/>
-          </a:p>
-        </p:txBody>
-      </p:sp>
-    </p:spTree>
-    <p:extLst>
-      <p:ext uri="{BB962C8B-B14F-4D97-AF65-F5344CB8AC3E}">
-        <p14:creationId xmlns:p14="http://schemas.microsoft.com/office/powerpoint/2010/main" val="1891420182"/>
-      </p:ext>
-    </p:extLst>
-  </p:cSld>
-  <p:clrMapOvr>
-    <a:masterClrMapping/>
-  </p:clrMapOvr>
-  <mc:AlternateContent xmlns:mc="http://schemas.openxmlformats.org/markup-compatibility/2006" xmlns:p14="http://schemas.microsoft.com/office/powerpoint/2010/main">
-    <mc:Choice Requires="p14">
-      <p:transition spd="med" p14:dur="700">
-        <p:fade/>
-      </p:transition>
-    </mc:Choice>
-    <mc:Fallback xmlns="">
-      <p:transition spd="med">
-        <p:fade/>
-      </p:transition>
-    </mc:Fallback>
-  </mc:AlternateContent>
-</p:sld>
-</file>
-
-<file path=ppt/slides/slide51.xml><?xml version="1.0" encoding="utf-8"?>
-<p:sld xmlns:a="http://schemas.openxmlformats.org/drawingml/2006/main" xmlns:r="http://schemas.openxmlformats.org/officeDocument/2006/relationships" xmlns:p="http://schemas.openxmlformats.org/presentationml/2006/main">
-  <p:cSld>
-    <p:spTree>
-      <p:nvGrpSpPr>
-        <p:cNvPr id="1" name=""/>
-        <p:cNvGrpSpPr/>
-        <p:nvPr/>
-      </p:nvGrpSpPr>
-      <p:grpSpPr>
-        <a:xfrm>
-          <a:off x="0" y="0"/>
-          <a:ext cx="0" cy="0"/>
-          <a:chOff x="0" y="0"/>
-          <a:chExt cx="0" cy="0"/>
-        </a:xfrm>
-      </p:grpSpPr>
-      <p:sp>
-        <p:nvSpPr>
-          <p:cNvPr id="4" name="Title 3"/>
-          <p:cNvSpPr>
-            <a:spLocks noGrp="1"/>
-          </p:cNvSpPr>
-          <p:nvPr>
-            <p:ph type="title"/>
-          </p:nvPr>
-        </p:nvSpPr>
-        <p:spPr/>
-        <p:txBody>
-          <a:bodyPr/>
-          <a:lstStyle/>
-          <a:p>
-            <a:r>
-              <a:rPr lang="en-US" dirty="0"/>
-              <a:t>Thank you!</a:t>
-            </a:r>
-          </a:p>
-        </p:txBody>
-      </p:sp>
-    </p:spTree>
-    <p:extLst>
-      <p:ext uri="{BB962C8B-B14F-4D97-AF65-F5344CB8AC3E}">
-        <p14:creationId xmlns:p14="http://schemas.microsoft.com/office/powerpoint/2010/main" val="3366205155"/>
-      </p:ext>
-    </p:extLst>
-  </p:cSld>
-  <p:clrMapOvr>
-    <a:masterClrMapping/>
-  </p:clrMapOvr>
-  <mc:AlternateContent xmlns:mc="http://schemas.openxmlformats.org/markup-compatibility/2006" xmlns:p14="http://schemas.microsoft.com/office/powerpoint/2010/main">
-    <mc:Choice Requires="p14">
-      <p:transition spd="med" p14:dur="700" advClick="0" advTm="1500">
-        <p:fade/>
-      </p:transition>
-    </mc:Choice>
-    <mc:Fallback xmlns="">
-      <p:transition spd="med" advClick="0" advTm="1500">
-        <p:fade/>
-      </p:transition>
-    </mc:Fallback>
-  </mc:AlternateContent>
-</p:sld>
-</file>
-
-<file path=ppt/slides/slide52.xml><?xml version="1.0" encoding="utf-8"?>
-<p:sld xmlns:a="http://schemas.openxmlformats.org/drawingml/2006/main" xmlns:r="http://schemas.openxmlformats.org/officeDocument/2006/relationships" xmlns:p="http://schemas.openxmlformats.org/presentationml/2006/main">
-  <p:cSld>
-    <p:spTree>
-      <p:nvGrpSpPr>
-        <p:cNvPr id="1" name=""/>
-        <p:cNvGrpSpPr/>
-        <p:nvPr/>
-      </p:nvGrpSpPr>
-      <p:grpSpPr>
-        <a:xfrm>
-          <a:off x="0" y="0"/>
-          <a:ext cx="0" cy="0"/>
-          <a:chOff x="0" y="0"/>
-          <a:chExt cx="0" cy="0"/>
-        </a:xfrm>
-      </p:grpSpPr>
-      <p:sp>
-        <p:nvSpPr>
-          <p:cNvPr id="4" name="Title 3">
-            <a:extLst>
-              <a:ext uri="{FF2B5EF4-FFF2-40B4-BE49-F238E27FC236}">
-                <a16:creationId xmlns:a16="http://schemas.microsoft.com/office/drawing/2014/main" id="{55D70FC5-F690-4B66-9977-B84B72A216C7}"/>
-              </a:ext>
-            </a:extLst>
-          </p:cNvPr>
-          <p:cNvSpPr>
-            <a:spLocks noGrp="1"/>
-          </p:cNvSpPr>
-          <p:nvPr>
-            <p:ph type="title"/>
-          </p:nvPr>
-        </p:nvSpPr>
-        <p:spPr/>
-        <p:txBody>
-          <a:bodyPr/>
-          <a:lstStyle/>
-          <a:p>
-            <a:r>
-              <a:rPr lang="en-US" dirty="0"/>
-              <a:t>Open redirect attacks</a:t>
-            </a:r>
-          </a:p>
-        </p:txBody>
-      </p:sp>
-    </p:spTree>
-    <p:extLst>
-      <p:ext uri="{BB962C8B-B14F-4D97-AF65-F5344CB8AC3E}">
-        <p14:creationId xmlns:p14="http://schemas.microsoft.com/office/powerpoint/2010/main" val="3168977456"/>
-      </p:ext>
-    </p:extLst>
-  </p:cSld>
-  <p:clrMapOvr>
-    <a:masterClrMapping/>
-  </p:clrMapOvr>
-  <mc:AlternateContent xmlns:mc="http://schemas.openxmlformats.org/markup-compatibility/2006" xmlns:p14="http://schemas.microsoft.com/office/powerpoint/2010/main">
-    <mc:Choice Requires="p14">
-      <p:transition spd="med" p14:dur="700" advClick="0" advTm="1500">
-        <p:fade/>
-      </p:transition>
-    </mc:Choice>
-    <mc:Fallback xmlns="">
-      <p:transition spd="med" advClick="0" advTm="1500">
-        <p:fade/>
-      </p:transition>
-    </mc:Fallback>
-  </mc:AlternateContent>
-</p:sld>
-</file>
-
 <file path=ppt/slides/slide6.xml><?xml version="1.0" encoding="utf-8"?>
 <p:sld xmlns:a="http://schemas.openxmlformats.org/drawingml/2006/main" xmlns:r="http://schemas.openxmlformats.org/officeDocument/2006/relationships" xmlns:p="http://schemas.openxmlformats.org/presentationml/2006/main">
   <p:cSld>
@@ -27524,15 +21585,15 @@
             </a:r>
             <a:r>
               <a:rPr lang="en-US" b="1" dirty="0"/>
-              <a:t>Microsoft Virtual Academy - </a:t>
+              <a:t>Microsoft Learn - </a:t>
             </a:r>
             <a:r>
               <a:rPr lang="en-US" dirty="0">
                 <a:hlinkClick r:id="rId2"/>
               </a:rPr>
-              <a:t>mva.microsoft.com</a:t>
-            </a:r>
-            <a:endParaRPr lang="en-US" b="1" dirty="0"/>
+              <a:t>https://docs.microsoft.com/en-us/learn/</a:t>
+            </a:r>
+            <a:endParaRPr lang="en-US" dirty="0"/>
           </a:p>
           <a:p>
             <a:pPr marL="597150" lvl="1" indent="-342900" algn="just">
@@ -27593,52 +21654,23 @@
             </a:pPr>
             <a:r>
               <a:rPr lang="en-US" dirty="0"/>
-              <a:t>Free access (limited period) through </a:t>
+              <a:t>Free </a:t>
+            </a:r>
+            <a:r>
+              <a:rPr lang="en-US" b="1" dirty="0"/>
+              <a:t>limited</a:t>
+            </a:r>
+            <a:r>
+              <a:rPr lang="en-US" dirty="0"/>
+              <a:t> access through </a:t>
             </a:r>
             <a:r>
               <a:rPr lang="en-US" dirty="0">
                 <a:hlinkClick r:id="rId4"/>
               </a:rPr>
-              <a:t>Microsoft DreamSpark</a:t>
+              <a:t>https://azure.microsoft.com/en-us/free/students/</a:t>
             </a:r>
             <a:endParaRPr lang="en-US" dirty="0"/>
-          </a:p>
-          <a:p>
-            <a:pPr marL="597150" lvl="1" indent="-342900" algn="just">
-              <a:buFont typeface="Wingdings" panose="05000000000000000000" pitchFamily="2" charset="2"/>
-              <a:buChar char="§"/>
-            </a:pPr>
-            <a:endParaRPr lang="en-US" dirty="0"/>
-          </a:p>
-          <a:p>
-            <a:pPr marL="342900" indent="-342900" algn="just">
-              <a:buFont typeface="Wingdings" panose="05000000000000000000" pitchFamily="2" charset="2"/>
-              <a:buChar char="§"/>
-            </a:pPr>
-            <a:r>
-              <a:rPr lang="en-US" dirty="0"/>
-              <a:t>Courses on </a:t>
-            </a:r>
-            <a:r>
-              <a:rPr lang="en-US" b="1" dirty="0"/>
-              <a:t>ASP.NET</a:t>
-            </a:r>
-          </a:p>
-          <a:p>
-            <a:pPr marL="597150" lvl="1" indent="-342900" algn="just">
-              <a:buFont typeface="Wingdings" panose="05000000000000000000" pitchFamily="2" charset="2"/>
-              <a:buChar char="§"/>
-            </a:pPr>
-            <a:r>
-              <a:rPr lang="en-US" dirty="0">
-                <a:hlinkClick r:id="rId5"/>
-              </a:rPr>
-              <a:t>https://www.asp.net/freecourses</a:t>
-            </a:r>
-            <a:r>
-              <a:rPr lang="en-US" dirty="0"/>
-              <a:t> </a:t>
-            </a:r>
           </a:p>
         </p:txBody>
       </p:sp>
@@ -27791,12 +21823,15 @@
               <a:rPr lang="en-US" u="sng" dirty="0">
                 <a:hlinkClick r:id="rId3"/>
               </a:rPr>
-              <a:t>https://docs.microsoft.com/en-us/dotnet/api/?view=aspnetcore-2.0/</a:t>
+              <a:t>https://docs.microsoft.com/en-us/dotnet/api/?view=aspnetcore-2.2</a:t>
             </a:r>
             <a:endParaRPr lang="en-US" u="sng" dirty="0"/>
           </a:p>
           <a:p>
-            <a:pPr lvl="1"/>
+            <a:pPr marL="597150" lvl="1" indent="-342900">
+              <a:buFont typeface="Wingdings" panose="05000000000000000000" pitchFamily="2" charset="2"/>
+              <a:buChar char="§"/>
+            </a:pPr>
             <a:endParaRPr lang="en-US" dirty="0"/>
           </a:p>
           <a:p>
@@ -27960,7 +21995,7 @@
               <p:nvPr>
                 <p:extLst>
                   <p:ext uri="{D42A27DB-BD31-4B8C-83A1-F6EECF244321}">
-                    <p14:modId xmlns:p14="http://schemas.microsoft.com/office/powerpoint/2010/main" val="658706729"/>
+                    <p14:modId xmlns:p14="http://schemas.microsoft.com/office/powerpoint/2010/main" val="4272849812"/>
                   </p:ext>
                 </p:extLst>
               </p:nvPr>
@@ -27982,8 +22017,8 @@
                       </p166:blipFill>
                       <p166:spPr xmlns:p166="http://schemas.microsoft.com/office/powerpoint/2016/6/main">
                         <a:xfrm>
-                          <a:off x="1468057" y="144399"/>
-                          <a:ext cx="2567093" cy="1443990"/>
+                          <a:off x="1492124" y="168465"/>
+                          <a:ext cx="3850639" cy="2165985"/>
                         </a:xfrm>
                         <a:prstGeom prst="rect">
                           <a:avLst/>
@@ -28006,8 +22041,8 @@
                       </p166:blipFill>
                       <p166:spPr xmlns:p166="http://schemas.microsoft.com/office/powerpoint/2016/6/main">
                         <a:xfrm>
-                          <a:off x="4131416" y="144399"/>
-                          <a:ext cx="2567093" cy="1443990"/>
+                          <a:off x="5487162" y="168465"/>
+                          <a:ext cx="3850639" cy="2165985"/>
                         </a:xfrm>
                         <a:prstGeom prst="rect">
                           <a:avLst/>
@@ -28030,104 +22065,8 @@
                       </p166:blipFill>
                       <p166:spPr xmlns:p166="http://schemas.microsoft.com/office/powerpoint/2016/6/main">
                         <a:xfrm>
-                          <a:off x="6794775" y="144399"/>
-                          <a:ext cx="2567093" cy="1443990"/>
-                        </a:xfrm>
-                        <a:prstGeom prst="rect">
-                          <a:avLst/>
-                        </a:prstGeom>
-                        <a:ln w="3175">
-                          <a:solidFill>
-                            <a:prstClr val="ltGray"/>
-                          </a:solidFill>
-                        </a:ln>
-                      </p166:spPr>
-                    </psuz:zmPr>
-                  </psuz:summaryZmObj>
-                  <psuz:summaryZmObj sectionId="{87E274A0-8D79-4657-BF00-1D5BC1863E78}">
-                    <psuz:zmPr id="{35E86422-923D-48B4-9925-B1CE3FDBB02E}" transitionDur="1000">
-                      <p166:blipFill xmlns:p166="http://schemas.microsoft.com/office/powerpoint/2016/6/main">
-                        <a:blip r:embed="rId5"/>
-                        <a:stretch>
-                          <a:fillRect/>
-                        </a:stretch>
-                      </p166:blipFill>
-                      <p166:spPr xmlns:p166="http://schemas.microsoft.com/office/powerpoint/2016/6/main">
-                        <a:xfrm>
-                          <a:off x="1468057" y="1684655"/>
-                          <a:ext cx="2567093" cy="1443990"/>
-                        </a:xfrm>
-                        <a:prstGeom prst="rect">
-                          <a:avLst/>
-                        </a:prstGeom>
-                        <a:ln w="3175">
-                          <a:solidFill>
-                            <a:prstClr val="ltGray"/>
-                          </a:solidFill>
-                        </a:ln>
-                      </p166:spPr>
-                    </psuz:zmPr>
-                  </psuz:summaryZmObj>
-                  <psuz:summaryZmObj sectionId="{4D65A88A-69BB-4B5D-9C60-D5BA753612E3}">
-                    <psuz:zmPr id="{5903A59E-C636-4C58-AD25-9C0AE5E214EA}" transitionDur="1000">
-                      <p166:blipFill xmlns:p166="http://schemas.microsoft.com/office/powerpoint/2016/6/main">
-                        <a:blip r:embed="rId6"/>
-                        <a:stretch>
-                          <a:fillRect/>
-                        </a:stretch>
-                      </p166:blipFill>
-                      <p166:spPr xmlns:p166="http://schemas.microsoft.com/office/powerpoint/2016/6/main">
-                        <a:xfrm>
-                          <a:off x="4131416" y="1684655"/>
-                          <a:ext cx="2567093" cy="1443990"/>
-                        </a:xfrm>
-                        <a:prstGeom prst="rect">
-                          <a:avLst/>
-                        </a:prstGeom>
-                        <a:ln w="3175">
-                          <a:solidFill>
-                            <a:prstClr val="ltGray"/>
-                          </a:solidFill>
-                        </a:ln>
-                      </p166:spPr>
-                    </psuz:zmPr>
-                  </psuz:summaryZmObj>
-                  <psuz:summaryZmObj sectionId="{C54E39C5-14F5-466C-BABB-4B49E3ED504E}">
-                    <psuz:zmPr id="{360675B3-6D90-408B-8262-C1DAFF49452C}" transitionDur="1000">
-                      <p166:blipFill xmlns:p166="http://schemas.microsoft.com/office/powerpoint/2016/6/main">
-                        <a:blip r:embed="rId7"/>
-                        <a:stretch>
-                          <a:fillRect/>
-                        </a:stretch>
-                      </p166:blipFill>
-                      <p166:spPr xmlns:p166="http://schemas.microsoft.com/office/powerpoint/2016/6/main">
-                        <a:xfrm>
-                          <a:off x="6794775" y="1684655"/>
-                          <a:ext cx="2567093" cy="1443990"/>
-                        </a:xfrm>
-                        <a:prstGeom prst="rect">
-                          <a:avLst/>
-                        </a:prstGeom>
-                        <a:ln w="3175">
-                          <a:solidFill>
-                            <a:prstClr val="ltGray"/>
-                          </a:solidFill>
-                        </a:ln>
-                      </p166:spPr>
-                    </psuz:zmPr>
-                  </psuz:summaryZmObj>
-                  <psuz:summaryZmObj sectionId="{1AE92897-8E8C-4C87-AB55-D15B46B8C9BD}">
-                    <psuz:zmPr id="{2BA62BC8-DB24-462C-A624-2B6685D86568}" transitionDur="1000">
-                      <p166:blipFill xmlns:p166="http://schemas.microsoft.com/office/powerpoint/2016/6/main">
-                        <a:blip r:embed="rId8"/>
-                        <a:stretch>
-                          <a:fillRect/>
-                        </a:stretch>
-                      </p166:blipFill>
-                      <p166:spPr xmlns:p166="http://schemas.microsoft.com/office/powerpoint/2016/6/main">
-                        <a:xfrm>
-                          <a:off x="1468057" y="3224911"/>
-                          <a:ext cx="2567093" cy="1443990"/>
+                          <a:off x="1492124" y="2478849"/>
+                          <a:ext cx="3850639" cy="2165985"/>
                         </a:xfrm>
                         <a:prstGeom prst="rect">
                           <a:avLst/>
@@ -28172,7 +22111,7 @@
             <p:pic>
               <p:nvPicPr>
                 <p:cNvPr id="2" name="Picture 2">
-                  <a:hlinkClick r:id="rId9" action="ppaction://hlinksldjump"/>
+                  <a:hlinkClick r:id="rId5" action="ppaction://hlinksldjump"/>
                 </p:cNvPr>
                 <p:cNvPicPr>
                   <a:picLocks noSelect="1" noRot="1" noChangeAspect="1" noMove="1" noResize="1" noEditPoints="1" noAdjustHandles="1" noChangeArrowheads="1" noChangeShapeType="1"/>
@@ -28187,8 +22126,8 @@
               </p:blipFill>
               <p:spPr>
                 <a:xfrm>
-                  <a:off x="2234820" y="1485837"/>
-                  <a:ext cx="2567093" cy="1443990"/>
+                  <a:off x="2258887" y="1509903"/>
+                  <a:ext cx="3850639" cy="2165985"/>
                 </a:xfrm>
                 <a:prstGeom prst="rect">
                   <a:avLst/>
@@ -28203,7 +22142,7 @@
             <p:pic>
               <p:nvPicPr>
                 <p:cNvPr id="4" name="Picture 4">
-                  <a:hlinkClick r:id="rId10" action="ppaction://hlinksldjump"/>
+                  <a:hlinkClick r:id="rId6" action="ppaction://hlinksldjump"/>
                 </p:cNvPr>
                 <p:cNvPicPr>
                   <a:picLocks noSelect="1" noRot="1" noChangeAspect="1" noMove="1" noResize="1" noEditPoints="1" noAdjustHandles="1" noChangeArrowheads="1" noChangeShapeType="1"/>
@@ -28218,8 +22157,8 @@
               </p:blipFill>
               <p:spPr>
                 <a:xfrm>
-                  <a:off x="4898179" y="1485837"/>
-                  <a:ext cx="2567093" cy="1443990"/>
+                  <a:off x="6253925" y="1509903"/>
+                  <a:ext cx="3850639" cy="2165985"/>
                 </a:xfrm>
                 <a:prstGeom prst="rect">
                   <a:avLst/>
@@ -28234,7 +22173,7 @@
             <p:pic>
               <p:nvPicPr>
                 <p:cNvPr id="6" name="Picture 6">
-                  <a:hlinkClick r:id="rId11" action="ppaction://hlinksldjump"/>
+                  <a:hlinkClick r:id="rId7" action="ppaction://hlinksldjump"/>
                 </p:cNvPr>
                 <p:cNvPicPr>
                   <a:picLocks noSelect="1" noRot="1" noChangeAspect="1" noMove="1" noResize="1" noEditPoints="1" noAdjustHandles="1" noChangeArrowheads="1" noChangeShapeType="1"/>
@@ -28249,132 +22188,8 @@
               </p:blipFill>
               <p:spPr>
                 <a:xfrm>
-                  <a:off x="7561538" y="1485837"/>
-                  <a:ext cx="2567093" cy="1443990"/>
-                </a:xfrm>
-                <a:prstGeom prst="rect">
-                  <a:avLst/>
-                </a:prstGeom>
-                <a:ln w="3175">
-                  <a:solidFill>
-                    <a:prstClr val="ltGray"/>
-                  </a:solidFill>
-                </a:ln>
-              </p:spPr>
-            </p:pic>
-            <p:pic>
-              <p:nvPicPr>
-                <p:cNvPr id="7" name="Picture 7">
-                  <a:hlinkClick r:id="rId12" action="ppaction://hlinksldjump"/>
-                </p:cNvPr>
-                <p:cNvPicPr>
-                  <a:picLocks noSelect="1" noRot="1" noChangeAspect="1" noMove="1" noResize="1" noEditPoints="1" noAdjustHandles="1" noChangeArrowheads="1" noChangeShapeType="1"/>
-                </p:cNvPicPr>
-                <p:nvPr/>
-              </p:nvPicPr>
-              <p:blipFill>
-                <a:blip r:embed="rId5"/>
-                <a:stretch>
-                  <a:fillRect/>
-                </a:stretch>
-              </p:blipFill>
-              <p:spPr>
-                <a:xfrm>
-                  <a:off x="2234820" y="3026093"/>
-                  <a:ext cx="2567093" cy="1443990"/>
-                </a:xfrm>
-                <a:prstGeom prst="rect">
-                  <a:avLst/>
-                </a:prstGeom>
-                <a:ln w="3175">
-                  <a:solidFill>
-                    <a:prstClr val="ltGray"/>
-                  </a:solidFill>
-                </a:ln>
-              </p:spPr>
-            </p:pic>
-            <p:pic>
-              <p:nvPicPr>
-                <p:cNvPr id="8" name="Picture 8">
-                  <a:hlinkClick r:id="rId13" action="ppaction://hlinksldjump"/>
-                </p:cNvPr>
-                <p:cNvPicPr>
-                  <a:picLocks noSelect="1" noRot="1" noChangeAspect="1" noMove="1" noResize="1" noEditPoints="1" noAdjustHandles="1" noChangeArrowheads="1" noChangeShapeType="1"/>
-                </p:cNvPicPr>
-                <p:nvPr/>
-              </p:nvPicPr>
-              <p:blipFill>
-                <a:blip r:embed="rId6"/>
-                <a:stretch>
-                  <a:fillRect/>
-                </a:stretch>
-              </p:blipFill>
-              <p:spPr>
-                <a:xfrm>
-                  <a:off x="4898179" y="3026093"/>
-                  <a:ext cx="2567093" cy="1443990"/>
-                </a:xfrm>
-                <a:prstGeom prst="rect">
-                  <a:avLst/>
-                </a:prstGeom>
-                <a:ln w="3175">
-                  <a:solidFill>
-                    <a:prstClr val="ltGray"/>
-                  </a:solidFill>
-                </a:ln>
-              </p:spPr>
-            </p:pic>
-            <p:pic>
-              <p:nvPicPr>
-                <p:cNvPr id="9" name="Picture 9">
-                  <a:hlinkClick r:id="rId14" action="ppaction://hlinksldjump"/>
-                </p:cNvPr>
-                <p:cNvPicPr>
-                  <a:picLocks noSelect="1" noRot="1" noChangeAspect="1" noMove="1" noResize="1" noEditPoints="1" noAdjustHandles="1" noChangeArrowheads="1" noChangeShapeType="1"/>
-                </p:cNvPicPr>
-                <p:nvPr/>
-              </p:nvPicPr>
-              <p:blipFill>
-                <a:blip r:embed="rId7"/>
-                <a:stretch>
-                  <a:fillRect/>
-                </a:stretch>
-              </p:blipFill>
-              <p:spPr>
-                <a:xfrm>
-                  <a:off x="7561538" y="3026093"/>
-                  <a:ext cx="2567093" cy="1443990"/>
-                </a:xfrm>
-                <a:prstGeom prst="rect">
-                  <a:avLst/>
-                </a:prstGeom>
-                <a:ln w="3175">
-                  <a:solidFill>
-                    <a:prstClr val="ltGray"/>
-                  </a:solidFill>
-                </a:ln>
-              </p:spPr>
-            </p:pic>
-            <p:pic>
-              <p:nvPicPr>
-                <p:cNvPr id="10" name="Picture 10">
-                  <a:hlinkClick r:id="rId15" action="ppaction://hlinksldjump"/>
-                </p:cNvPr>
-                <p:cNvPicPr>
-                  <a:picLocks noSelect="1" noRot="1" noChangeAspect="1" noMove="1" noResize="1" noEditPoints="1" noAdjustHandles="1" noChangeArrowheads="1" noChangeShapeType="1"/>
-                </p:cNvPicPr>
-                <p:nvPr/>
-              </p:nvPicPr>
-              <p:blipFill>
-                <a:blip r:embed="rId8"/>
-                <a:stretch>
-                  <a:fillRect/>
-                </a:stretch>
-              </p:blipFill>
-              <p:spPr>
-                <a:xfrm>
-                  <a:off x="2234820" y="4566349"/>
-                  <a:ext cx="2567093" cy="1443990"/>
+                  <a:off x="2258887" y="3820287"/>
+                  <a:ext cx="3850639" cy="2165985"/>
                 </a:xfrm>
                 <a:prstGeom prst="rect">
                   <a:avLst/>

--- a/Presentation ASPNET MVC Core - Part II.pptx
+++ b/Presentation ASPNET MVC Core - Part II.pptx
@@ -295,7 +295,7 @@
           <a:p>
             <a:fld id="{CD54E0B9-A397-428E-BA01-CD7A34B572EB}" type="datetimeFigureOut">
               <a:rPr lang="en-US" smtClean="0"/>
-              <a:t>5/16/2019</a:t>
+              <a:t>5/23/2020</a:t>
             </a:fld>
             <a:endParaRPr lang="en-US"/>
           </a:p>
@@ -460,7 +460,7 @@
           <a:p>
             <a:fld id="{AA161301-18C9-4CA0-A0BF-791B6E0DDD4D}" type="datetimeFigureOut">
               <a:rPr lang="en-GB" smtClean="0"/>
-              <a:t>16/05/2019</a:t>
+              <a:t>23/05/2020</a:t>
             </a:fld>
             <a:endParaRPr lang="en-GB"/>
           </a:p>
@@ -12105,7 +12105,7 @@
             <p:ph idx="1"/>
             <p:extLst>
               <p:ext uri="{D42A27DB-BD31-4B8C-83A1-F6EECF244321}">
-                <p14:modId xmlns:p14="http://schemas.microsoft.com/office/powerpoint/2010/main" val="3626759784"/>
+                <p14:modId xmlns:p14="http://schemas.microsoft.com/office/powerpoint/2010/main" val="1474058154"/>
               </p:ext>
             </p:extLst>
           </p:nvPr>
@@ -12559,17 +12559,71 @@
                     <a:lstStyle/>
                     <a:p>
                       <a:r>
-                        <a:rPr lang="en-US" sz="2000"/>
+                        <a:rPr lang="en-US" sz="2000" dirty="0"/>
                         <a:t>Gets or sets a value that indicates whether lockout enabled for this user.(Inherited from </a:t>
                       </a:r>
                       <a:r>
-                        <a:rPr lang="en-US" sz="2000">
+                        <a:rPr lang="en-US" sz="2000" dirty="0" err="1">
                           <a:hlinkClick r:id="rId3"/>
                         </a:rPr>
-                        <a:t>IdentityUser(Of TKey, TLogin, TRole, TClaim)</a:t>
+                        <a:t>IdentityUser</a:t>
                       </a:r>
                       <a:r>
-                        <a:rPr lang="en-US" sz="2000"/>
+                        <a:rPr lang="en-US" sz="2000" dirty="0">
+                          <a:hlinkClick r:id="rId3"/>
+                        </a:rPr>
+                        <a:t>(Of </a:t>
+                      </a:r>
+                      <a:r>
+                        <a:rPr lang="en-US" sz="2000" dirty="0" err="1">
+                          <a:hlinkClick r:id="rId3"/>
+                        </a:rPr>
+                        <a:t>TKey</a:t>
+                      </a:r>
+                      <a:r>
+                        <a:rPr lang="en-US" sz="2000" dirty="0">
+                          <a:hlinkClick r:id="rId3"/>
+                        </a:rPr>
+                        <a:t>, </a:t>
+                      </a:r>
+                      <a:r>
+                        <a:rPr lang="en-US" sz="2000" dirty="0" err="1">
+                          <a:hlinkClick r:id="rId3"/>
+                        </a:rPr>
+                        <a:t>TLogin</a:t>
+                      </a:r>
+                      <a:r>
+                        <a:rPr lang="en-US" sz="2000" dirty="0">
+                          <a:hlinkClick r:id="rId3"/>
+                        </a:rPr>
+                        <a:t>, </a:t>
+                      </a:r>
+                      <a:r>
+                        <a:rPr lang="en-US" sz="2000" dirty="0" err="1">
+                          <a:hlinkClick r:id="rId3"/>
+                        </a:rPr>
+                        <a:t>TRole</a:t>
+                      </a:r>
+                      <a:r>
+                        <a:rPr lang="en-US" sz="2000" dirty="0">
+                          <a:hlinkClick r:id="rId3"/>
+                        </a:rPr>
+                        <a:t>, </a:t>
+                      </a:r>
+                      <a:r>
+                        <a:rPr lang="en-US" sz="2000" dirty="0" err="1">
+                          <a:hlinkClick r:id="rId3"/>
+                        </a:rPr>
+                        <a:t>TClaim</a:t>
+                      </a:r>
+                      <a:r>
+                        <a:rPr lang="en-US" sz="2000" dirty="0">
+                          <a:hlinkClick r:id="rId3"/>
+                        </a:rPr>
+                        <a:t>)</a:t>
+                      </a:r>
+                      <a:r>
+                        <a:rPr lang="en-US" sz="2000" dirty="0"/>
                         <a:t>.)</a:t>
                       </a:r>
                     </a:p>
@@ -12605,17 +12659,71 @@
                     <a:lstStyle/>
                     <a:p>
                       <a:r>
-                        <a:rPr lang="en-US" sz="2000"/>
+                        <a:rPr lang="en-US" sz="2000" dirty="0"/>
                         <a:t>Gets or sets the date time value (in UTC) when lockout ends, any time in the past is considered not locked out.(Inherited from </a:t>
                       </a:r>
                       <a:r>
-                        <a:rPr lang="en-US" sz="2000">
+                        <a:rPr lang="en-US" sz="2000" dirty="0" err="1">
                           <a:hlinkClick r:id="rId3"/>
                         </a:rPr>
-                        <a:t>IdentityUser(Of TKey, TLogin, TRole, TClaim)</a:t>
+                        <a:t>IdentityUser</a:t>
                       </a:r>
                       <a:r>
-                        <a:rPr lang="en-US" sz="2000"/>
+                        <a:rPr lang="en-US" sz="2000" dirty="0">
+                          <a:hlinkClick r:id="rId3"/>
+                        </a:rPr>
+                        <a:t>(Of </a:t>
+                      </a:r>
+                      <a:r>
+                        <a:rPr lang="en-US" sz="2000" dirty="0" err="1">
+                          <a:hlinkClick r:id="rId3"/>
+                        </a:rPr>
+                        <a:t>TKey</a:t>
+                      </a:r>
+                      <a:r>
+                        <a:rPr lang="en-US" sz="2000" dirty="0">
+                          <a:hlinkClick r:id="rId3"/>
+                        </a:rPr>
+                        <a:t>, </a:t>
+                      </a:r>
+                      <a:r>
+                        <a:rPr lang="en-US" sz="2000" dirty="0" err="1">
+                          <a:hlinkClick r:id="rId3"/>
+                        </a:rPr>
+                        <a:t>TLogin</a:t>
+                      </a:r>
+                      <a:r>
+                        <a:rPr lang="en-US" sz="2000" dirty="0">
+                          <a:hlinkClick r:id="rId3"/>
+                        </a:rPr>
+                        <a:t>, </a:t>
+                      </a:r>
+                      <a:r>
+                        <a:rPr lang="en-US" sz="2000" dirty="0" err="1">
+                          <a:hlinkClick r:id="rId3"/>
+                        </a:rPr>
+                        <a:t>TRole</a:t>
+                      </a:r>
+                      <a:r>
+                        <a:rPr lang="en-US" sz="2000" dirty="0">
+                          <a:hlinkClick r:id="rId3"/>
+                        </a:rPr>
+                        <a:t>, </a:t>
+                      </a:r>
+                      <a:r>
+                        <a:rPr lang="en-US" sz="2000" dirty="0" err="1">
+                          <a:hlinkClick r:id="rId3"/>
+                        </a:rPr>
+                        <a:t>TClaim</a:t>
+                      </a:r>
+                      <a:r>
+                        <a:rPr lang="en-US" sz="2000" dirty="0">
+                          <a:hlinkClick r:id="rId3"/>
+                        </a:rPr>
+                        <a:t>)</a:t>
+                      </a:r>
+                      <a:r>
+                        <a:rPr lang="en-US" sz="2000" dirty="0"/>
                         <a:t>.)</a:t>
                       </a:r>
                     </a:p>
@@ -13116,12 +13224,12 @@
                     <a:lstStyle/>
                     <a:p>
                       <a:r>
-                        <a:rPr lang="en-US" sz="2000">
+                        <a:rPr lang="en-US" sz="2000" dirty="0">
                           <a:hlinkClick r:id="rId6"/>
                         </a:rPr>
                         <a:t>Roles</a:t>
                       </a:r>
-                      <a:endParaRPr lang="en-US" sz="2000"/>
+                      <a:endParaRPr lang="en-US" sz="2000" dirty="0"/>
                     </a:p>
                   </a:txBody>
                   <a:tcPr marL="21298" marR="21298" marT="10649" marB="10649" anchor="ctr"/>
@@ -13132,17 +13240,71 @@
                     <a:lstStyle/>
                     <a:p>
                       <a:r>
-                        <a:rPr lang="en-US" sz="2000"/>
+                        <a:rPr lang="en-US" sz="2000" dirty="0"/>
                         <a:t>Gets the collection of roles for the user.(Inherited from </a:t>
                       </a:r>
                       <a:r>
-                        <a:rPr lang="en-US" sz="2000">
+                        <a:rPr lang="en-US" sz="2000" dirty="0" err="1">
                           <a:hlinkClick r:id="rId3"/>
                         </a:rPr>
-                        <a:t>IdentityUser(Of TKey, TLogin, TRole, TClaim)</a:t>
+                        <a:t>IdentityUser</a:t>
                       </a:r>
                       <a:r>
-                        <a:rPr lang="en-US" sz="2000"/>
+                        <a:rPr lang="en-US" sz="2000" dirty="0">
+                          <a:hlinkClick r:id="rId3"/>
+                        </a:rPr>
+                        <a:t>(Of </a:t>
+                      </a:r>
+                      <a:r>
+                        <a:rPr lang="en-US" sz="2000" dirty="0" err="1">
+                          <a:hlinkClick r:id="rId3"/>
+                        </a:rPr>
+                        <a:t>TKey</a:t>
+                      </a:r>
+                      <a:r>
+                        <a:rPr lang="en-US" sz="2000" dirty="0">
+                          <a:hlinkClick r:id="rId3"/>
+                        </a:rPr>
+                        <a:t>, </a:t>
+                      </a:r>
+                      <a:r>
+                        <a:rPr lang="en-US" sz="2000" dirty="0" err="1">
+                          <a:hlinkClick r:id="rId3"/>
+                        </a:rPr>
+                        <a:t>TLogin</a:t>
+                      </a:r>
+                      <a:r>
+                        <a:rPr lang="en-US" sz="2000" dirty="0">
+                          <a:hlinkClick r:id="rId3"/>
+                        </a:rPr>
+                        <a:t>, </a:t>
+                      </a:r>
+                      <a:r>
+                        <a:rPr lang="en-US" sz="2000" dirty="0" err="1">
+                          <a:hlinkClick r:id="rId3"/>
+                        </a:rPr>
+                        <a:t>TRole</a:t>
+                      </a:r>
+                      <a:r>
+                        <a:rPr lang="en-US" sz="2000" dirty="0">
+                          <a:hlinkClick r:id="rId3"/>
+                        </a:rPr>
+                        <a:t>, </a:t>
+                      </a:r>
+                      <a:r>
+                        <a:rPr lang="en-US" sz="2000" dirty="0" err="1">
+                          <a:hlinkClick r:id="rId3"/>
+                        </a:rPr>
+                        <a:t>TClaim</a:t>
+                      </a:r>
+                      <a:r>
+                        <a:rPr lang="en-US" sz="2000" dirty="0">
+                          <a:hlinkClick r:id="rId3"/>
+                        </a:rPr>
+                        <a:t>)</a:t>
+                      </a:r>
+                      <a:r>
+                        <a:rPr lang="en-US" sz="2000" dirty="0"/>
                         <a:t>.)</a:t>
                       </a:r>
                     </a:p>
@@ -17615,7 +17777,7 @@
             </a:pPr>
             <a:r>
               <a:rPr lang="en-US" dirty="0"/>
-              <a:t>properties: Roles, Users</a:t>
+              <a:t>properties: Roles, Policy</a:t>
             </a:r>
           </a:p>
           <a:p>
@@ -18492,31 +18654,6 @@
               <a:rPr lang="en-US" dirty="0"/>
               <a:t>Authorization</a:t>
             </a:r>
-          </a:p>
-        </p:txBody>
-      </p:sp>
-      <p:sp>
-        <p:nvSpPr>
-          <p:cNvPr id="6" name="Content Placeholder 5">
-            <a:extLst>
-              <a:ext uri="{FF2B5EF4-FFF2-40B4-BE49-F238E27FC236}">
-                <a16:creationId xmlns:a16="http://schemas.microsoft.com/office/drawing/2014/main" id="{BF409F38-0FEE-40F1-984F-8F9F5A3DE48F}"/>
-              </a:ext>
-            </a:extLst>
-          </p:cNvPr>
-          <p:cNvSpPr>
-            <a:spLocks noGrp="1"/>
-          </p:cNvSpPr>
-          <p:nvPr>
-            <p:ph idx="1"/>
-          </p:nvPr>
-        </p:nvSpPr>
-        <p:spPr/>
-        <p:txBody>
-          <a:bodyPr/>
-          <a:lstStyle/>
-          <a:p>
-            <a:endParaRPr lang="en-US"/>
           </a:p>
         </p:txBody>
       </p:sp>
@@ -22292,7 +22429,7 @@
               <a:rPr lang="en-US" dirty="0">
                 <a:hlinkClick r:id="rId2"/>
               </a:rPr>
-              <a:t>https://docs.microsoft.com/en-us/aspnet/core/security/?view=aspnetcore-2.0</a:t>
+              <a:t>https://docs.microsoft.com/en-us/aspnet/core/security</a:t>
             </a:r>
             <a:endParaRPr lang="en-US" dirty="0"/>
           </a:p>

--- a/Presentation ASPNET MVC Core - Part II.pptx
+++ b/Presentation ASPNET MVC Core - Part II.pptx
@@ -5,19 +5,19 @@
     <p:sldMasterId id="2147483648" r:id="rId1"/>
   </p:sldMasterIdLst>
   <p:notesMasterIdLst>
-    <p:notesMasterId r:id="rId33"/>
+    <p:notesMasterId r:id="rId34"/>
   </p:notesMasterIdLst>
   <p:handoutMasterIdLst>
-    <p:handoutMasterId r:id="rId34"/>
+    <p:handoutMasterId r:id="rId35"/>
   </p:handoutMasterIdLst>
   <p:sldIdLst>
     <p:sldId id="493" r:id="rId2"/>
     <p:sldId id="671" r:id="rId3"/>
     <p:sldId id="679" r:id="rId4"/>
-    <p:sldId id="674" r:id="rId5"/>
-    <p:sldId id="745" r:id="rId6"/>
-    <p:sldId id="668" r:id="rId7"/>
-    <p:sldId id="687" r:id="rId8"/>
+    <p:sldId id="829" r:id="rId5"/>
+    <p:sldId id="830" r:id="rId6"/>
+    <p:sldId id="831" r:id="rId7"/>
+    <p:sldId id="832" r:id="rId8"/>
     <p:sldId id="826" r:id="rId9"/>
     <p:sldId id="828" r:id="rId10"/>
     <p:sldId id="776" r:id="rId11"/>
@@ -42,6 +42,7 @@
     <p:sldId id="807" r:id="rId30"/>
     <p:sldId id="780" r:id="rId31"/>
     <p:sldId id="808" r:id="rId32"/>
+    <p:sldId id="729" r:id="rId33"/>
   </p:sldIdLst>
   <p:sldSz cx="12192000" cy="6858000"/>
   <p:notesSz cx="9928225" cy="6797675"/>
@@ -148,10 +149,14 @@
             <p14:sldId id="493"/>
             <p14:sldId id="671"/>
             <p14:sldId id="679"/>
-            <p14:sldId id="674"/>
-            <p14:sldId id="745"/>
-            <p14:sldId id="668"/>
-            <p14:sldId id="687"/>
+            <p14:sldId id="829"/>
+            <p14:sldId id="830"/>
+            <p14:sldId id="831"/>
+            <p14:sldId id="832"/>
+          </p14:sldIdLst>
+        </p14:section>
+        <p14:section name="Table of Contents" id="{54C0E607-BB45-499B-87B8-B7185009D149}">
+          <p14:sldIdLst>
             <p14:sldId id="826"/>
             <p14:sldId id="828"/>
           </p14:sldIdLst>
@@ -188,6 +193,11 @@
             <p14:sldId id="807"/>
             <p14:sldId id="780"/>
             <p14:sldId id="808"/>
+          </p14:sldIdLst>
+        </p14:section>
+        <p14:section name="Thank you" id="{3C1B9F4D-6B8D-4CB1-B63B-4F7C91E4B118}">
+          <p14:sldIdLst>
+            <p14:sldId id="729"/>
           </p14:sldIdLst>
         </p14:section>
       </p14:sectionLst>
@@ -295,7 +305,7 @@
           <a:p>
             <a:fld id="{CD54E0B9-A397-428E-BA01-CD7A34B572EB}" type="datetimeFigureOut">
               <a:rPr lang="en-US" smtClean="0"/>
-              <a:t>5/23/2020</a:t>
+              <a:t>5/21/2021</a:t>
             </a:fld>
             <a:endParaRPr lang="en-US"/>
           </a:p>
@@ -460,7 +470,7 @@
           <a:p>
             <a:fld id="{AA161301-18C9-4CA0-A0BF-791B6E0DDD4D}" type="datetimeFigureOut">
               <a:rPr lang="en-GB" smtClean="0"/>
-              <a:t>23/05/2020</a:t>
+              <a:t>21/05/2021</a:t>
             </a:fld>
             <a:endParaRPr lang="en-GB"/>
           </a:p>
@@ -772,7 +782,10 @@
           <a:bodyPr/>
           <a:lstStyle/>
           <a:p>
-            <a:endParaRPr lang="en-US" dirty="0"/>
+            <a:r>
+              <a:rPr lang="ro-RO" dirty="0"/>
+              <a:t>https://www.apress.com/gp/book/9781484252833</a:t>
+            </a:r>
           </a:p>
         </p:txBody>
       </p:sp>
@@ -783,7 +796,7 @@
             <a:spLocks noGrp="1"/>
           </p:cNvSpPr>
           <p:nvPr>
-            <p:ph type="sldNum" sz="quarter" idx="10"/>
+            <p:ph type="sldNum" sz="quarter" idx="5"/>
           </p:nvPr>
         </p:nvSpPr>
         <p:spPr/>
@@ -793,7 +806,7 @@
           <a:p>
             <a:fld id="{0BF20BA8-12AF-476D-99B2-894C09A4EE62}" type="slidenum">
               <a:rPr lang="en-GB" smtClean="0"/>
-              <a:t>12</a:t>
+              <a:t>4</a:t>
             </a:fld>
             <a:endParaRPr lang="en-GB"/>
           </a:p>
@@ -802,7 +815,7 @@
     </p:spTree>
     <p:extLst>
       <p:ext uri="{BB962C8B-B14F-4D97-AF65-F5344CB8AC3E}">
-        <p14:creationId xmlns:p14="http://schemas.microsoft.com/office/powerpoint/2010/main" val="2822178622"/>
+        <p14:creationId xmlns:p14="http://schemas.microsoft.com/office/powerpoint/2010/main" val="84239186"/>
       </p:ext>
     </p:extLst>
   </p:cSld>
@@ -877,7 +890,7 @@
           <a:p>
             <a:fld id="{0BF20BA8-12AF-476D-99B2-894C09A4EE62}" type="slidenum">
               <a:rPr lang="en-GB" smtClean="0"/>
-              <a:t>13</a:t>
+              <a:t>12</a:t>
             </a:fld>
             <a:endParaRPr lang="en-GB"/>
           </a:p>
@@ -886,7 +899,7 @@
     </p:spTree>
     <p:extLst>
       <p:ext uri="{BB962C8B-B14F-4D97-AF65-F5344CB8AC3E}">
-        <p14:creationId xmlns:p14="http://schemas.microsoft.com/office/powerpoint/2010/main" val="4031206487"/>
+        <p14:creationId xmlns:p14="http://schemas.microsoft.com/office/powerpoint/2010/main" val="2822178622"/>
       </p:ext>
     </p:extLst>
   </p:cSld>
@@ -940,20 +953,7 @@
           <a:bodyPr/>
           <a:lstStyle/>
           <a:p>
-            <a:r>
-              <a:rPr lang="en-US" dirty="0"/>
-              <a:t>References:</a:t>
-            </a:r>
-          </a:p>
-          <a:p>
-            <a:pPr marL="171450" indent="-171450">
-              <a:buFont typeface="Arial" panose="020B0604020202020204" pitchFamily="34" charset="0"/>
-              <a:buChar char="•"/>
-            </a:pPr>
-            <a:r>
-              <a:rPr lang="en-US" dirty="0"/>
-              <a:t>https://docs.microsoft.com/en-us/aspnet/core/security/authorization/introduction</a:t>
-            </a:r>
+            <a:endParaRPr lang="en-US" dirty="0"/>
           </a:p>
         </p:txBody>
       </p:sp>
@@ -974,7 +974,7 @@
           <a:p>
             <a:fld id="{0BF20BA8-12AF-476D-99B2-894C09A4EE62}" type="slidenum">
               <a:rPr lang="en-GB" smtClean="0"/>
-              <a:t>23</a:t>
+              <a:t>13</a:t>
             </a:fld>
             <a:endParaRPr lang="en-GB"/>
           </a:p>
@@ -983,7 +983,7 @@
     </p:spTree>
     <p:extLst>
       <p:ext uri="{BB962C8B-B14F-4D97-AF65-F5344CB8AC3E}">
-        <p14:creationId xmlns:p14="http://schemas.microsoft.com/office/powerpoint/2010/main" val="3113063788"/>
+        <p14:creationId xmlns:p14="http://schemas.microsoft.com/office/powerpoint/2010/main" val="4031206487"/>
       </p:ext>
     </p:extLst>
   </p:cSld>
@@ -1071,6 +1071,103 @@
           <a:p>
             <a:fld id="{0BF20BA8-12AF-476D-99B2-894C09A4EE62}" type="slidenum">
               <a:rPr lang="en-GB" smtClean="0"/>
+              <a:t>23</a:t>
+            </a:fld>
+            <a:endParaRPr lang="en-GB"/>
+          </a:p>
+        </p:txBody>
+      </p:sp>
+    </p:spTree>
+    <p:extLst>
+      <p:ext uri="{BB962C8B-B14F-4D97-AF65-F5344CB8AC3E}">
+        <p14:creationId xmlns:p14="http://schemas.microsoft.com/office/powerpoint/2010/main" val="3113063788"/>
+      </p:ext>
+    </p:extLst>
+  </p:cSld>
+  <p:clrMapOvr>
+    <a:masterClrMapping/>
+  </p:clrMapOvr>
+</p:notes>
+</file>
+
+<file path=ppt/notesSlides/notesSlide5.xml><?xml version="1.0" encoding="utf-8"?>
+<p:notes xmlns:a="http://schemas.openxmlformats.org/drawingml/2006/main" xmlns:r="http://schemas.openxmlformats.org/officeDocument/2006/relationships" xmlns:p="http://schemas.openxmlformats.org/presentationml/2006/main">
+  <p:cSld>
+    <p:spTree>
+      <p:nvGrpSpPr>
+        <p:cNvPr id="1" name=""/>
+        <p:cNvGrpSpPr/>
+        <p:nvPr/>
+      </p:nvGrpSpPr>
+      <p:grpSpPr>
+        <a:xfrm>
+          <a:off x="0" y="0"/>
+          <a:ext cx="0" cy="0"/>
+          <a:chOff x="0" y="0"/>
+          <a:chExt cx="0" cy="0"/>
+        </a:xfrm>
+      </p:grpSpPr>
+      <p:sp>
+        <p:nvSpPr>
+          <p:cNvPr id="2" name="Slide Image Placeholder 1"/>
+          <p:cNvSpPr>
+            <a:spLocks noGrp="1" noRot="1" noChangeAspect="1"/>
+          </p:cNvSpPr>
+          <p:nvPr>
+            <p:ph type="sldImg"/>
+          </p:nvPr>
+        </p:nvSpPr>
+        <p:spPr/>
+      </p:sp>
+      <p:sp>
+        <p:nvSpPr>
+          <p:cNvPr id="3" name="Notes Placeholder 2"/>
+          <p:cNvSpPr>
+            <a:spLocks noGrp="1"/>
+          </p:cNvSpPr>
+          <p:nvPr>
+            <p:ph type="body" idx="1"/>
+          </p:nvPr>
+        </p:nvSpPr>
+        <p:spPr/>
+        <p:txBody>
+          <a:bodyPr/>
+          <a:lstStyle/>
+          <a:p>
+            <a:r>
+              <a:rPr lang="en-US" dirty="0"/>
+              <a:t>References:</a:t>
+            </a:r>
+          </a:p>
+          <a:p>
+            <a:pPr marL="171450" indent="-171450">
+              <a:buFont typeface="Arial" panose="020B0604020202020204" pitchFamily="34" charset="0"/>
+              <a:buChar char="•"/>
+            </a:pPr>
+            <a:r>
+              <a:rPr lang="en-US" dirty="0"/>
+              <a:t>https://docs.microsoft.com/en-us/aspnet/core/security/authorization/introduction</a:t>
+            </a:r>
+          </a:p>
+        </p:txBody>
+      </p:sp>
+      <p:sp>
+        <p:nvSpPr>
+          <p:cNvPr id="4" name="Slide Number Placeholder 3"/>
+          <p:cNvSpPr>
+            <a:spLocks noGrp="1"/>
+          </p:cNvSpPr>
+          <p:nvPr>
+            <p:ph type="sldNum" sz="quarter" idx="10"/>
+          </p:nvPr>
+        </p:nvSpPr>
+        <p:spPr/>
+        <p:txBody>
+          <a:bodyPr/>
+          <a:lstStyle/>
+          <a:p>
+            <a:fld id="{0BF20BA8-12AF-476D-99B2-894C09A4EE62}" type="slidenum">
+              <a:rPr lang="en-GB" smtClean="0"/>
               <a:t>24</a:t>
             </a:fld>
             <a:endParaRPr lang="en-GB"/>
@@ -1090,7 +1187,7 @@
 </p:notes>
 </file>
 
-<file path=ppt/notesSlides/notesSlide5.xml><?xml version="1.0" encoding="utf-8"?>
+<file path=ppt/notesSlides/notesSlide6.xml><?xml version="1.0" encoding="utf-8"?>
 <p:notes xmlns:a="http://schemas.openxmlformats.org/drawingml/2006/main" xmlns:r="http://schemas.openxmlformats.org/officeDocument/2006/relationships" xmlns:p="http://schemas.openxmlformats.org/presentationml/2006/main">
   <p:cSld>
     <p:spTree>
@@ -21210,6 +21307,70 @@
 </p:sld>
 </file>
 
+<file path=ppt/slides/slide32.xml><?xml version="1.0" encoding="utf-8"?>
+<p:sld xmlns:a="http://schemas.openxmlformats.org/drawingml/2006/main" xmlns:r="http://schemas.openxmlformats.org/officeDocument/2006/relationships" xmlns:p="http://schemas.openxmlformats.org/presentationml/2006/main">
+  <p:cSld>
+    <p:spTree>
+      <p:nvGrpSpPr>
+        <p:cNvPr id="1" name=""/>
+        <p:cNvGrpSpPr/>
+        <p:nvPr/>
+      </p:nvGrpSpPr>
+      <p:grpSpPr>
+        <a:xfrm>
+          <a:off x="0" y="0"/>
+          <a:ext cx="0" cy="0"/>
+          <a:chOff x="0" y="0"/>
+          <a:chExt cx="0" cy="0"/>
+        </a:xfrm>
+      </p:grpSpPr>
+      <p:sp>
+        <p:nvSpPr>
+          <p:cNvPr id="4" name="Title 3"/>
+          <p:cNvSpPr>
+            <a:spLocks noGrp="1"/>
+          </p:cNvSpPr>
+          <p:nvPr>
+            <p:ph type="title"/>
+          </p:nvPr>
+        </p:nvSpPr>
+        <p:spPr/>
+        <p:txBody>
+          <a:bodyPr/>
+          <a:lstStyle/>
+          <a:p>
+            <a:r>
+              <a:rPr lang="en-US" dirty="0"/>
+              <a:t>Thank you!</a:t>
+            </a:r>
+          </a:p>
+        </p:txBody>
+      </p:sp>
+    </p:spTree>
+    <p:extLst>
+      <p:ext uri="{BB962C8B-B14F-4D97-AF65-F5344CB8AC3E}">
+        <p14:creationId xmlns:p14="http://schemas.microsoft.com/office/powerpoint/2010/main" val="3366205155"/>
+      </p:ext>
+    </p:extLst>
+  </p:cSld>
+  <p:clrMapOvr>
+    <a:masterClrMapping/>
+  </p:clrMapOvr>
+  <mc:AlternateContent xmlns:mc="http://schemas.openxmlformats.org/markup-compatibility/2006" xmlns:p14="http://schemas.microsoft.com/office/powerpoint/2010/main">
+    <mc:Choice Requires="p14">
+      <p:transition spd="med" p14:dur="700" advClick="0" advTm="1500">
+        <p:fade/>
+      </p:transition>
+    </mc:Choice>
+    <mc:Fallback xmlns="">
+      <p:transition spd="med" advClick="0" advTm="1500">
+        <p:fade/>
+      </p:transition>
+    </mc:Fallback>
+  </mc:AlternateContent>
+</p:sld>
+</file>
+
 <file path=ppt/slides/slide4.xml><?xml version="1.0" encoding="utf-8"?>
 <p:sld xmlns:a="http://schemas.openxmlformats.org/drawingml/2006/main" xmlns:r="http://schemas.openxmlformats.org/officeDocument/2006/relationships" xmlns:p="http://schemas.openxmlformats.org/presentationml/2006/main">
   <p:cSld>
@@ -21275,7 +21436,7 @@
             </a:pPr>
             <a:r>
               <a:rPr lang="en-US" b="1" dirty="0"/>
-              <a:t>Pro ASP.NET Core MVC 2</a:t>
+              <a:t>Pro ASP.NET Core 3</a:t>
             </a:r>
           </a:p>
           <a:p>
@@ -21295,7 +21456,7 @@
             </a:pPr>
             <a:r>
               <a:rPr lang="en-US" dirty="0"/>
-              <a:t>Now in its 7th edition, the best selling book on MVC is now updated for ASP.NET Core MVC.</a:t>
+              <a:t>Now in its 8th edition, the best-selling book on MVC is now updated for ASP.NET Core.</a:t>
             </a:r>
           </a:p>
           <a:p>
@@ -21305,9 +21466,9 @@
             </a:pPr>
             <a:r>
               <a:rPr lang="en-US" dirty="0">
-                <a:hlinkClick r:id="rId2"/>
-              </a:rPr>
-              <a:t>https://www.apress.com/gp/book/9781484231494</a:t>
+                <a:hlinkClick r:id="rId3"/>
+              </a:rPr>
+              <a:t>https://www.apress.com/gp/book/9781484254394</a:t>
             </a:r>
             <a:endParaRPr lang="en-US" dirty="0"/>
           </a:p>
@@ -21318,14 +21479,10 @@
             </a:pPr>
             <a:r>
               <a:rPr lang="en-US" dirty="0">
-                <a:hlinkClick r:id="rId3"/>
-              </a:rPr>
-              <a:t>https://github.com/apress/pro-asp.net-core-mvc-2</a:t>
-            </a:r>
-            <a:endParaRPr lang="en-US" dirty="0"/>
-          </a:p>
-          <a:p>
-            <a:pPr lvl="1"/>
+                <a:hlinkClick r:id="rId4"/>
+              </a:rPr>
+              <a:t>https://github.com/Apress/pro-asp.net-core-3</a:t>
+            </a:r>
             <a:endParaRPr lang="en-US" dirty="0"/>
           </a:p>
         </p:txBody>
@@ -21354,55 +21511,44 @@
       </p:sp>
       <p:pic>
         <p:nvPicPr>
-          <p:cNvPr id="1028" name="Picture 4" descr="https://images-na.ssl-images-amazon.com/images/I/51U5-MDFiqL._SX348_BO1,204,203,200_.jpg">
+          <p:cNvPr id="6" name="Picture 5" descr="Logo&#10;&#10;Description automatically generated with low confidence">
             <a:extLst>
               <a:ext uri="{FF2B5EF4-FFF2-40B4-BE49-F238E27FC236}">
-                <a16:creationId xmlns:a16="http://schemas.microsoft.com/office/drawing/2014/main" id="{B365DAE5-A9DC-49FD-BF99-291F47833E9B}"/>
+                <a16:creationId xmlns:a16="http://schemas.microsoft.com/office/drawing/2014/main" id="{0F3DD0FD-3F60-4B52-98E7-47546BC390D4}"/>
               </a:ext>
             </a:extLst>
           </p:cNvPr>
           <p:cNvPicPr>
-            <a:picLocks noChangeAspect="1" noChangeArrowheads="1"/>
+            <a:picLocks noChangeAspect="1"/>
           </p:cNvPicPr>
           <p:nvPr/>
         </p:nvPicPr>
         <p:blipFill>
-          <a:blip r:embed="rId4">
+          <a:blip r:embed="rId5" cstate="print">
             <a:extLst>
               <a:ext uri="{28A0092B-C50C-407E-A947-70E740481C1C}">
                 <a14:useLocalDpi xmlns:a14="http://schemas.microsoft.com/office/drawing/2010/main" val="0"/>
               </a:ext>
             </a:extLst>
           </a:blip>
-          <a:srcRect/>
           <a:stretch>
             <a:fillRect/>
           </a:stretch>
         </p:blipFill>
-        <p:spPr bwMode="auto">
+        <p:spPr>
           <a:xfrm>
-            <a:off x="8062106" y="1401382"/>
-            <a:ext cx="3333750" cy="4752975"/>
+            <a:off x="8040216" y="1556792"/>
+            <a:ext cx="3240360" cy="4306113"/>
           </a:xfrm>
           <a:prstGeom prst="rect">
             <a:avLst/>
           </a:prstGeom>
-          <a:noFill/>
-          <a:extLst>
-            <a:ext uri="{909E8E84-426E-40DD-AFC4-6F175D3DCCD1}">
-              <a14:hiddenFill xmlns:a14="http://schemas.microsoft.com/office/drawing/2010/main">
-                <a:solidFill>
-                  <a:srgbClr val="FFFFFF"/>
-                </a:solidFill>
-              </a14:hiddenFill>
-            </a:ext>
-          </a:extLst>
         </p:spPr>
       </p:pic>
     </p:spTree>
     <p:extLst>
       <p:ext uri="{BB962C8B-B14F-4D97-AF65-F5344CB8AC3E}">
-        <p14:creationId xmlns:p14="http://schemas.microsoft.com/office/powerpoint/2010/main" val="3064523811"/>
+        <p14:creationId xmlns:p14="http://schemas.microsoft.com/office/powerpoint/2010/main" val="930814865"/>
       </p:ext>
     </p:extLst>
   </p:cSld>
@@ -21636,7 +21782,7 @@
     </p:spTree>
     <p:extLst>
       <p:ext uri="{BB962C8B-B14F-4D97-AF65-F5344CB8AC3E}">
-        <p14:creationId xmlns:p14="http://schemas.microsoft.com/office/powerpoint/2010/main" val="2735732462"/>
+        <p14:creationId xmlns:p14="http://schemas.microsoft.com/office/powerpoint/2010/main" val="3449755432"/>
       </p:ext>
     </p:extLst>
   </p:cSld>
@@ -21836,7 +21982,7 @@
     </p:spTree>
     <p:extLst>
       <p:ext uri="{BB962C8B-B14F-4D97-AF65-F5344CB8AC3E}">
-        <p14:creationId xmlns:p14="http://schemas.microsoft.com/office/powerpoint/2010/main" val="1876554303"/>
+        <p14:creationId xmlns:p14="http://schemas.microsoft.com/office/powerpoint/2010/main" val="3351431601"/>
       </p:ext>
     </p:extLst>
   </p:cSld>
@@ -21960,7 +22106,7 @@
               <a:rPr lang="en-US" u="sng" dirty="0">
                 <a:hlinkClick r:id="rId3"/>
               </a:rPr>
-              <a:t>https://docs.microsoft.com/en-us/dotnet/api/?view=aspnetcore-2.2</a:t>
+              <a:t>https://docs.microsoft.com/en-us/dotnet/api/?view=net-5.0</a:t>
             </a:r>
             <a:endParaRPr lang="en-US" u="sng" dirty="0"/>
           </a:p>
@@ -22048,7 +22194,7 @@
     </p:spTree>
     <p:extLst>
       <p:ext uri="{BB962C8B-B14F-4D97-AF65-F5344CB8AC3E}">
-        <p14:creationId xmlns:p14="http://schemas.microsoft.com/office/powerpoint/2010/main" val="677238849"/>
+        <p14:creationId xmlns:p14="http://schemas.microsoft.com/office/powerpoint/2010/main" val="411187684"/>
       </p:ext>
     </p:extLst>
   </p:cSld>

--- a/Presentation ASPNET MVC Core - Part II.pptx
+++ b/Presentation ASPNET MVC Core - Part II.pptx
@@ -5,10 +5,10 @@
     <p:sldMasterId id="2147483648" r:id="rId1"/>
   </p:sldMasterIdLst>
   <p:notesMasterIdLst>
-    <p:notesMasterId r:id="rId34"/>
+    <p:notesMasterId r:id="rId36"/>
   </p:notesMasterIdLst>
   <p:handoutMasterIdLst>
-    <p:handoutMasterId r:id="rId35"/>
+    <p:handoutMasterId r:id="rId37"/>
   </p:handoutMasterIdLst>
   <p:sldIdLst>
     <p:sldId id="493" r:id="rId2"/>
@@ -42,7 +42,9 @@
     <p:sldId id="807" r:id="rId30"/>
     <p:sldId id="780" r:id="rId31"/>
     <p:sldId id="808" r:id="rId32"/>
-    <p:sldId id="729" r:id="rId33"/>
+    <p:sldId id="833" r:id="rId33"/>
+    <p:sldId id="834" r:id="rId34"/>
+    <p:sldId id="729" r:id="rId35"/>
   </p:sldIdLst>
   <p:sldSz cx="12192000" cy="6858000"/>
   <p:notesSz cx="9928225" cy="6797675"/>
@@ -193,6 +195,8 @@
             <p14:sldId id="807"/>
             <p14:sldId id="780"/>
             <p14:sldId id="808"/>
+            <p14:sldId id="833"/>
+            <p14:sldId id="834"/>
           </p14:sldIdLst>
         </p14:section>
         <p14:section name="Thank you" id="{3C1B9F4D-6B8D-4CB1-B63B-4F7C91E4B118}">
@@ -305,7 +309,7 @@
           <a:p>
             <a:fld id="{CD54E0B9-A397-428E-BA01-CD7A34B572EB}" type="datetimeFigureOut">
               <a:rPr lang="en-US" smtClean="0"/>
-              <a:t>5/21/2021</a:t>
+              <a:t>5/23/2021</a:t>
             </a:fld>
             <a:endParaRPr lang="en-US"/>
           </a:p>
@@ -470,7 +474,7 @@
           <a:p>
             <a:fld id="{AA161301-18C9-4CA0-A0BF-791B6E0DDD4D}" type="datetimeFigureOut">
               <a:rPr lang="en-GB" smtClean="0"/>
-              <a:t>21/05/2021</a:t>
+              <a:t>23/05/2021</a:t>
             </a:fld>
             <a:endParaRPr lang="en-GB"/>
           </a:p>
@@ -20833,6 +20837,23 @@
               <a:buFont typeface="Wingdings" panose="05000000000000000000" pitchFamily="2" charset="2"/>
               <a:buChar char="§"/>
             </a:pPr>
+            <a:endParaRPr lang="en-US" dirty="0"/>
+          </a:p>
+          <a:p>
+            <a:pPr marL="342900" indent="-342900">
+              <a:buFont typeface="Wingdings" panose="05000000000000000000" pitchFamily="2" charset="2"/>
+              <a:buChar char="§"/>
+            </a:pPr>
+            <a:endParaRPr lang="en-US" dirty="0"/>
+          </a:p>
+          <a:p>
+            <a:pPr marL="342900" indent="-342900">
+              <a:buFont typeface="Wingdings" panose="05000000000000000000" pitchFamily="2" charset="2"/>
+              <a:buChar char="§"/>
+            </a:pPr>
+            <a:endParaRPr lang="en-US" dirty="0"/>
+          </a:p>
+          <a:p>
             <a:r>
               <a:rPr lang="en-US" dirty="0"/>
               <a:t>Further reading: </a:t>
@@ -20841,9 +20862,42 @@
               <a:rPr lang="en-US" dirty="0">
                 <a:hlinkClick r:id="rId2"/>
               </a:rPr>
-              <a:t>link</a:t>
-            </a:r>
-            <a:endParaRPr lang="en-US" dirty="0"/>
+              <a:t>docs.microsoft.com/</a:t>
+            </a:r>
+            <a:r>
+              <a:rPr lang="en-US" dirty="0" err="1">
+                <a:hlinkClick r:id="rId2"/>
+              </a:rPr>
+              <a:t>en</a:t>
+            </a:r>
+            <a:r>
+              <a:rPr lang="en-US" dirty="0">
+                <a:hlinkClick r:id="rId2"/>
+              </a:rPr>
+              <a:t>-us/</a:t>
+            </a:r>
+            <a:r>
+              <a:rPr lang="en-US" dirty="0" err="1">
+                <a:hlinkClick r:id="rId2"/>
+              </a:rPr>
+              <a:t>aspnet</a:t>
+            </a:r>
+            <a:r>
+              <a:rPr lang="en-US" dirty="0">
+                <a:hlinkClick r:id="rId2"/>
+              </a:rPr>
+              <a:t>/core/security/enforcing-</a:t>
+            </a:r>
+            <a:r>
+              <a:rPr lang="en-US" dirty="0" err="1">
+                <a:hlinkClick r:id="rId2"/>
+              </a:rPr>
+              <a:t>ssl</a:t>
+            </a:r>
+            <a:r>
+              <a:rPr lang="en-US" dirty="0"/>
+              <a:t> </a:t>
+            </a:r>
           </a:p>
         </p:txBody>
       </p:sp>
@@ -20889,8 +20943,8 @@
         </p:nvSpPr>
         <p:spPr>
           <a:xfrm>
-            <a:off x="1127448" y="2178104"/>
-            <a:ext cx="9356476" cy="1754326"/>
+            <a:off x="1503562" y="2204864"/>
+            <a:ext cx="9356476" cy="2862322"/>
           </a:xfrm>
           <a:prstGeom prst="rect">
             <a:avLst/>
@@ -20906,33 +20960,163 @@
           <a:lstStyle/>
           <a:p>
             <a:r>
-              <a:rPr lang="en-US" dirty="0">
-                <a:solidFill>
-                  <a:srgbClr val="008000"/>
-                </a:solidFill>
-                <a:latin typeface="Consolas" panose="020B0609020204030204" pitchFamily="49" charset="0"/>
-              </a:rPr>
-              <a:t>// Requires using </a:t>
-            </a:r>
-            <a:r>
-              <a:rPr lang="en-US" dirty="0" err="1">
-                <a:solidFill>
-                  <a:srgbClr val="008000"/>
-                </a:solidFill>
-                <a:latin typeface="Consolas" panose="020B0609020204030204" pitchFamily="49" charset="0"/>
-              </a:rPr>
-              <a:t>Microsoft.AspNetCore.Rewrite</a:t>
-            </a:r>
-            <a:r>
-              <a:rPr lang="en-US" dirty="0">
-                <a:solidFill>
-                  <a:srgbClr val="008000"/>
-                </a:solidFill>
-                <a:latin typeface="Consolas" panose="020B0609020204030204" pitchFamily="49" charset="0"/>
-              </a:rPr>
-              <a:t>;</a:t>
-            </a:r>
-            <a:endParaRPr lang="en-US" dirty="0">
+              <a:rPr lang="ro-RO" sz="1800" dirty="0">
+                <a:solidFill>
+                  <a:srgbClr val="0000FF"/>
+                </a:solidFill>
+                <a:latin typeface="Consolas" panose="020B0609020204030204" pitchFamily="49" charset="0"/>
+              </a:rPr>
+              <a:t>public</a:t>
+            </a:r>
+            <a:r>
+              <a:rPr lang="ro-RO" sz="1800" dirty="0">
+                <a:solidFill>
+                  <a:srgbClr val="000000"/>
+                </a:solidFill>
+                <a:latin typeface="Consolas" panose="020B0609020204030204" pitchFamily="49" charset="0"/>
+              </a:rPr>
+              <a:t> </a:t>
+            </a:r>
+            <a:r>
+              <a:rPr lang="ro-RO" sz="1800" dirty="0" err="1">
+                <a:solidFill>
+                  <a:srgbClr val="0000FF"/>
+                </a:solidFill>
+                <a:latin typeface="Consolas" panose="020B0609020204030204" pitchFamily="49" charset="0"/>
+              </a:rPr>
+              <a:t>void</a:t>
+            </a:r>
+            <a:r>
+              <a:rPr lang="ro-RO" sz="1800" dirty="0">
+                <a:solidFill>
+                  <a:srgbClr val="000000"/>
+                </a:solidFill>
+                <a:latin typeface="Consolas" panose="020B0609020204030204" pitchFamily="49" charset="0"/>
+              </a:rPr>
+              <a:t> </a:t>
+            </a:r>
+            <a:r>
+              <a:rPr lang="ro-RO" sz="1800" dirty="0" err="1">
+                <a:solidFill>
+                  <a:srgbClr val="000000"/>
+                </a:solidFill>
+                <a:latin typeface="Consolas" panose="020B0609020204030204" pitchFamily="49" charset="0"/>
+              </a:rPr>
+              <a:t>Configure</a:t>
+            </a:r>
+            <a:r>
+              <a:rPr lang="ro-RO" sz="1800" dirty="0">
+                <a:solidFill>
+                  <a:srgbClr val="000000"/>
+                </a:solidFill>
+                <a:latin typeface="Consolas" panose="020B0609020204030204" pitchFamily="49" charset="0"/>
+              </a:rPr>
+              <a:t>(</a:t>
+            </a:r>
+            <a:r>
+              <a:rPr lang="ro-RO" sz="1800" dirty="0" err="1">
+                <a:solidFill>
+                  <a:srgbClr val="000000"/>
+                </a:solidFill>
+                <a:latin typeface="Consolas" panose="020B0609020204030204" pitchFamily="49" charset="0"/>
+              </a:rPr>
+              <a:t>IApplicationBuilder</a:t>
+            </a:r>
+            <a:r>
+              <a:rPr lang="ro-RO" sz="1800" dirty="0">
+                <a:solidFill>
+                  <a:srgbClr val="000000"/>
+                </a:solidFill>
+                <a:latin typeface="Consolas" panose="020B0609020204030204" pitchFamily="49" charset="0"/>
+              </a:rPr>
+              <a:t> </a:t>
+            </a:r>
+            <a:r>
+              <a:rPr lang="ro-RO" sz="1800" dirty="0" err="1">
+                <a:solidFill>
+                  <a:srgbClr val="000000"/>
+                </a:solidFill>
+                <a:latin typeface="Consolas" panose="020B0609020204030204" pitchFamily="49" charset="0"/>
+              </a:rPr>
+              <a:t>app</a:t>
+            </a:r>
+            <a:r>
+              <a:rPr lang="ro-RO" sz="1800" dirty="0">
+                <a:solidFill>
+                  <a:srgbClr val="000000"/>
+                </a:solidFill>
+                <a:latin typeface="Consolas" panose="020B0609020204030204" pitchFamily="49" charset="0"/>
+              </a:rPr>
+              <a:t>, </a:t>
+            </a:r>
+            <a:r>
+              <a:rPr lang="ro-RO" sz="1800" dirty="0" err="1">
+                <a:solidFill>
+                  <a:srgbClr val="000000"/>
+                </a:solidFill>
+                <a:latin typeface="Consolas" panose="020B0609020204030204" pitchFamily="49" charset="0"/>
+              </a:rPr>
+              <a:t>IHostingEnvironment</a:t>
+            </a:r>
+            <a:r>
+              <a:rPr lang="ro-RO" sz="1800" dirty="0">
+                <a:solidFill>
+                  <a:srgbClr val="000000"/>
+                </a:solidFill>
+                <a:latin typeface="Consolas" panose="020B0609020204030204" pitchFamily="49" charset="0"/>
+              </a:rPr>
+              <a:t> </a:t>
+            </a:r>
+            <a:r>
+              <a:rPr lang="ro-RO" sz="1800" dirty="0" err="1">
+                <a:solidFill>
+                  <a:srgbClr val="000000"/>
+                </a:solidFill>
+                <a:latin typeface="Consolas" panose="020B0609020204030204" pitchFamily="49" charset="0"/>
+              </a:rPr>
+              <a:t>env</a:t>
+            </a:r>
+            <a:r>
+              <a:rPr lang="ro-RO" sz="1800" dirty="0">
+                <a:solidFill>
+                  <a:srgbClr val="000000"/>
+                </a:solidFill>
+                <a:latin typeface="Consolas" panose="020B0609020204030204" pitchFamily="49" charset="0"/>
+              </a:rPr>
+              <a:t>)</a:t>
+            </a:r>
+          </a:p>
+          <a:p>
+            <a:r>
+              <a:rPr lang="ro-RO" sz="1800" dirty="0">
+                <a:solidFill>
+                  <a:srgbClr val="000000"/>
+                </a:solidFill>
+                <a:latin typeface="Consolas" panose="020B0609020204030204" pitchFamily="49" charset="0"/>
+              </a:rPr>
+              <a:t>{</a:t>
+            </a:r>
+          </a:p>
+          <a:p>
+            <a:r>
+              <a:rPr lang="ro-RO" sz="1800" dirty="0">
+                <a:solidFill>
+                  <a:srgbClr val="000000"/>
+                </a:solidFill>
+                <a:latin typeface="Consolas" panose="020B0609020204030204" pitchFamily="49" charset="0"/>
+              </a:rPr>
+              <a:t>    </a:t>
+            </a:r>
+            <a:r>
+              <a:rPr lang="en-US" sz="1800" dirty="0">
+                <a:solidFill>
+                  <a:srgbClr val="0000FF"/>
+                </a:solidFill>
+                <a:latin typeface="Consolas" panose="020B0609020204030204" pitchFamily="49" charset="0"/>
+              </a:rPr>
+              <a:t>…...</a:t>
+            </a:r>
+            <a:endParaRPr lang="ro-RO" sz="1800" dirty="0">
               <a:solidFill>
                 <a:srgbClr val="000000"/>
               </a:solidFill>
@@ -20940,178 +21124,37 @@
             </a:endParaRPr>
           </a:p>
           <a:p>
-            <a:r>
-              <a:rPr lang="en-US" dirty="0">
-                <a:solidFill>
-                  <a:srgbClr val="0000FF"/>
-                </a:solidFill>
-                <a:latin typeface="Consolas" panose="020B0609020204030204" pitchFamily="49" charset="0"/>
-              </a:rPr>
-              <a:t>public</a:t>
-            </a:r>
-            <a:r>
-              <a:rPr lang="en-US" dirty="0">
-                <a:solidFill>
-                  <a:srgbClr val="000000"/>
-                </a:solidFill>
-                <a:latin typeface="Consolas" panose="020B0609020204030204" pitchFamily="49" charset="0"/>
-              </a:rPr>
-              <a:t> </a:t>
-            </a:r>
-            <a:r>
-              <a:rPr lang="en-US" dirty="0">
-                <a:solidFill>
-                  <a:srgbClr val="0000FF"/>
-                </a:solidFill>
-                <a:latin typeface="Consolas" panose="020B0609020204030204" pitchFamily="49" charset="0"/>
-              </a:rPr>
-              <a:t>void</a:t>
-            </a:r>
-            <a:r>
-              <a:rPr lang="en-US" dirty="0">
-                <a:solidFill>
-                  <a:srgbClr val="000000"/>
-                </a:solidFill>
-                <a:latin typeface="Consolas" panose="020B0609020204030204" pitchFamily="49" charset="0"/>
-              </a:rPr>
-              <a:t> </a:t>
-            </a:r>
-            <a:r>
-              <a:rPr lang="en-US" dirty="0">
-                <a:solidFill>
-                  <a:srgbClr val="795E26"/>
-                </a:solidFill>
-                <a:latin typeface="Consolas" panose="020B0609020204030204" pitchFamily="49" charset="0"/>
-              </a:rPr>
-              <a:t>Configure</a:t>
-            </a:r>
-            <a:r>
-              <a:rPr lang="en-US" dirty="0">
-                <a:solidFill>
-                  <a:srgbClr val="000000"/>
-                </a:solidFill>
-                <a:latin typeface="Consolas" panose="020B0609020204030204" pitchFamily="49" charset="0"/>
-              </a:rPr>
-              <a:t>(</a:t>
-            </a:r>
-            <a:r>
-              <a:rPr lang="en-US" dirty="0" err="1">
-                <a:solidFill>
-                  <a:srgbClr val="267F99"/>
-                </a:solidFill>
-                <a:latin typeface="Consolas" panose="020B0609020204030204" pitchFamily="49" charset="0"/>
-              </a:rPr>
-              <a:t>IApplicationBuilder</a:t>
-            </a:r>
-            <a:r>
-              <a:rPr lang="en-US" dirty="0">
-                <a:solidFill>
-                  <a:srgbClr val="000000"/>
-                </a:solidFill>
-                <a:latin typeface="Consolas" panose="020B0609020204030204" pitchFamily="49" charset="0"/>
-              </a:rPr>
-              <a:t> app, </a:t>
-            </a:r>
-            <a:r>
-              <a:rPr lang="en-US" dirty="0" err="1">
-                <a:solidFill>
-                  <a:srgbClr val="267F99"/>
-                </a:solidFill>
-                <a:latin typeface="Consolas" panose="020B0609020204030204" pitchFamily="49" charset="0"/>
-              </a:rPr>
-              <a:t>IHostingEnvironment</a:t>
-            </a:r>
-            <a:r>
-              <a:rPr lang="en-US" dirty="0">
-                <a:solidFill>
-                  <a:srgbClr val="000000"/>
-                </a:solidFill>
-                <a:latin typeface="Consolas" panose="020B0609020204030204" pitchFamily="49" charset="0"/>
-              </a:rPr>
-              <a:t> </a:t>
-            </a:r>
-            <a:r>
-              <a:rPr lang="en-US" dirty="0" err="1">
-                <a:solidFill>
-                  <a:srgbClr val="000000"/>
-                </a:solidFill>
-                <a:latin typeface="Consolas" panose="020B0609020204030204" pitchFamily="49" charset="0"/>
-              </a:rPr>
-              <a:t>env</a:t>
-            </a:r>
-            <a:r>
-              <a:rPr lang="en-US" dirty="0">
-                <a:solidFill>
-                  <a:srgbClr val="000000"/>
-                </a:solidFill>
-                <a:latin typeface="Consolas" panose="020B0609020204030204" pitchFamily="49" charset="0"/>
-              </a:rPr>
-              <a:t>, </a:t>
-            </a:r>
-            <a:r>
-              <a:rPr lang="en-US" dirty="0" err="1">
-                <a:solidFill>
-                  <a:srgbClr val="267F99"/>
-                </a:solidFill>
-                <a:latin typeface="Consolas" panose="020B0609020204030204" pitchFamily="49" charset="0"/>
-              </a:rPr>
-              <a:t>ILoggerFactory</a:t>
-            </a:r>
-            <a:r>
-              <a:rPr lang="en-US" dirty="0">
-                <a:solidFill>
-                  <a:srgbClr val="000000"/>
-                </a:solidFill>
-                <a:latin typeface="Consolas" panose="020B0609020204030204" pitchFamily="49" charset="0"/>
-              </a:rPr>
-              <a:t> </a:t>
-            </a:r>
-            <a:r>
-              <a:rPr lang="en-US" dirty="0" err="1">
-                <a:solidFill>
-                  <a:srgbClr val="000000"/>
-                </a:solidFill>
-                <a:latin typeface="Consolas" panose="020B0609020204030204" pitchFamily="49" charset="0"/>
-              </a:rPr>
-              <a:t>loggerFactory</a:t>
-            </a:r>
-            <a:r>
-              <a:rPr lang="en-US" dirty="0">
-                <a:solidFill>
-                  <a:srgbClr val="000000"/>
-                </a:solidFill>
-                <a:latin typeface="Consolas" panose="020B0609020204030204" pitchFamily="49" charset="0"/>
-              </a:rPr>
-              <a:t>)</a:t>
-            </a:r>
-          </a:p>
-          <a:p>
-            <a:r>
-              <a:rPr lang="en-US" dirty="0">
-                <a:solidFill>
-                  <a:srgbClr val="000000"/>
-                </a:solidFill>
-                <a:latin typeface="Consolas" panose="020B0609020204030204" pitchFamily="49" charset="0"/>
-              </a:rPr>
-              <a:t>{</a:t>
-            </a:r>
-          </a:p>
-          <a:p>
-            <a:pPr lvl="1"/>
-            <a:r>
-              <a:rPr lang="en-US" dirty="0" err="1">
-                <a:solidFill>
-                  <a:srgbClr val="0000FF"/>
+            <a:endParaRPr lang="ro-RO" sz="1800" dirty="0">
+              <a:solidFill>
+                <a:srgbClr val="000000"/>
+              </a:solidFill>
+              <a:latin typeface="Consolas" panose="020B0609020204030204" pitchFamily="49" charset="0"/>
+            </a:endParaRPr>
+          </a:p>
+          <a:p>
+            <a:r>
+              <a:rPr lang="ro-RO" sz="1800" dirty="0">
+                <a:solidFill>
+                  <a:srgbClr val="000000"/>
+                </a:solidFill>
+                <a:latin typeface="Consolas" panose="020B0609020204030204" pitchFamily="49" charset="0"/>
+              </a:rPr>
+              <a:t>    </a:t>
+            </a:r>
+            <a:r>
+              <a:rPr lang="ro-RO" sz="1800" dirty="0" err="1">
+                <a:solidFill>
+                  <a:srgbClr val="000000"/>
                 </a:solidFill>
                 <a:highlight>
                   <a:srgbClr val="FFFF00"/>
                 </a:highlight>
                 <a:latin typeface="Consolas" panose="020B0609020204030204" pitchFamily="49" charset="0"/>
               </a:rPr>
-              <a:t>var</a:t>
-            </a:r>
-            <a:r>
-              <a:rPr lang="en-US" dirty="0">
+              <a:t>app.UseHttpsRedirection</a:t>
+            </a:r>
+            <a:r>
+              <a:rPr lang="ro-RO" sz="1800" dirty="0">
                 <a:solidFill>
                   <a:srgbClr val="000000"/>
                 </a:solidFill>
@@ -21120,154 +21163,113 @@
                 </a:highlight>
                 <a:latin typeface="Consolas" panose="020B0609020204030204" pitchFamily="49" charset="0"/>
               </a:rPr>
-              <a:t> options = </a:t>
-            </a:r>
-            <a:r>
-              <a:rPr lang="en-US" dirty="0">
-                <a:solidFill>
-                  <a:srgbClr val="0000FF"/>
-                </a:solidFill>
-                <a:highlight>
-                  <a:srgbClr val="FFFF00"/>
-                </a:highlight>
-                <a:latin typeface="Consolas" panose="020B0609020204030204" pitchFamily="49" charset="0"/>
-              </a:rPr>
-              <a:t>new</a:t>
-            </a:r>
-            <a:r>
-              <a:rPr lang="en-US" dirty="0">
-                <a:solidFill>
-                  <a:srgbClr val="000000"/>
-                </a:solidFill>
-                <a:highlight>
-                  <a:srgbClr val="FFFF00"/>
-                </a:highlight>
-                <a:latin typeface="Consolas" panose="020B0609020204030204" pitchFamily="49" charset="0"/>
-              </a:rPr>
-              <a:t> </a:t>
-            </a:r>
-            <a:r>
-              <a:rPr lang="en-US" dirty="0" err="1">
-                <a:solidFill>
-                  <a:srgbClr val="267F99"/>
-                </a:solidFill>
-                <a:highlight>
-                  <a:srgbClr val="FFFF00"/>
-                </a:highlight>
-                <a:latin typeface="Consolas" panose="020B0609020204030204" pitchFamily="49" charset="0"/>
-              </a:rPr>
-              <a:t>RewriteOptions</a:t>
-            </a:r>
-            <a:r>
-              <a:rPr lang="en-US" dirty="0">
-                <a:solidFill>
-                  <a:srgbClr val="000000"/>
-                </a:solidFill>
-                <a:highlight>
-                  <a:srgbClr val="FFFF00"/>
-                </a:highlight>
-                <a:latin typeface="Consolas" panose="020B0609020204030204" pitchFamily="49" charset="0"/>
-              </a:rPr>
-              <a:t>().</a:t>
-            </a:r>
-            <a:r>
-              <a:rPr lang="en-US" dirty="0" err="1">
-                <a:solidFill>
-                  <a:srgbClr val="795E26"/>
-                </a:solidFill>
-                <a:highlight>
-                  <a:srgbClr val="FFFF00"/>
-                </a:highlight>
-                <a:latin typeface="Consolas" panose="020B0609020204030204" pitchFamily="49" charset="0"/>
-              </a:rPr>
-              <a:t>AddRedirectToHttps</a:t>
-            </a:r>
-            <a:r>
-              <a:rPr lang="en-US" dirty="0">
-                <a:solidFill>
-                  <a:srgbClr val="000000"/>
-                </a:solidFill>
-                <a:highlight>
-                  <a:srgbClr val="FFFF00"/>
-                </a:highlight>
-                <a:latin typeface="Consolas" panose="020B0609020204030204" pitchFamily="49" charset="0"/>
-              </a:rPr>
               <a:t>();</a:t>
             </a:r>
           </a:p>
           <a:p>
-            <a:pPr lvl="1"/>
-            <a:r>
-              <a:rPr lang="en-US" dirty="0" err="1">
-                <a:solidFill>
-                  <a:srgbClr val="001080"/>
-                </a:solidFill>
-                <a:highlight>
-                  <a:srgbClr val="FFFF00"/>
-                </a:highlight>
-                <a:latin typeface="Consolas" panose="020B0609020204030204" pitchFamily="49" charset="0"/>
-              </a:rPr>
-              <a:t>app</a:t>
-            </a:r>
-            <a:r>
-              <a:rPr lang="en-US" dirty="0" err="1">
-                <a:solidFill>
-                  <a:srgbClr val="000000"/>
-                </a:solidFill>
-                <a:highlight>
-                  <a:srgbClr val="FFFF00"/>
-                </a:highlight>
-                <a:latin typeface="Consolas" panose="020B0609020204030204" pitchFamily="49" charset="0"/>
-              </a:rPr>
-              <a:t>.</a:t>
-            </a:r>
-            <a:r>
-              <a:rPr lang="en-US" dirty="0" err="1">
-                <a:solidFill>
-                  <a:srgbClr val="795E26"/>
-                </a:solidFill>
-                <a:highlight>
-                  <a:srgbClr val="FFFF00"/>
-                </a:highlight>
-                <a:latin typeface="Consolas" panose="020B0609020204030204" pitchFamily="49" charset="0"/>
-              </a:rPr>
-              <a:t>UseRewriter</a:t>
-            </a:r>
-            <a:r>
-              <a:rPr lang="en-US" dirty="0">
-                <a:solidFill>
-                  <a:srgbClr val="000000"/>
-                </a:solidFill>
-                <a:highlight>
-                  <a:srgbClr val="FFFF00"/>
-                </a:highlight>
-                <a:latin typeface="Consolas" panose="020B0609020204030204" pitchFamily="49" charset="0"/>
-              </a:rPr>
-              <a:t>(</a:t>
-            </a:r>
-            <a:r>
-              <a:rPr lang="en-US" dirty="0">
-                <a:solidFill>
-                  <a:srgbClr val="001080"/>
-                </a:solidFill>
-                <a:highlight>
-                  <a:srgbClr val="FFFF00"/>
-                </a:highlight>
-                <a:latin typeface="Consolas" panose="020B0609020204030204" pitchFamily="49" charset="0"/>
-              </a:rPr>
-              <a:t>options</a:t>
-            </a:r>
-            <a:r>
-              <a:rPr lang="en-US" dirty="0">
-                <a:solidFill>
-                  <a:srgbClr val="000000"/>
-                </a:solidFill>
-                <a:highlight>
-                  <a:srgbClr val="FFFF00"/>
-                </a:highlight>
-                <a:latin typeface="Consolas" panose="020B0609020204030204" pitchFamily="49" charset="0"/>
-              </a:rPr>
-              <a:t>);</a:t>
+            <a:r>
+              <a:rPr lang="ro-RO" sz="1800" dirty="0">
+                <a:solidFill>
+                  <a:srgbClr val="000000"/>
+                </a:solidFill>
+                <a:latin typeface="Consolas" panose="020B0609020204030204" pitchFamily="49" charset="0"/>
+              </a:rPr>
+              <a:t>    </a:t>
+            </a:r>
+            <a:r>
+              <a:rPr lang="ro-RO" sz="1800" dirty="0" err="1">
+                <a:solidFill>
+                  <a:srgbClr val="000000"/>
+                </a:solidFill>
+                <a:latin typeface="Consolas" panose="020B0609020204030204" pitchFamily="49" charset="0"/>
+              </a:rPr>
+              <a:t>app.UseStaticFiles</a:t>
+            </a:r>
+            <a:r>
+              <a:rPr lang="ro-RO" sz="1800" dirty="0">
+                <a:solidFill>
+                  <a:srgbClr val="000000"/>
+                </a:solidFill>
+                <a:latin typeface="Consolas" panose="020B0609020204030204" pitchFamily="49" charset="0"/>
+              </a:rPr>
+              <a:t>();</a:t>
+            </a:r>
+          </a:p>
+          <a:p>
+            <a:r>
+              <a:rPr lang="ro-RO" sz="1800" dirty="0">
+                <a:solidFill>
+                  <a:srgbClr val="000000"/>
+                </a:solidFill>
+                <a:latin typeface="Consolas" panose="020B0609020204030204" pitchFamily="49" charset="0"/>
+              </a:rPr>
+              <a:t>    </a:t>
+            </a:r>
+            <a:r>
+              <a:rPr lang="ro-RO" sz="1800" dirty="0" err="1">
+                <a:solidFill>
+                  <a:srgbClr val="000000"/>
+                </a:solidFill>
+                <a:latin typeface="Consolas" panose="020B0609020204030204" pitchFamily="49" charset="0"/>
+              </a:rPr>
+              <a:t>app.UseCookiePolicy</a:t>
+            </a:r>
+            <a:r>
+              <a:rPr lang="ro-RO" sz="1800" dirty="0">
+                <a:solidFill>
+                  <a:srgbClr val="000000"/>
+                </a:solidFill>
+                <a:latin typeface="Consolas" panose="020B0609020204030204" pitchFamily="49" charset="0"/>
+              </a:rPr>
+              <a:t>();</a:t>
+            </a:r>
+          </a:p>
+          <a:p>
+            <a:endParaRPr lang="ro-RO" sz="1800" dirty="0">
+              <a:solidFill>
+                <a:srgbClr val="000000"/>
+              </a:solidFill>
+              <a:latin typeface="Consolas" panose="020B0609020204030204" pitchFamily="49" charset="0"/>
+            </a:endParaRPr>
+          </a:p>
+          <a:p>
+            <a:r>
+              <a:rPr lang="ro-RO" sz="1800" dirty="0">
+                <a:solidFill>
+                  <a:srgbClr val="000000"/>
+                </a:solidFill>
+                <a:latin typeface="Consolas" panose="020B0609020204030204" pitchFamily="49" charset="0"/>
+              </a:rPr>
+              <a:t>    </a:t>
+            </a:r>
+            <a:r>
+              <a:rPr lang="ro-RO" sz="1800" dirty="0" err="1">
+                <a:solidFill>
+                  <a:srgbClr val="000000"/>
+                </a:solidFill>
+                <a:latin typeface="Consolas" panose="020B0609020204030204" pitchFamily="49" charset="0"/>
+              </a:rPr>
+              <a:t>app.UseMvc</a:t>
+            </a:r>
+            <a:r>
+              <a:rPr lang="ro-RO" sz="1800" dirty="0">
+                <a:solidFill>
+                  <a:srgbClr val="000000"/>
+                </a:solidFill>
+                <a:latin typeface="Consolas" panose="020B0609020204030204" pitchFamily="49" charset="0"/>
+              </a:rPr>
+              <a:t>();</a:t>
+            </a:r>
+          </a:p>
+          <a:p>
+            <a:r>
+              <a:rPr lang="ro-RO" sz="1800" dirty="0">
+                <a:solidFill>
+                  <a:srgbClr val="000000"/>
+                </a:solidFill>
+                <a:latin typeface="Consolas" panose="020B0609020204030204" pitchFamily="49" charset="0"/>
+              </a:rPr>
+              <a:t>}</a:t>
             </a:r>
             <a:endParaRPr lang="en-US" b="0" dirty="0">
               <a:solidFill>
@@ -21308,6 +21310,754 @@
 </file>
 
 <file path=ppt/slides/slide32.xml><?xml version="1.0" encoding="utf-8"?>
+<p:sld xmlns:a="http://schemas.openxmlformats.org/drawingml/2006/main" xmlns:r="http://schemas.openxmlformats.org/officeDocument/2006/relationships" xmlns:p="http://schemas.openxmlformats.org/presentationml/2006/main">
+  <p:cSld>
+    <p:spTree>
+      <p:nvGrpSpPr>
+        <p:cNvPr id="1" name=""/>
+        <p:cNvGrpSpPr/>
+        <p:nvPr/>
+      </p:nvGrpSpPr>
+      <p:grpSpPr>
+        <a:xfrm>
+          <a:off x="0" y="0"/>
+          <a:ext cx="0" cy="0"/>
+          <a:chOff x="0" y="0"/>
+          <a:chExt cx="0" cy="0"/>
+        </a:xfrm>
+      </p:grpSpPr>
+      <p:sp>
+        <p:nvSpPr>
+          <p:cNvPr id="2" name="Title 1"/>
+          <p:cNvSpPr>
+            <a:spLocks noGrp="1"/>
+          </p:cNvSpPr>
+          <p:nvPr>
+            <p:ph type="title"/>
+          </p:nvPr>
+        </p:nvSpPr>
+        <p:spPr/>
+        <p:txBody>
+          <a:bodyPr/>
+          <a:lstStyle/>
+          <a:p>
+            <a:r>
+              <a:rPr lang="en-US" dirty="0"/>
+              <a:t>Authorization</a:t>
+            </a:r>
+          </a:p>
+        </p:txBody>
+      </p:sp>
+      <p:sp>
+        <p:nvSpPr>
+          <p:cNvPr id="3" name="Content Placeholder 2"/>
+          <p:cNvSpPr>
+            <a:spLocks noGrp="1"/>
+          </p:cNvSpPr>
+          <p:nvPr>
+            <p:ph idx="1"/>
+          </p:nvPr>
+        </p:nvSpPr>
+        <p:spPr/>
+        <p:txBody>
+          <a:bodyPr/>
+          <a:lstStyle/>
+          <a:p>
+            <a:pPr marL="342900" indent="-342900">
+              <a:buFont typeface="Wingdings" panose="05000000000000000000" pitchFamily="2" charset="2"/>
+              <a:buChar char="§"/>
+            </a:pPr>
+            <a:r>
+              <a:rPr lang="en-US" b="1" dirty="0"/>
+              <a:t>Is an opt-in security enhancement that's specified by a web app through the use of a response header. </a:t>
+            </a:r>
+          </a:p>
+          <a:p>
+            <a:pPr marL="342900" indent="-342900">
+              <a:buFont typeface="Wingdings" panose="05000000000000000000" pitchFamily="2" charset="2"/>
+              <a:buChar char="§"/>
+            </a:pPr>
+            <a:endParaRPr lang="en-US" b="1" dirty="0"/>
+          </a:p>
+          <a:p>
+            <a:pPr marL="342900" indent="-342900">
+              <a:buFont typeface="Wingdings" panose="05000000000000000000" pitchFamily="2" charset="2"/>
+              <a:buChar char="§"/>
+            </a:pPr>
+            <a:r>
+              <a:rPr lang="en-US" b="1" dirty="0"/>
+              <a:t>When a browser that supports HSTS receives this header:</a:t>
+            </a:r>
+          </a:p>
+          <a:p>
+            <a:pPr marL="597150" lvl="1" indent="-342900">
+              <a:buFont typeface="Wingdings" panose="05000000000000000000" pitchFamily="2" charset="2"/>
+              <a:buChar char="§"/>
+            </a:pPr>
+            <a:r>
+              <a:rPr lang="en-US" b="1" dirty="0"/>
+              <a:t>The browser stores configuration for the domain that prevents sending any communication over HTTP. The browser forces all communication over HTTPS.</a:t>
+            </a:r>
+          </a:p>
+          <a:p>
+            <a:pPr marL="597150" lvl="1" indent="-342900">
+              <a:buFont typeface="Wingdings" panose="05000000000000000000" pitchFamily="2" charset="2"/>
+              <a:buChar char="§"/>
+            </a:pPr>
+            <a:r>
+              <a:rPr lang="en-US" b="1" dirty="0"/>
+              <a:t>The browser prevents the user from using untrusted or invalid certificates. The browser disables prompts that allow a user to temporarily trust such a certificate.</a:t>
+            </a:r>
+          </a:p>
+          <a:p>
+            <a:pPr marL="597150" lvl="1" indent="-342900">
+              <a:buFont typeface="Wingdings" panose="05000000000000000000" pitchFamily="2" charset="2"/>
+              <a:buChar char="§"/>
+            </a:pPr>
+            <a:endParaRPr lang="en-US" b="1" dirty="0"/>
+          </a:p>
+          <a:p>
+            <a:pPr marL="342900" indent="-342900">
+              <a:buFont typeface="Wingdings" panose="05000000000000000000" pitchFamily="2" charset="2"/>
+              <a:buChar char="§"/>
+            </a:pPr>
+            <a:r>
+              <a:rPr lang="en-US" b="1" dirty="0"/>
+              <a:t>Further details: </a:t>
+            </a:r>
+            <a:r>
+              <a:rPr lang="en-US" dirty="0">
+                <a:hlinkClick r:id="rId2"/>
+              </a:rPr>
+              <a:t>docs.microsoft.com/</a:t>
+            </a:r>
+            <a:r>
+              <a:rPr lang="en-US" dirty="0" err="1">
+                <a:hlinkClick r:id="rId2"/>
+              </a:rPr>
+              <a:t>en</a:t>
+            </a:r>
+            <a:r>
+              <a:rPr lang="en-US" dirty="0">
+                <a:hlinkClick r:id="rId2"/>
+              </a:rPr>
+              <a:t>-us/</a:t>
+            </a:r>
+            <a:r>
+              <a:rPr lang="en-US" dirty="0" err="1">
+                <a:hlinkClick r:id="rId2"/>
+              </a:rPr>
+              <a:t>aspnet</a:t>
+            </a:r>
+            <a:r>
+              <a:rPr lang="en-US" dirty="0">
+                <a:hlinkClick r:id="rId2"/>
+              </a:rPr>
+              <a:t>/core/security/enforcing-</a:t>
+            </a:r>
+            <a:r>
+              <a:rPr lang="en-US" dirty="0" err="1">
+                <a:hlinkClick r:id="rId2"/>
+              </a:rPr>
+              <a:t>ssl</a:t>
+            </a:r>
+            <a:r>
+              <a:rPr lang="en-US" dirty="0"/>
+              <a:t> </a:t>
+            </a:r>
+            <a:endParaRPr lang="en-US" b="1" dirty="0"/>
+          </a:p>
+        </p:txBody>
+      </p:sp>
+      <p:sp>
+        <p:nvSpPr>
+          <p:cNvPr id="7" name="Text Placeholder 6">
+            <a:extLst>
+              <a:ext uri="{FF2B5EF4-FFF2-40B4-BE49-F238E27FC236}">
+                <a16:creationId xmlns:a16="http://schemas.microsoft.com/office/drawing/2014/main" id="{84636B64-81FE-4CEC-AF73-3F463C128453}"/>
+              </a:ext>
+            </a:extLst>
+          </p:cNvPr>
+          <p:cNvSpPr>
+            <a:spLocks noGrp="1"/>
+          </p:cNvSpPr>
+          <p:nvPr>
+            <p:ph type="body" sz="quarter" idx="10"/>
+          </p:nvPr>
+        </p:nvSpPr>
+        <p:spPr/>
+        <p:txBody>
+          <a:bodyPr/>
+          <a:lstStyle/>
+          <a:p>
+            <a:r>
+              <a:rPr lang="en-US" dirty="0"/>
+              <a:t>HTTP Strict Transport Security Protocol (HSTS)</a:t>
+            </a:r>
+          </a:p>
+        </p:txBody>
+      </p:sp>
+    </p:spTree>
+    <p:extLst>
+      <p:ext uri="{BB962C8B-B14F-4D97-AF65-F5344CB8AC3E}">
+        <p14:creationId xmlns:p14="http://schemas.microsoft.com/office/powerpoint/2010/main" val="2267584345"/>
+      </p:ext>
+    </p:extLst>
+  </p:cSld>
+  <p:clrMapOvr>
+    <a:masterClrMapping/>
+  </p:clrMapOvr>
+  <mc:AlternateContent xmlns:mc="http://schemas.openxmlformats.org/markup-compatibility/2006">
+    <mc:Choice xmlns:p14="http://schemas.microsoft.com/office/powerpoint/2010/main" Requires="p14">
+      <p:transition spd="med" p14:dur="700">
+        <p:fade/>
+      </p:transition>
+    </mc:Choice>
+    <mc:Fallback>
+      <p:transition spd="med">
+        <p:fade/>
+      </p:transition>
+    </mc:Fallback>
+  </mc:AlternateContent>
+</p:sld>
+</file>
+
+<file path=ppt/slides/slide33.xml><?xml version="1.0" encoding="utf-8"?>
+<p:sld xmlns:a="http://schemas.openxmlformats.org/drawingml/2006/main" xmlns:r="http://schemas.openxmlformats.org/officeDocument/2006/relationships" xmlns:p="http://schemas.openxmlformats.org/presentationml/2006/main">
+  <p:cSld>
+    <p:spTree>
+      <p:nvGrpSpPr>
+        <p:cNvPr id="1" name=""/>
+        <p:cNvGrpSpPr/>
+        <p:nvPr/>
+      </p:nvGrpSpPr>
+      <p:grpSpPr>
+        <a:xfrm>
+          <a:off x="0" y="0"/>
+          <a:ext cx="0" cy="0"/>
+          <a:chOff x="0" y="0"/>
+          <a:chExt cx="0" cy="0"/>
+        </a:xfrm>
+      </p:grpSpPr>
+      <p:sp>
+        <p:nvSpPr>
+          <p:cNvPr id="2" name="Title 1"/>
+          <p:cNvSpPr>
+            <a:spLocks noGrp="1"/>
+          </p:cNvSpPr>
+          <p:nvPr>
+            <p:ph type="title"/>
+          </p:nvPr>
+        </p:nvSpPr>
+        <p:spPr/>
+        <p:txBody>
+          <a:bodyPr/>
+          <a:lstStyle/>
+          <a:p>
+            <a:r>
+              <a:rPr lang="en-US" dirty="0"/>
+              <a:t>Authorization</a:t>
+            </a:r>
+          </a:p>
+        </p:txBody>
+      </p:sp>
+      <p:sp>
+        <p:nvSpPr>
+          <p:cNvPr id="3" name="Content Placeholder 2"/>
+          <p:cNvSpPr>
+            <a:spLocks noGrp="1"/>
+          </p:cNvSpPr>
+          <p:nvPr>
+            <p:ph idx="1"/>
+          </p:nvPr>
+        </p:nvSpPr>
+        <p:spPr>
+          <a:solidFill>
+            <a:schemeClr val="bg1"/>
+          </a:solidFill>
+        </p:spPr>
+        <p:txBody>
+          <a:bodyPr/>
+          <a:lstStyle/>
+          <a:p>
+            <a:r>
+              <a:rPr lang="ro-RO" sz="1800" dirty="0">
+                <a:solidFill>
+                  <a:srgbClr val="0000FF"/>
+                </a:solidFill>
+                <a:latin typeface="Consolas" panose="020B0609020204030204" pitchFamily="49" charset="0"/>
+              </a:rPr>
+              <a:t>public</a:t>
+            </a:r>
+            <a:r>
+              <a:rPr lang="ro-RO" sz="1800" dirty="0">
+                <a:solidFill>
+                  <a:srgbClr val="000000"/>
+                </a:solidFill>
+                <a:latin typeface="Consolas" panose="020B0609020204030204" pitchFamily="49" charset="0"/>
+              </a:rPr>
+              <a:t> </a:t>
+            </a:r>
+            <a:r>
+              <a:rPr lang="ro-RO" sz="1800" dirty="0" err="1">
+                <a:solidFill>
+                  <a:srgbClr val="0000FF"/>
+                </a:solidFill>
+                <a:latin typeface="Consolas" panose="020B0609020204030204" pitchFamily="49" charset="0"/>
+              </a:rPr>
+              <a:t>void</a:t>
+            </a:r>
+            <a:r>
+              <a:rPr lang="ro-RO" sz="1800" dirty="0">
+                <a:solidFill>
+                  <a:srgbClr val="000000"/>
+                </a:solidFill>
+                <a:latin typeface="Consolas" panose="020B0609020204030204" pitchFamily="49" charset="0"/>
+              </a:rPr>
+              <a:t> </a:t>
+            </a:r>
+            <a:r>
+              <a:rPr lang="ro-RO" sz="1800" dirty="0" err="1">
+                <a:solidFill>
+                  <a:srgbClr val="000000"/>
+                </a:solidFill>
+                <a:latin typeface="Consolas" panose="020B0609020204030204" pitchFamily="49" charset="0"/>
+              </a:rPr>
+              <a:t>Configure</a:t>
+            </a:r>
+            <a:r>
+              <a:rPr lang="ro-RO" sz="1800" dirty="0">
+                <a:solidFill>
+                  <a:srgbClr val="000000"/>
+                </a:solidFill>
+                <a:latin typeface="Consolas" panose="020B0609020204030204" pitchFamily="49" charset="0"/>
+              </a:rPr>
+              <a:t>(</a:t>
+            </a:r>
+            <a:r>
+              <a:rPr lang="ro-RO" sz="1800" dirty="0" err="1">
+                <a:solidFill>
+                  <a:srgbClr val="000000"/>
+                </a:solidFill>
+                <a:latin typeface="Consolas" panose="020B0609020204030204" pitchFamily="49" charset="0"/>
+              </a:rPr>
+              <a:t>IApplicationBuilder</a:t>
+            </a:r>
+            <a:r>
+              <a:rPr lang="ro-RO" sz="1800" dirty="0">
+                <a:solidFill>
+                  <a:srgbClr val="000000"/>
+                </a:solidFill>
+                <a:latin typeface="Consolas" panose="020B0609020204030204" pitchFamily="49" charset="0"/>
+              </a:rPr>
+              <a:t> </a:t>
+            </a:r>
+            <a:r>
+              <a:rPr lang="ro-RO" sz="1800" dirty="0" err="1">
+                <a:solidFill>
+                  <a:srgbClr val="000000"/>
+                </a:solidFill>
+                <a:latin typeface="Consolas" panose="020B0609020204030204" pitchFamily="49" charset="0"/>
+              </a:rPr>
+              <a:t>app</a:t>
+            </a:r>
+            <a:r>
+              <a:rPr lang="ro-RO" sz="1800" dirty="0">
+                <a:solidFill>
+                  <a:srgbClr val="000000"/>
+                </a:solidFill>
+                <a:latin typeface="Consolas" panose="020B0609020204030204" pitchFamily="49" charset="0"/>
+              </a:rPr>
+              <a:t>, </a:t>
+            </a:r>
+            <a:r>
+              <a:rPr lang="ro-RO" sz="1800" dirty="0" err="1">
+                <a:solidFill>
+                  <a:srgbClr val="000000"/>
+                </a:solidFill>
+                <a:latin typeface="Consolas" panose="020B0609020204030204" pitchFamily="49" charset="0"/>
+              </a:rPr>
+              <a:t>IHostingEnvironment</a:t>
+            </a:r>
+            <a:r>
+              <a:rPr lang="ro-RO" sz="1800" dirty="0">
+                <a:solidFill>
+                  <a:srgbClr val="000000"/>
+                </a:solidFill>
+                <a:latin typeface="Consolas" panose="020B0609020204030204" pitchFamily="49" charset="0"/>
+              </a:rPr>
+              <a:t> </a:t>
+            </a:r>
+            <a:r>
+              <a:rPr lang="ro-RO" sz="1800" dirty="0" err="1">
+                <a:solidFill>
+                  <a:srgbClr val="000000"/>
+                </a:solidFill>
+                <a:latin typeface="Consolas" panose="020B0609020204030204" pitchFamily="49" charset="0"/>
+              </a:rPr>
+              <a:t>env</a:t>
+            </a:r>
+            <a:r>
+              <a:rPr lang="ro-RO" sz="1800" dirty="0">
+                <a:solidFill>
+                  <a:srgbClr val="000000"/>
+                </a:solidFill>
+                <a:latin typeface="Consolas" panose="020B0609020204030204" pitchFamily="49" charset="0"/>
+              </a:rPr>
+              <a:t>)</a:t>
+            </a:r>
+          </a:p>
+          <a:p>
+            <a:r>
+              <a:rPr lang="ro-RO" sz="1800" dirty="0">
+                <a:solidFill>
+                  <a:srgbClr val="000000"/>
+                </a:solidFill>
+                <a:latin typeface="Consolas" panose="020B0609020204030204" pitchFamily="49" charset="0"/>
+              </a:rPr>
+              <a:t>{</a:t>
+            </a:r>
+          </a:p>
+          <a:p>
+            <a:r>
+              <a:rPr lang="ro-RO" sz="1800" dirty="0">
+                <a:solidFill>
+                  <a:srgbClr val="000000"/>
+                </a:solidFill>
+                <a:latin typeface="Consolas" panose="020B0609020204030204" pitchFamily="49" charset="0"/>
+              </a:rPr>
+              <a:t>    </a:t>
+            </a:r>
+            <a:r>
+              <a:rPr lang="ro-RO" sz="1800" dirty="0" err="1">
+                <a:solidFill>
+                  <a:srgbClr val="0000FF"/>
+                </a:solidFill>
+                <a:latin typeface="Consolas" panose="020B0609020204030204" pitchFamily="49" charset="0"/>
+              </a:rPr>
+              <a:t>if</a:t>
+            </a:r>
+            <a:r>
+              <a:rPr lang="ro-RO" sz="1800" dirty="0">
+                <a:solidFill>
+                  <a:srgbClr val="000000"/>
+                </a:solidFill>
+                <a:latin typeface="Consolas" panose="020B0609020204030204" pitchFamily="49" charset="0"/>
+              </a:rPr>
+              <a:t> (</a:t>
+            </a:r>
+            <a:r>
+              <a:rPr lang="ro-RO" sz="1800" dirty="0" err="1">
+                <a:solidFill>
+                  <a:srgbClr val="000000"/>
+                </a:solidFill>
+                <a:latin typeface="Consolas" panose="020B0609020204030204" pitchFamily="49" charset="0"/>
+              </a:rPr>
+              <a:t>env.IsDevelopment</a:t>
+            </a:r>
+            <a:r>
+              <a:rPr lang="ro-RO" sz="1800" dirty="0">
+                <a:solidFill>
+                  <a:srgbClr val="000000"/>
+                </a:solidFill>
+                <a:latin typeface="Consolas" panose="020B0609020204030204" pitchFamily="49" charset="0"/>
+              </a:rPr>
+              <a:t>())</a:t>
+            </a:r>
+          </a:p>
+          <a:p>
+            <a:r>
+              <a:rPr lang="ro-RO" sz="1800" dirty="0">
+                <a:solidFill>
+                  <a:srgbClr val="000000"/>
+                </a:solidFill>
+                <a:latin typeface="Consolas" panose="020B0609020204030204" pitchFamily="49" charset="0"/>
+              </a:rPr>
+              <a:t>    {</a:t>
+            </a:r>
+          </a:p>
+          <a:p>
+            <a:r>
+              <a:rPr lang="ro-RO" sz="1800" dirty="0">
+                <a:solidFill>
+                  <a:srgbClr val="000000"/>
+                </a:solidFill>
+                <a:latin typeface="Consolas" panose="020B0609020204030204" pitchFamily="49" charset="0"/>
+              </a:rPr>
+              <a:t>        </a:t>
+            </a:r>
+            <a:r>
+              <a:rPr lang="ro-RO" sz="1800" dirty="0" err="1">
+                <a:solidFill>
+                  <a:srgbClr val="000000"/>
+                </a:solidFill>
+                <a:latin typeface="Consolas" panose="020B0609020204030204" pitchFamily="49" charset="0"/>
+              </a:rPr>
+              <a:t>app.UseDeveloperExceptionPage</a:t>
+            </a:r>
+            <a:r>
+              <a:rPr lang="ro-RO" sz="1800" dirty="0">
+                <a:solidFill>
+                  <a:srgbClr val="000000"/>
+                </a:solidFill>
+                <a:latin typeface="Consolas" panose="020B0609020204030204" pitchFamily="49" charset="0"/>
+              </a:rPr>
+              <a:t>();</a:t>
+            </a:r>
+          </a:p>
+          <a:p>
+            <a:r>
+              <a:rPr lang="ro-RO" sz="1800" dirty="0">
+                <a:solidFill>
+                  <a:srgbClr val="000000"/>
+                </a:solidFill>
+                <a:latin typeface="Consolas" panose="020B0609020204030204" pitchFamily="49" charset="0"/>
+              </a:rPr>
+              <a:t>    }</a:t>
+            </a:r>
+          </a:p>
+          <a:p>
+            <a:r>
+              <a:rPr lang="ro-RO" sz="1800" dirty="0">
+                <a:solidFill>
+                  <a:srgbClr val="000000"/>
+                </a:solidFill>
+                <a:latin typeface="Consolas" panose="020B0609020204030204" pitchFamily="49" charset="0"/>
+              </a:rPr>
+              <a:t>    </a:t>
+            </a:r>
+            <a:r>
+              <a:rPr lang="ro-RO" sz="1800" dirty="0" err="1">
+                <a:solidFill>
+                  <a:srgbClr val="0000FF"/>
+                </a:solidFill>
+                <a:latin typeface="Consolas" panose="020B0609020204030204" pitchFamily="49" charset="0"/>
+              </a:rPr>
+              <a:t>else</a:t>
+            </a:r>
+            <a:endParaRPr lang="ro-RO" sz="1800" dirty="0">
+              <a:solidFill>
+                <a:srgbClr val="000000"/>
+              </a:solidFill>
+              <a:latin typeface="Consolas" panose="020B0609020204030204" pitchFamily="49" charset="0"/>
+            </a:endParaRPr>
+          </a:p>
+          <a:p>
+            <a:r>
+              <a:rPr lang="ro-RO" sz="1800" dirty="0">
+                <a:solidFill>
+                  <a:srgbClr val="000000"/>
+                </a:solidFill>
+                <a:latin typeface="Consolas" panose="020B0609020204030204" pitchFamily="49" charset="0"/>
+              </a:rPr>
+              <a:t>    {</a:t>
+            </a:r>
+          </a:p>
+          <a:p>
+            <a:r>
+              <a:rPr lang="ro-RO" sz="1800" dirty="0">
+                <a:solidFill>
+                  <a:srgbClr val="000000"/>
+                </a:solidFill>
+                <a:latin typeface="Consolas" panose="020B0609020204030204" pitchFamily="49" charset="0"/>
+              </a:rPr>
+              <a:t>        </a:t>
+            </a:r>
+            <a:r>
+              <a:rPr lang="ro-RO" sz="1800" dirty="0" err="1">
+                <a:solidFill>
+                  <a:srgbClr val="000000"/>
+                </a:solidFill>
+                <a:latin typeface="Consolas" panose="020B0609020204030204" pitchFamily="49" charset="0"/>
+              </a:rPr>
+              <a:t>app.UseExceptionHandler</a:t>
+            </a:r>
+            <a:r>
+              <a:rPr lang="ro-RO" sz="1800" dirty="0">
+                <a:solidFill>
+                  <a:srgbClr val="000000"/>
+                </a:solidFill>
+                <a:latin typeface="Consolas" panose="020B0609020204030204" pitchFamily="49" charset="0"/>
+              </a:rPr>
+              <a:t>(</a:t>
+            </a:r>
+            <a:r>
+              <a:rPr lang="ro-RO" sz="1800" dirty="0">
+                <a:solidFill>
+                  <a:srgbClr val="A31515"/>
+                </a:solidFill>
+                <a:latin typeface="Consolas" panose="020B0609020204030204" pitchFamily="49" charset="0"/>
+              </a:rPr>
+              <a:t>"/</a:t>
+            </a:r>
+            <a:r>
+              <a:rPr lang="ro-RO" sz="1800" dirty="0" err="1">
+                <a:solidFill>
+                  <a:srgbClr val="A31515"/>
+                </a:solidFill>
+                <a:latin typeface="Consolas" panose="020B0609020204030204" pitchFamily="49" charset="0"/>
+              </a:rPr>
+              <a:t>Error</a:t>
+            </a:r>
+            <a:r>
+              <a:rPr lang="ro-RO" sz="1800" dirty="0">
+                <a:solidFill>
+                  <a:srgbClr val="A31515"/>
+                </a:solidFill>
+                <a:latin typeface="Consolas" panose="020B0609020204030204" pitchFamily="49" charset="0"/>
+              </a:rPr>
+              <a:t>"</a:t>
+            </a:r>
+            <a:r>
+              <a:rPr lang="ro-RO" sz="1800" dirty="0">
+                <a:solidFill>
+                  <a:srgbClr val="000000"/>
+                </a:solidFill>
+                <a:latin typeface="Consolas" panose="020B0609020204030204" pitchFamily="49" charset="0"/>
+              </a:rPr>
+              <a:t>);</a:t>
+            </a:r>
+          </a:p>
+          <a:p>
+            <a:r>
+              <a:rPr lang="ro-RO" sz="1800" dirty="0">
+                <a:solidFill>
+                  <a:srgbClr val="000000"/>
+                </a:solidFill>
+                <a:latin typeface="Consolas" panose="020B0609020204030204" pitchFamily="49" charset="0"/>
+              </a:rPr>
+              <a:t>        </a:t>
+            </a:r>
+            <a:r>
+              <a:rPr lang="ro-RO" sz="1800" dirty="0" err="1">
+                <a:solidFill>
+                  <a:srgbClr val="000000"/>
+                </a:solidFill>
+                <a:highlight>
+                  <a:srgbClr val="FFFF00"/>
+                </a:highlight>
+                <a:latin typeface="Consolas" panose="020B0609020204030204" pitchFamily="49" charset="0"/>
+              </a:rPr>
+              <a:t>app.UseHsts</a:t>
+            </a:r>
+            <a:r>
+              <a:rPr lang="ro-RO" sz="1800" dirty="0">
+                <a:solidFill>
+                  <a:srgbClr val="000000"/>
+                </a:solidFill>
+                <a:highlight>
+                  <a:srgbClr val="FFFF00"/>
+                </a:highlight>
+                <a:latin typeface="Consolas" panose="020B0609020204030204" pitchFamily="49" charset="0"/>
+              </a:rPr>
+              <a:t>();</a:t>
+            </a:r>
+          </a:p>
+          <a:p>
+            <a:r>
+              <a:rPr lang="ro-RO" sz="1800" dirty="0">
+                <a:solidFill>
+                  <a:srgbClr val="000000"/>
+                </a:solidFill>
+                <a:latin typeface="Consolas" panose="020B0609020204030204" pitchFamily="49" charset="0"/>
+              </a:rPr>
+              <a:t>    }</a:t>
+            </a:r>
+          </a:p>
+          <a:p>
+            <a:r>
+              <a:rPr lang="ro-RO" sz="1800" dirty="0">
+                <a:solidFill>
+                  <a:srgbClr val="000000"/>
+                </a:solidFill>
+                <a:latin typeface="Consolas" panose="020B0609020204030204" pitchFamily="49" charset="0"/>
+              </a:rPr>
+              <a:t>    </a:t>
+            </a:r>
+            <a:r>
+              <a:rPr lang="en-US" sz="1800" dirty="0">
+                <a:solidFill>
+                  <a:srgbClr val="000000"/>
+                </a:solidFill>
+                <a:latin typeface="Consolas" panose="020B0609020204030204" pitchFamily="49" charset="0"/>
+              </a:rPr>
+              <a:t>…</a:t>
+            </a:r>
+            <a:endParaRPr lang="ro-RO" sz="1800" dirty="0">
+              <a:solidFill>
+                <a:srgbClr val="000000"/>
+              </a:solidFill>
+              <a:latin typeface="Consolas" panose="020B0609020204030204" pitchFamily="49" charset="0"/>
+            </a:endParaRPr>
+          </a:p>
+          <a:p>
+            <a:r>
+              <a:rPr lang="ro-RO" sz="1800">
+                <a:solidFill>
+                  <a:srgbClr val="000000"/>
+                </a:solidFill>
+                <a:latin typeface="Consolas" panose="020B0609020204030204" pitchFamily="49" charset="0"/>
+              </a:rPr>
+              <a:t>}</a:t>
+            </a:r>
+            <a:endParaRPr lang="en-US" b="1" dirty="0"/>
+          </a:p>
+        </p:txBody>
+      </p:sp>
+      <p:sp>
+        <p:nvSpPr>
+          <p:cNvPr id="7" name="Text Placeholder 6">
+            <a:extLst>
+              <a:ext uri="{FF2B5EF4-FFF2-40B4-BE49-F238E27FC236}">
+                <a16:creationId xmlns:a16="http://schemas.microsoft.com/office/drawing/2014/main" id="{84636B64-81FE-4CEC-AF73-3F463C128453}"/>
+              </a:ext>
+            </a:extLst>
+          </p:cNvPr>
+          <p:cNvSpPr>
+            <a:spLocks noGrp="1"/>
+          </p:cNvSpPr>
+          <p:nvPr>
+            <p:ph type="body" sz="quarter" idx="10"/>
+          </p:nvPr>
+        </p:nvSpPr>
+        <p:spPr/>
+        <p:txBody>
+          <a:bodyPr/>
+          <a:lstStyle/>
+          <a:p>
+            <a:r>
+              <a:rPr lang="en-US" dirty="0"/>
+              <a:t>HTTP Strict Transport Security Protocol (HSTS)</a:t>
+            </a:r>
+          </a:p>
+        </p:txBody>
+      </p:sp>
+    </p:spTree>
+    <p:extLst>
+      <p:ext uri="{BB962C8B-B14F-4D97-AF65-F5344CB8AC3E}">
+        <p14:creationId xmlns:p14="http://schemas.microsoft.com/office/powerpoint/2010/main" val="1435569525"/>
+      </p:ext>
+    </p:extLst>
+  </p:cSld>
+  <p:clrMapOvr>
+    <a:masterClrMapping/>
+  </p:clrMapOvr>
+  <mc:AlternateContent xmlns:mc="http://schemas.openxmlformats.org/markup-compatibility/2006">
+    <mc:Choice xmlns:p14="http://schemas.microsoft.com/office/powerpoint/2010/main" Requires="p14">
+      <p:transition spd="med" p14:dur="700">
+        <p:fade/>
+      </p:transition>
+    </mc:Choice>
+    <mc:Fallback>
+      <p:transition spd="med">
+        <p:fade/>
+      </p:transition>
+    </mc:Fallback>
+  </mc:AlternateContent>
+</p:sld>
+</file>
+
+<file path=ppt/slides/slide34.xml><?xml version="1.0" encoding="utf-8"?>
 <p:sld xmlns:a="http://schemas.openxmlformats.org/drawingml/2006/main" xmlns:r="http://schemas.openxmlformats.org/officeDocument/2006/relationships" xmlns:p="http://schemas.openxmlformats.org/presentationml/2006/main">
   <p:cSld>
     <p:spTree>
